--- a/ExperiencesTalks/AuthzServiceMigration.pptx
+++ b/ExperiencesTalks/AuthzServiceMigration.pptx
@@ -5,41 +5,47 @@
     <p:sldMasterId id="2147483659" r:id="rId1"/>
   </p:sldMasterIdLst>
   <p:notesMasterIdLst>
-    <p:notesMasterId r:id="rId17"/>
+    <p:notesMasterId r:id="rId23"/>
   </p:notesMasterIdLst>
   <p:sldIdLst>
     <p:sldId id="256" r:id="rId2"/>
     <p:sldId id="258" r:id="rId3"/>
     <p:sldId id="259" r:id="rId4"/>
-    <p:sldId id="294" r:id="rId5"/>
-    <p:sldId id="292" r:id="rId6"/>
-    <p:sldId id="282" r:id="rId7"/>
-    <p:sldId id="293" r:id="rId8"/>
-    <p:sldId id="284" r:id="rId9"/>
-    <p:sldId id="290" r:id="rId10"/>
-    <p:sldId id="291" r:id="rId11"/>
-    <p:sldId id="295" r:id="rId12"/>
-    <p:sldId id="297" r:id="rId13"/>
-    <p:sldId id="298" r:id="rId14"/>
-    <p:sldId id="296" r:id="rId15"/>
-    <p:sldId id="281" r:id="rId16"/>
+    <p:sldId id="293" r:id="rId5"/>
+    <p:sldId id="294" r:id="rId6"/>
+    <p:sldId id="292" r:id="rId7"/>
+    <p:sldId id="302" r:id="rId8"/>
+    <p:sldId id="303" r:id="rId9"/>
+    <p:sldId id="284" r:id="rId10"/>
+    <p:sldId id="290" r:id="rId11"/>
+    <p:sldId id="301" r:id="rId12"/>
+    <p:sldId id="291" r:id="rId13"/>
+    <p:sldId id="304" r:id="rId14"/>
+    <p:sldId id="295" r:id="rId15"/>
+    <p:sldId id="297" r:id="rId16"/>
+    <p:sldId id="298" r:id="rId17"/>
+    <p:sldId id="296" r:id="rId18"/>
+    <p:sldId id="299" r:id="rId19"/>
+    <p:sldId id="300" r:id="rId20"/>
+    <p:sldId id="305" r:id="rId21"/>
+    <p:sldId id="281" r:id="rId22"/>
   </p:sldIdLst>
   <p:sldSz cx="9144000" cy="5143500" type="screen16x9"/>
   <p:notesSz cx="6858000" cy="9144000"/>
   <p:embeddedFontLst>
     <p:embeddedFont>
       <p:font typeface="Lato" panose="020F0502020204030203" pitchFamily="34" charset="0"/>
-      <p:regular r:id="rId18"/>
-      <p:bold r:id="rId19"/>
-      <p:italic r:id="rId20"/>
-      <p:boldItalic r:id="rId21"/>
+      <p:regular r:id="rId24"/>
+      <p:bold r:id="rId25"/>
+      <p:italic r:id="rId26"/>
+      <p:boldItalic r:id="rId27"/>
     </p:embeddedFont>
     <p:embeddedFont>
       <p:font typeface="Raleway" pitchFamily="2" charset="0"/>
-      <p:regular r:id="rId22"/>
-      <p:bold r:id="rId23"/>
-      <p:italic r:id="rId24"/>
-      <p:boldItalic r:id="rId25"/>
+      <p:regular r:id="rId28"/>
+      <p:bold r:id="rId29"/>
+      <p:italic r:id="rId30"/>
+      <p:boldItalic r:id="rId31"/>
     </p:embeddedFont>
   </p:embeddedFontLst>
   <p:defaultTextStyle>
@@ -840,6 +846,514 @@
   <p:cSld>
     <p:spTree>
       <p:nvGrpSpPr>
+        <p:cNvPr id="1" name="Shape 107">
+          <a:extLst>
+            <a:ext uri="{FF2B5EF4-FFF2-40B4-BE49-F238E27FC236}">
+              <a16:creationId xmlns:a16="http://schemas.microsoft.com/office/drawing/2014/main" id="{17467078-92E8-24F8-3215-92A4CC582029}"/>
+            </a:ext>
+          </a:extLst>
+        </p:cNvPr>
+        <p:cNvGrpSpPr/>
+        <p:nvPr/>
+      </p:nvGrpSpPr>
+      <p:grpSpPr>
+        <a:xfrm>
+          <a:off x="0" y="0"/>
+          <a:ext cx="0" cy="0"/>
+          <a:chOff x="0" y="0"/>
+          <a:chExt cx="0" cy="0"/>
+        </a:xfrm>
+      </p:grpSpPr>
+      <p:sp>
+        <p:nvSpPr>
+          <p:cNvPr id="108" name="Google Shape;108;g10e963940e2_0_28:notes">
+            <a:extLst>
+              <a:ext uri="{FF2B5EF4-FFF2-40B4-BE49-F238E27FC236}">
+                <a16:creationId xmlns:a16="http://schemas.microsoft.com/office/drawing/2014/main" id="{5B0008B5-E77E-151A-3FBB-8A742C9F9DC0}"/>
+              </a:ext>
+            </a:extLst>
+          </p:cNvPr>
+          <p:cNvSpPr>
+            <a:spLocks noGrp="1" noRot="1" noChangeAspect="1"/>
+          </p:cNvSpPr>
+          <p:nvPr>
+            <p:ph type="sldImg" idx="2"/>
+          </p:nvPr>
+        </p:nvSpPr>
+        <p:spPr>
+          <a:xfrm>
+            <a:off x="381000" y="685800"/>
+            <a:ext cx="6096000" cy="3429000"/>
+          </a:xfrm>
+          <a:custGeom>
+            <a:avLst/>
+            <a:gdLst/>
+            <a:ahLst/>
+            <a:cxnLst/>
+            <a:rect l="l" t="t" r="r" b="b"/>
+            <a:pathLst>
+              <a:path w="120000" h="120000" extrusionOk="0">
+                <a:moveTo>
+                  <a:pt x="0" y="0"/>
+                </a:moveTo>
+                <a:lnTo>
+                  <a:pt x="120000" y="0"/>
+                </a:lnTo>
+                <a:lnTo>
+                  <a:pt x="120000" y="120000"/>
+                </a:lnTo>
+                <a:lnTo>
+                  <a:pt x="0" y="120000"/>
+                </a:lnTo>
+                <a:close/>
+              </a:path>
+            </a:pathLst>
+          </a:custGeom>
+        </p:spPr>
+      </p:sp>
+      <p:sp>
+        <p:nvSpPr>
+          <p:cNvPr id="109" name="Google Shape;109;g10e963940e2_0_28:notes">
+            <a:extLst>
+              <a:ext uri="{FF2B5EF4-FFF2-40B4-BE49-F238E27FC236}">
+                <a16:creationId xmlns:a16="http://schemas.microsoft.com/office/drawing/2014/main" id="{3ED3CD9D-3B8E-27C8-EB0A-C3EE12D6DB66}"/>
+              </a:ext>
+            </a:extLst>
+          </p:cNvPr>
+          <p:cNvSpPr txBox="1">
+            <a:spLocks noGrp="1"/>
+          </p:cNvSpPr>
+          <p:nvPr>
+            <p:ph type="body" idx="1"/>
+          </p:nvPr>
+        </p:nvSpPr>
+        <p:spPr>
+          <a:xfrm>
+            <a:off x="685800" y="4343400"/>
+            <a:ext cx="5486400" cy="4114800"/>
+          </a:xfrm>
+          <a:prstGeom prst="rect">
+            <a:avLst/>
+          </a:prstGeom>
+        </p:spPr>
+        <p:txBody>
+          <a:bodyPr spcFirstLastPara="1" wrap="square" lIns="91425" tIns="91425" rIns="91425" bIns="91425" anchor="t" anchorCtr="0">
+            <a:noAutofit/>
+          </a:bodyPr>
+          <a:lstStyle/>
+          <a:p>
+            <a:pPr marL="0" lvl="0" indent="0" algn="l" rtl="0">
+              <a:spcBef>
+                <a:spcPts val="0"/>
+              </a:spcBef>
+              <a:spcAft>
+                <a:spcPts val="0"/>
+              </a:spcAft>
+              <a:buNone/>
+            </a:pPr>
+            <a:endParaRPr/>
+          </a:p>
+        </p:txBody>
+      </p:sp>
+    </p:spTree>
+    <p:extLst>
+      <p:ext uri="{BB962C8B-B14F-4D97-AF65-F5344CB8AC3E}">
+        <p14:creationId xmlns:p14="http://schemas.microsoft.com/office/powerpoint/2010/main" val="3927979478"/>
+      </p:ext>
+    </p:extLst>
+  </p:cSld>
+  <p:clrMapOvr>
+    <a:masterClrMapping/>
+  </p:clrMapOvr>
+</p:notes>
+</file>
+
+<file path=ppt/notesSlides/notesSlide11.xml><?xml version="1.0" encoding="utf-8"?>
+<p:notes xmlns:a="http://schemas.openxmlformats.org/drawingml/2006/main" xmlns:r="http://schemas.openxmlformats.org/officeDocument/2006/relationships" xmlns:p="http://schemas.openxmlformats.org/presentationml/2006/main" showMasterSp="0" showMasterPhAnim="0">
+  <p:cSld>
+    <p:spTree>
+      <p:nvGrpSpPr>
+        <p:cNvPr id="1" name="Shape 107">
+          <a:extLst>
+            <a:ext uri="{FF2B5EF4-FFF2-40B4-BE49-F238E27FC236}">
+              <a16:creationId xmlns:a16="http://schemas.microsoft.com/office/drawing/2014/main" id="{0A834223-2480-5208-DF67-9080E9B3B0D7}"/>
+            </a:ext>
+          </a:extLst>
+        </p:cNvPr>
+        <p:cNvGrpSpPr/>
+        <p:nvPr/>
+      </p:nvGrpSpPr>
+      <p:grpSpPr>
+        <a:xfrm>
+          <a:off x="0" y="0"/>
+          <a:ext cx="0" cy="0"/>
+          <a:chOff x="0" y="0"/>
+          <a:chExt cx="0" cy="0"/>
+        </a:xfrm>
+      </p:grpSpPr>
+      <p:sp>
+        <p:nvSpPr>
+          <p:cNvPr id="108" name="Google Shape;108;g10e963940e2_0_28:notes">
+            <a:extLst>
+              <a:ext uri="{FF2B5EF4-FFF2-40B4-BE49-F238E27FC236}">
+                <a16:creationId xmlns:a16="http://schemas.microsoft.com/office/drawing/2014/main" id="{3841058B-5751-AD3D-5602-1A4B03D980D8}"/>
+              </a:ext>
+            </a:extLst>
+          </p:cNvPr>
+          <p:cNvSpPr>
+            <a:spLocks noGrp="1" noRot="1" noChangeAspect="1"/>
+          </p:cNvSpPr>
+          <p:nvPr>
+            <p:ph type="sldImg" idx="2"/>
+          </p:nvPr>
+        </p:nvSpPr>
+        <p:spPr>
+          <a:xfrm>
+            <a:off x="381000" y="685800"/>
+            <a:ext cx="6096000" cy="3429000"/>
+          </a:xfrm>
+          <a:custGeom>
+            <a:avLst/>
+            <a:gdLst/>
+            <a:ahLst/>
+            <a:cxnLst/>
+            <a:rect l="l" t="t" r="r" b="b"/>
+            <a:pathLst>
+              <a:path w="120000" h="120000" extrusionOk="0">
+                <a:moveTo>
+                  <a:pt x="0" y="0"/>
+                </a:moveTo>
+                <a:lnTo>
+                  <a:pt x="120000" y="0"/>
+                </a:lnTo>
+                <a:lnTo>
+                  <a:pt x="120000" y="120000"/>
+                </a:lnTo>
+                <a:lnTo>
+                  <a:pt x="0" y="120000"/>
+                </a:lnTo>
+                <a:close/>
+              </a:path>
+            </a:pathLst>
+          </a:custGeom>
+        </p:spPr>
+      </p:sp>
+      <p:sp>
+        <p:nvSpPr>
+          <p:cNvPr id="109" name="Google Shape;109;g10e963940e2_0_28:notes">
+            <a:extLst>
+              <a:ext uri="{FF2B5EF4-FFF2-40B4-BE49-F238E27FC236}">
+                <a16:creationId xmlns:a16="http://schemas.microsoft.com/office/drawing/2014/main" id="{8BB4540E-EDBF-2D03-C577-A290A62DE577}"/>
+              </a:ext>
+            </a:extLst>
+          </p:cNvPr>
+          <p:cNvSpPr txBox="1">
+            <a:spLocks noGrp="1"/>
+          </p:cNvSpPr>
+          <p:nvPr>
+            <p:ph type="body" idx="1"/>
+          </p:nvPr>
+        </p:nvSpPr>
+        <p:spPr>
+          <a:xfrm>
+            <a:off x="685800" y="4343400"/>
+            <a:ext cx="5486400" cy="4114800"/>
+          </a:xfrm>
+          <a:prstGeom prst="rect">
+            <a:avLst/>
+          </a:prstGeom>
+        </p:spPr>
+        <p:txBody>
+          <a:bodyPr spcFirstLastPara="1" wrap="square" lIns="91425" tIns="91425" rIns="91425" bIns="91425" anchor="t" anchorCtr="0">
+            <a:noAutofit/>
+          </a:bodyPr>
+          <a:lstStyle/>
+          <a:p>
+            <a:pPr marL="0" lvl="0" indent="0" algn="l" rtl="0">
+              <a:spcBef>
+                <a:spcPts val="0"/>
+              </a:spcBef>
+              <a:spcAft>
+                <a:spcPts val="0"/>
+              </a:spcAft>
+              <a:buNone/>
+            </a:pPr>
+            <a:endParaRPr/>
+          </a:p>
+        </p:txBody>
+      </p:sp>
+    </p:spTree>
+    <p:extLst>
+      <p:ext uri="{BB962C8B-B14F-4D97-AF65-F5344CB8AC3E}">
+        <p14:creationId xmlns:p14="http://schemas.microsoft.com/office/powerpoint/2010/main" val="1566239843"/>
+      </p:ext>
+    </p:extLst>
+  </p:cSld>
+  <p:clrMapOvr>
+    <a:masterClrMapping/>
+  </p:clrMapOvr>
+</p:notes>
+</file>
+
+<file path=ppt/notesSlides/notesSlide12.xml><?xml version="1.0" encoding="utf-8"?>
+<p:notes xmlns:a="http://schemas.openxmlformats.org/drawingml/2006/main" xmlns:r="http://schemas.openxmlformats.org/officeDocument/2006/relationships" xmlns:p="http://schemas.openxmlformats.org/presentationml/2006/main" showMasterSp="0" showMasterPhAnim="0">
+  <p:cSld>
+    <p:spTree>
+      <p:nvGrpSpPr>
+        <p:cNvPr id="1" name="Shape 107">
+          <a:extLst>
+            <a:ext uri="{FF2B5EF4-FFF2-40B4-BE49-F238E27FC236}">
+              <a16:creationId xmlns:a16="http://schemas.microsoft.com/office/drawing/2014/main" id="{0A834223-2480-5208-DF67-9080E9B3B0D7}"/>
+            </a:ext>
+          </a:extLst>
+        </p:cNvPr>
+        <p:cNvGrpSpPr/>
+        <p:nvPr/>
+      </p:nvGrpSpPr>
+      <p:grpSpPr>
+        <a:xfrm>
+          <a:off x="0" y="0"/>
+          <a:ext cx="0" cy="0"/>
+          <a:chOff x="0" y="0"/>
+          <a:chExt cx="0" cy="0"/>
+        </a:xfrm>
+      </p:grpSpPr>
+      <p:sp>
+        <p:nvSpPr>
+          <p:cNvPr id="108" name="Google Shape;108;g10e963940e2_0_28:notes">
+            <a:extLst>
+              <a:ext uri="{FF2B5EF4-FFF2-40B4-BE49-F238E27FC236}">
+                <a16:creationId xmlns:a16="http://schemas.microsoft.com/office/drawing/2014/main" id="{3841058B-5751-AD3D-5602-1A4B03D980D8}"/>
+              </a:ext>
+            </a:extLst>
+          </p:cNvPr>
+          <p:cNvSpPr>
+            <a:spLocks noGrp="1" noRot="1" noChangeAspect="1"/>
+          </p:cNvSpPr>
+          <p:nvPr>
+            <p:ph type="sldImg" idx="2"/>
+          </p:nvPr>
+        </p:nvSpPr>
+        <p:spPr>
+          <a:xfrm>
+            <a:off x="381000" y="685800"/>
+            <a:ext cx="6096000" cy="3429000"/>
+          </a:xfrm>
+          <a:custGeom>
+            <a:avLst/>
+            <a:gdLst/>
+            <a:ahLst/>
+            <a:cxnLst/>
+            <a:rect l="l" t="t" r="r" b="b"/>
+            <a:pathLst>
+              <a:path w="120000" h="120000" extrusionOk="0">
+                <a:moveTo>
+                  <a:pt x="0" y="0"/>
+                </a:moveTo>
+                <a:lnTo>
+                  <a:pt x="120000" y="0"/>
+                </a:lnTo>
+                <a:lnTo>
+                  <a:pt x="120000" y="120000"/>
+                </a:lnTo>
+                <a:lnTo>
+                  <a:pt x="0" y="120000"/>
+                </a:lnTo>
+                <a:close/>
+              </a:path>
+            </a:pathLst>
+          </a:custGeom>
+        </p:spPr>
+      </p:sp>
+      <p:sp>
+        <p:nvSpPr>
+          <p:cNvPr id="109" name="Google Shape;109;g10e963940e2_0_28:notes">
+            <a:extLst>
+              <a:ext uri="{FF2B5EF4-FFF2-40B4-BE49-F238E27FC236}">
+                <a16:creationId xmlns:a16="http://schemas.microsoft.com/office/drawing/2014/main" id="{8BB4540E-EDBF-2D03-C577-A290A62DE577}"/>
+              </a:ext>
+            </a:extLst>
+          </p:cNvPr>
+          <p:cNvSpPr txBox="1">
+            <a:spLocks noGrp="1"/>
+          </p:cNvSpPr>
+          <p:nvPr>
+            <p:ph type="body" idx="1"/>
+          </p:nvPr>
+        </p:nvSpPr>
+        <p:spPr>
+          <a:xfrm>
+            <a:off x="685800" y="4343400"/>
+            <a:ext cx="5486400" cy="4114800"/>
+          </a:xfrm>
+          <a:prstGeom prst="rect">
+            <a:avLst/>
+          </a:prstGeom>
+        </p:spPr>
+        <p:txBody>
+          <a:bodyPr spcFirstLastPara="1" wrap="square" lIns="91425" tIns="91425" rIns="91425" bIns="91425" anchor="t" anchorCtr="0">
+            <a:noAutofit/>
+          </a:bodyPr>
+          <a:lstStyle/>
+          <a:p>
+            <a:pPr marL="0" lvl="0" indent="0" algn="l" rtl="0">
+              <a:spcBef>
+                <a:spcPts val="0"/>
+              </a:spcBef>
+              <a:spcAft>
+                <a:spcPts val="0"/>
+              </a:spcAft>
+              <a:buNone/>
+            </a:pPr>
+            <a:endParaRPr/>
+          </a:p>
+        </p:txBody>
+      </p:sp>
+    </p:spTree>
+    <p:extLst>
+      <p:ext uri="{BB962C8B-B14F-4D97-AF65-F5344CB8AC3E}">
+        <p14:creationId xmlns:p14="http://schemas.microsoft.com/office/powerpoint/2010/main" val="1705998129"/>
+      </p:ext>
+    </p:extLst>
+  </p:cSld>
+  <p:clrMapOvr>
+    <a:masterClrMapping/>
+  </p:clrMapOvr>
+</p:notes>
+</file>
+
+<file path=ppt/notesSlides/notesSlide13.xml><?xml version="1.0" encoding="utf-8"?>
+<p:notes xmlns:a="http://schemas.openxmlformats.org/drawingml/2006/main" xmlns:r="http://schemas.openxmlformats.org/officeDocument/2006/relationships" xmlns:p="http://schemas.openxmlformats.org/presentationml/2006/main" showMasterSp="0" showMasterPhAnim="0">
+  <p:cSld>
+    <p:spTree>
+      <p:nvGrpSpPr>
+        <p:cNvPr id="1" name="Shape 107">
+          <a:extLst>
+            <a:ext uri="{FF2B5EF4-FFF2-40B4-BE49-F238E27FC236}">
+              <a16:creationId xmlns:a16="http://schemas.microsoft.com/office/drawing/2014/main" id="{0A834223-2480-5208-DF67-9080E9B3B0D7}"/>
+            </a:ext>
+          </a:extLst>
+        </p:cNvPr>
+        <p:cNvGrpSpPr/>
+        <p:nvPr/>
+      </p:nvGrpSpPr>
+      <p:grpSpPr>
+        <a:xfrm>
+          <a:off x="0" y="0"/>
+          <a:ext cx="0" cy="0"/>
+          <a:chOff x="0" y="0"/>
+          <a:chExt cx="0" cy="0"/>
+        </a:xfrm>
+      </p:grpSpPr>
+      <p:sp>
+        <p:nvSpPr>
+          <p:cNvPr id="108" name="Google Shape;108;g10e963940e2_0_28:notes">
+            <a:extLst>
+              <a:ext uri="{FF2B5EF4-FFF2-40B4-BE49-F238E27FC236}">
+                <a16:creationId xmlns:a16="http://schemas.microsoft.com/office/drawing/2014/main" id="{3841058B-5751-AD3D-5602-1A4B03D980D8}"/>
+              </a:ext>
+            </a:extLst>
+          </p:cNvPr>
+          <p:cNvSpPr>
+            <a:spLocks noGrp="1" noRot="1" noChangeAspect="1"/>
+          </p:cNvSpPr>
+          <p:nvPr>
+            <p:ph type="sldImg" idx="2"/>
+          </p:nvPr>
+        </p:nvSpPr>
+        <p:spPr>
+          <a:xfrm>
+            <a:off x="381000" y="685800"/>
+            <a:ext cx="6096000" cy="3429000"/>
+          </a:xfrm>
+          <a:custGeom>
+            <a:avLst/>
+            <a:gdLst/>
+            <a:ahLst/>
+            <a:cxnLst/>
+            <a:rect l="l" t="t" r="r" b="b"/>
+            <a:pathLst>
+              <a:path w="120000" h="120000" extrusionOk="0">
+                <a:moveTo>
+                  <a:pt x="0" y="0"/>
+                </a:moveTo>
+                <a:lnTo>
+                  <a:pt x="120000" y="0"/>
+                </a:lnTo>
+                <a:lnTo>
+                  <a:pt x="120000" y="120000"/>
+                </a:lnTo>
+                <a:lnTo>
+                  <a:pt x="0" y="120000"/>
+                </a:lnTo>
+                <a:close/>
+              </a:path>
+            </a:pathLst>
+          </a:custGeom>
+        </p:spPr>
+      </p:sp>
+      <p:sp>
+        <p:nvSpPr>
+          <p:cNvPr id="109" name="Google Shape;109;g10e963940e2_0_28:notes">
+            <a:extLst>
+              <a:ext uri="{FF2B5EF4-FFF2-40B4-BE49-F238E27FC236}">
+                <a16:creationId xmlns:a16="http://schemas.microsoft.com/office/drawing/2014/main" id="{8BB4540E-EDBF-2D03-C577-A290A62DE577}"/>
+              </a:ext>
+            </a:extLst>
+          </p:cNvPr>
+          <p:cNvSpPr txBox="1">
+            <a:spLocks noGrp="1"/>
+          </p:cNvSpPr>
+          <p:nvPr>
+            <p:ph type="body" idx="1"/>
+          </p:nvPr>
+        </p:nvSpPr>
+        <p:spPr>
+          <a:xfrm>
+            <a:off x="685800" y="4343400"/>
+            <a:ext cx="5486400" cy="4114800"/>
+          </a:xfrm>
+          <a:prstGeom prst="rect">
+            <a:avLst/>
+          </a:prstGeom>
+        </p:spPr>
+        <p:txBody>
+          <a:bodyPr spcFirstLastPara="1" wrap="square" lIns="91425" tIns="91425" rIns="91425" bIns="91425" anchor="t" anchorCtr="0">
+            <a:noAutofit/>
+          </a:bodyPr>
+          <a:lstStyle/>
+          <a:p>
+            <a:pPr marL="0" lvl="0" indent="0" algn="l" rtl="0">
+              <a:spcBef>
+                <a:spcPts val="0"/>
+              </a:spcBef>
+              <a:spcAft>
+                <a:spcPts val="0"/>
+              </a:spcAft>
+              <a:buNone/>
+            </a:pPr>
+            <a:endParaRPr/>
+          </a:p>
+        </p:txBody>
+      </p:sp>
+    </p:spTree>
+    <p:extLst>
+      <p:ext uri="{BB962C8B-B14F-4D97-AF65-F5344CB8AC3E}">
+        <p14:creationId xmlns:p14="http://schemas.microsoft.com/office/powerpoint/2010/main" val="2390353317"/>
+      </p:ext>
+    </p:extLst>
+  </p:cSld>
+  <p:clrMapOvr>
+    <a:masterClrMapping/>
+  </p:clrMapOvr>
+</p:notes>
+</file>
+
+<file path=ppt/notesSlides/notesSlide14.xml><?xml version="1.0" encoding="utf-8"?>
+<p:notes xmlns:a="http://schemas.openxmlformats.org/drawingml/2006/main" xmlns:r="http://schemas.openxmlformats.org/officeDocument/2006/relationships" xmlns:p="http://schemas.openxmlformats.org/presentationml/2006/main" showMasterSp="0" showMasterPhAnim="0">
+  <p:cSld>
+    <p:spTree>
+      <p:nvGrpSpPr>
         <p:cNvPr id="1" name="Shape 248"/>
         <p:cNvGrpSpPr/>
         <p:nvPr/>
@@ -1370,13 +1884,7 @@
   <p:cSld>
     <p:spTree>
       <p:nvGrpSpPr>
-        <p:cNvPr id="1" name="Shape 100">
-          <a:extLst>
-            <a:ext uri="{FF2B5EF4-FFF2-40B4-BE49-F238E27FC236}">
-              <a16:creationId xmlns:a16="http://schemas.microsoft.com/office/drawing/2014/main" id="{083AC8F5-C6EF-341C-02CC-B5C98AF70D89}"/>
-            </a:ext>
-          </a:extLst>
-        </p:cNvPr>
+        <p:cNvPr id="1" name="Shape 100"/>
         <p:cNvGrpSpPr/>
         <p:nvPr/>
       </p:nvGrpSpPr>
@@ -1390,13 +1898,7 @@
       </p:grpSpPr>
       <p:sp>
         <p:nvSpPr>
-          <p:cNvPr id="101" name="Google Shape;101;g10b5945169c_0_89:notes">
-            <a:extLst>
-              <a:ext uri="{FF2B5EF4-FFF2-40B4-BE49-F238E27FC236}">
-                <a16:creationId xmlns:a16="http://schemas.microsoft.com/office/drawing/2014/main" id="{6551FE29-D00F-8107-2197-0EC86A5A2834}"/>
-              </a:ext>
-            </a:extLst>
-          </p:cNvPr>
+          <p:cNvPr id="101" name="Google Shape;101;g10b5945169c_0_89:notes"/>
           <p:cNvSpPr>
             <a:spLocks noGrp="1" noRot="1" noChangeAspect="1"/>
           </p:cNvSpPr>
@@ -1437,13 +1939,7 @@
       </p:sp>
       <p:sp>
         <p:nvSpPr>
-          <p:cNvPr id="102" name="Google Shape;102;g10b5945169c_0_89:notes">
-            <a:extLst>
-              <a:ext uri="{FF2B5EF4-FFF2-40B4-BE49-F238E27FC236}">
-                <a16:creationId xmlns:a16="http://schemas.microsoft.com/office/drawing/2014/main" id="{3B3F3363-1CC7-EF3B-A325-14ED0B958F5B}"/>
-              </a:ext>
-            </a:extLst>
-          </p:cNvPr>
+          <p:cNvPr id="102" name="Google Shape;102;g10b5945169c_0_89:notes"/>
           <p:cNvSpPr txBox="1">
             <a:spLocks noGrp="1"/>
           </p:cNvSpPr>
@@ -1482,7 +1978,7 @@
     </p:spTree>
     <p:extLst>
       <p:ext uri="{BB962C8B-B14F-4D97-AF65-F5344CB8AC3E}">
-        <p14:creationId xmlns:p14="http://schemas.microsoft.com/office/powerpoint/2010/main" val="3971793343"/>
+        <p14:creationId xmlns:p14="http://schemas.microsoft.com/office/powerpoint/2010/main" val="2820034998"/>
       </p:ext>
     </p:extLst>
   </p:cSld>
@@ -1493,6 +1989,115 @@
 </file>
 
 <file path=ppt/notesSlides/notesSlide7.xml><?xml version="1.0" encoding="utf-8"?>
+<p:notes xmlns:a="http://schemas.openxmlformats.org/drawingml/2006/main" xmlns:r="http://schemas.openxmlformats.org/officeDocument/2006/relationships" xmlns:p="http://schemas.openxmlformats.org/presentationml/2006/main" showMasterSp="0" showMasterPhAnim="0">
+  <p:cSld>
+    <p:spTree>
+      <p:nvGrpSpPr>
+        <p:cNvPr id="1" name="Shape 94"/>
+        <p:cNvGrpSpPr/>
+        <p:nvPr/>
+      </p:nvGrpSpPr>
+      <p:grpSpPr>
+        <a:xfrm>
+          <a:off x="0" y="0"/>
+          <a:ext cx="0" cy="0"/>
+          <a:chOff x="0" y="0"/>
+          <a:chExt cx="0" cy="0"/>
+        </a:xfrm>
+      </p:grpSpPr>
+      <p:sp>
+        <p:nvSpPr>
+          <p:cNvPr id="95" name="Google Shape;95;g10e963940e2_0_15:notes"/>
+          <p:cNvSpPr>
+            <a:spLocks noGrp="1" noRot="1" noChangeAspect="1"/>
+          </p:cNvSpPr>
+          <p:nvPr>
+            <p:ph type="sldImg" idx="2"/>
+          </p:nvPr>
+        </p:nvSpPr>
+        <p:spPr>
+          <a:xfrm>
+            <a:off x="381000" y="685800"/>
+            <a:ext cx="6096000" cy="3429000"/>
+          </a:xfrm>
+          <a:custGeom>
+            <a:avLst/>
+            <a:gdLst/>
+            <a:ahLst/>
+            <a:cxnLst/>
+            <a:rect l="l" t="t" r="r" b="b"/>
+            <a:pathLst>
+              <a:path w="120000" h="120000" extrusionOk="0">
+                <a:moveTo>
+                  <a:pt x="0" y="0"/>
+                </a:moveTo>
+                <a:lnTo>
+                  <a:pt x="120000" y="0"/>
+                </a:lnTo>
+                <a:lnTo>
+                  <a:pt x="120000" y="120000"/>
+                </a:lnTo>
+                <a:lnTo>
+                  <a:pt x="0" y="120000"/>
+                </a:lnTo>
+                <a:close/>
+              </a:path>
+            </a:pathLst>
+          </a:custGeom>
+        </p:spPr>
+      </p:sp>
+      <p:sp>
+        <p:nvSpPr>
+          <p:cNvPr id="96" name="Google Shape;96;g10e963940e2_0_15:notes"/>
+          <p:cNvSpPr txBox="1">
+            <a:spLocks noGrp="1"/>
+          </p:cNvSpPr>
+          <p:nvPr>
+            <p:ph type="body" idx="1"/>
+          </p:nvPr>
+        </p:nvSpPr>
+        <p:spPr>
+          <a:xfrm>
+            <a:off x="685800" y="4343400"/>
+            <a:ext cx="5486400" cy="4114800"/>
+          </a:xfrm>
+          <a:prstGeom prst="rect">
+            <a:avLst/>
+          </a:prstGeom>
+        </p:spPr>
+        <p:txBody>
+          <a:bodyPr spcFirstLastPara="1" wrap="square" lIns="91425" tIns="91425" rIns="91425" bIns="91425" anchor="t" anchorCtr="0">
+            <a:noAutofit/>
+          </a:bodyPr>
+          <a:lstStyle/>
+          <a:p>
+            <a:pPr marL="0" lvl="0" indent="0" algn="l" rtl="0">
+              <a:spcBef>
+                <a:spcPts val="0"/>
+              </a:spcBef>
+              <a:spcAft>
+                <a:spcPts val="0"/>
+              </a:spcAft>
+              <a:buNone/>
+            </a:pPr>
+            <a:endParaRPr/>
+          </a:p>
+        </p:txBody>
+      </p:sp>
+    </p:spTree>
+    <p:extLst>
+      <p:ext uri="{BB962C8B-B14F-4D97-AF65-F5344CB8AC3E}">
+        <p14:creationId xmlns:p14="http://schemas.microsoft.com/office/powerpoint/2010/main" val="2170108284"/>
+      </p:ext>
+    </p:extLst>
+  </p:cSld>
+  <p:clrMapOvr>
+    <a:masterClrMapping/>
+  </p:clrMapOvr>
+</p:notes>
+</file>
+
+<file path=ppt/notesSlides/notesSlide8.xml><?xml version="1.0" encoding="utf-8"?>
 <p:notes xmlns:a="http://schemas.openxmlformats.org/drawingml/2006/main" xmlns:r="http://schemas.openxmlformats.org/officeDocument/2006/relationships" xmlns:p="http://schemas.openxmlformats.org/presentationml/2006/main" showMasterSp="0" showMasterPhAnim="0">
   <p:cSld>
     <p:spTree>
@@ -1619,7 +2224,7 @@
 </p:notes>
 </file>
 
-<file path=ppt/notesSlides/notesSlide8.xml><?xml version="1.0" encoding="utf-8"?>
+<file path=ppt/notesSlides/notesSlide9.xml><?xml version="1.0" encoding="utf-8"?>
 <p:notes xmlns:a="http://schemas.openxmlformats.org/drawingml/2006/main" xmlns:r="http://schemas.openxmlformats.org/officeDocument/2006/relationships" xmlns:p="http://schemas.openxmlformats.org/presentationml/2006/main" showMasterSp="0" showMasterPhAnim="0">
   <p:cSld>
     <p:spTree>
@@ -1737,133 +2342,6 @@
     <p:extLst>
       <p:ext uri="{BB962C8B-B14F-4D97-AF65-F5344CB8AC3E}">
         <p14:creationId xmlns:p14="http://schemas.microsoft.com/office/powerpoint/2010/main" val="1113201486"/>
-      </p:ext>
-    </p:extLst>
-  </p:cSld>
-  <p:clrMapOvr>
-    <a:masterClrMapping/>
-  </p:clrMapOvr>
-</p:notes>
-</file>
-
-<file path=ppt/notesSlides/notesSlide9.xml><?xml version="1.0" encoding="utf-8"?>
-<p:notes xmlns:a="http://schemas.openxmlformats.org/drawingml/2006/main" xmlns:r="http://schemas.openxmlformats.org/officeDocument/2006/relationships" xmlns:p="http://schemas.openxmlformats.org/presentationml/2006/main" showMasterSp="0" showMasterPhAnim="0">
-  <p:cSld>
-    <p:spTree>
-      <p:nvGrpSpPr>
-        <p:cNvPr id="1" name="Shape 107">
-          <a:extLst>
-            <a:ext uri="{FF2B5EF4-FFF2-40B4-BE49-F238E27FC236}">
-              <a16:creationId xmlns:a16="http://schemas.microsoft.com/office/drawing/2014/main" id="{0A834223-2480-5208-DF67-9080E9B3B0D7}"/>
-            </a:ext>
-          </a:extLst>
-        </p:cNvPr>
-        <p:cNvGrpSpPr/>
-        <p:nvPr/>
-      </p:nvGrpSpPr>
-      <p:grpSpPr>
-        <a:xfrm>
-          <a:off x="0" y="0"/>
-          <a:ext cx="0" cy="0"/>
-          <a:chOff x="0" y="0"/>
-          <a:chExt cx="0" cy="0"/>
-        </a:xfrm>
-      </p:grpSpPr>
-      <p:sp>
-        <p:nvSpPr>
-          <p:cNvPr id="108" name="Google Shape;108;g10e963940e2_0_28:notes">
-            <a:extLst>
-              <a:ext uri="{FF2B5EF4-FFF2-40B4-BE49-F238E27FC236}">
-                <a16:creationId xmlns:a16="http://schemas.microsoft.com/office/drawing/2014/main" id="{3841058B-5751-AD3D-5602-1A4B03D980D8}"/>
-              </a:ext>
-            </a:extLst>
-          </p:cNvPr>
-          <p:cNvSpPr>
-            <a:spLocks noGrp="1" noRot="1" noChangeAspect="1"/>
-          </p:cNvSpPr>
-          <p:nvPr>
-            <p:ph type="sldImg" idx="2"/>
-          </p:nvPr>
-        </p:nvSpPr>
-        <p:spPr>
-          <a:xfrm>
-            <a:off x="381000" y="685800"/>
-            <a:ext cx="6096000" cy="3429000"/>
-          </a:xfrm>
-          <a:custGeom>
-            <a:avLst/>
-            <a:gdLst/>
-            <a:ahLst/>
-            <a:cxnLst/>
-            <a:rect l="l" t="t" r="r" b="b"/>
-            <a:pathLst>
-              <a:path w="120000" h="120000" extrusionOk="0">
-                <a:moveTo>
-                  <a:pt x="0" y="0"/>
-                </a:moveTo>
-                <a:lnTo>
-                  <a:pt x="120000" y="0"/>
-                </a:lnTo>
-                <a:lnTo>
-                  <a:pt x="120000" y="120000"/>
-                </a:lnTo>
-                <a:lnTo>
-                  <a:pt x="0" y="120000"/>
-                </a:lnTo>
-                <a:close/>
-              </a:path>
-            </a:pathLst>
-          </a:custGeom>
-        </p:spPr>
-      </p:sp>
-      <p:sp>
-        <p:nvSpPr>
-          <p:cNvPr id="109" name="Google Shape;109;g10e963940e2_0_28:notes">
-            <a:extLst>
-              <a:ext uri="{FF2B5EF4-FFF2-40B4-BE49-F238E27FC236}">
-                <a16:creationId xmlns:a16="http://schemas.microsoft.com/office/drawing/2014/main" id="{8BB4540E-EDBF-2D03-C577-A290A62DE577}"/>
-              </a:ext>
-            </a:extLst>
-          </p:cNvPr>
-          <p:cNvSpPr txBox="1">
-            <a:spLocks noGrp="1"/>
-          </p:cNvSpPr>
-          <p:nvPr>
-            <p:ph type="body" idx="1"/>
-          </p:nvPr>
-        </p:nvSpPr>
-        <p:spPr>
-          <a:xfrm>
-            <a:off x="685800" y="4343400"/>
-            <a:ext cx="5486400" cy="4114800"/>
-          </a:xfrm>
-          <a:prstGeom prst="rect">
-            <a:avLst/>
-          </a:prstGeom>
-        </p:spPr>
-        <p:txBody>
-          <a:bodyPr spcFirstLastPara="1" wrap="square" lIns="91425" tIns="91425" rIns="91425" bIns="91425" anchor="t" anchorCtr="0">
-            <a:noAutofit/>
-          </a:bodyPr>
-          <a:lstStyle/>
-          <a:p>
-            <a:pPr marL="0" lvl="0" indent="0" algn="l" rtl="0">
-              <a:spcBef>
-                <a:spcPts val="0"/>
-              </a:spcBef>
-              <a:spcAft>
-                <a:spcPts val="0"/>
-              </a:spcAft>
-              <a:buNone/>
-            </a:pPr>
-            <a:endParaRPr/>
-          </a:p>
-        </p:txBody>
-      </p:sp>
-    </p:spTree>
-    <p:extLst>
-      <p:ext uri="{BB962C8B-B14F-4D97-AF65-F5344CB8AC3E}">
-        <p14:creationId xmlns:p14="http://schemas.microsoft.com/office/powerpoint/2010/main" val="1566239843"/>
       </p:ext>
     </p:extLst>
   </p:cSld>
@@ -8312,7 +8790,7 @@
         <p:cNvPr id="1" name="Shape 110">
           <a:extLst>
             <a:ext uri="{FF2B5EF4-FFF2-40B4-BE49-F238E27FC236}">
-              <a16:creationId xmlns:a16="http://schemas.microsoft.com/office/drawing/2014/main" id="{5AAF7F81-6177-55C2-D0DF-85ECB53BEBC6}"/>
+              <a16:creationId xmlns:a16="http://schemas.microsoft.com/office/drawing/2014/main" id="{F0EFB45B-F466-703F-EB79-70365DF8EBE4}"/>
             </a:ext>
           </a:extLst>
         </p:cNvPr>
@@ -8329,1763 +8807,10 @@
       </p:grpSpPr>
       <p:sp>
         <p:nvSpPr>
-          <p:cNvPr id="111" name="Google Shape;111;p17">
+          <p:cNvPr id="8" name="Google Shape;111;p17">
             <a:extLst>
               <a:ext uri="{FF2B5EF4-FFF2-40B4-BE49-F238E27FC236}">
-                <a16:creationId xmlns:a16="http://schemas.microsoft.com/office/drawing/2014/main" id="{7E3A7BFA-4C5C-6594-7601-E5C7E00E73C1}"/>
-              </a:ext>
-            </a:extLst>
-          </p:cNvPr>
-          <p:cNvSpPr txBox="1">
-            <a:spLocks noGrp="1"/>
-          </p:cNvSpPr>
-          <p:nvPr>
-            <p:ph type="title"/>
-          </p:nvPr>
-        </p:nvSpPr>
-        <p:spPr>
-          <a:xfrm>
-            <a:off x="798025" y="705250"/>
-            <a:ext cx="7688700" cy="535200"/>
-          </a:xfrm>
-          <a:prstGeom prst="rect">
-            <a:avLst/>
-          </a:prstGeom>
-        </p:spPr>
-        <p:txBody>
-          <a:bodyPr spcFirstLastPara="1" wrap="square" lIns="91425" tIns="91425" rIns="91425" bIns="91425" anchor="t" anchorCtr="0">
-            <a:normAutofit fontScale="90000"/>
-          </a:bodyPr>
-          <a:lstStyle/>
-          <a:p>
-            <a:r>
-              <a:rPr lang="en-US" altLang="zh-CN" sz="2400" dirty="0"/>
-              <a:t>Service migration – Real traffic verification</a:t>
-            </a:r>
-          </a:p>
-        </p:txBody>
-      </p:sp>
-      <p:pic>
-        <p:nvPicPr>
-          <p:cNvPr id="3" name="图片 2">
-            <a:extLst>
-              <a:ext uri="{FF2B5EF4-FFF2-40B4-BE49-F238E27FC236}">
-                <a16:creationId xmlns:a16="http://schemas.microsoft.com/office/drawing/2014/main" id="{65818BB4-6C7A-05FA-2AF3-80241BBA95F9}"/>
-              </a:ext>
-            </a:extLst>
-          </p:cNvPr>
-          <p:cNvPicPr>
-            <a:picLocks noChangeAspect="1"/>
-          </p:cNvPicPr>
-          <p:nvPr/>
-        </p:nvPicPr>
-        <p:blipFill>
-          <a:blip r:embed="rId3"/>
-          <a:stretch>
-            <a:fillRect/>
-          </a:stretch>
-        </p:blipFill>
-        <p:spPr>
-          <a:xfrm>
-            <a:off x="3822757" y="1176976"/>
-            <a:ext cx="4663968" cy="3966524"/>
-          </a:xfrm>
-          <a:prstGeom prst="rect">
-            <a:avLst/>
-          </a:prstGeom>
-        </p:spPr>
-      </p:pic>
-      <p:sp>
-        <p:nvSpPr>
-          <p:cNvPr id="4" name="文本占位符 2">
-            <a:extLst>
-              <a:ext uri="{FF2B5EF4-FFF2-40B4-BE49-F238E27FC236}">
-                <a16:creationId xmlns:a16="http://schemas.microsoft.com/office/drawing/2014/main" id="{202F08AA-1BA8-E31A-8FDA-C8FFC364637A}"/>
-              </a:ext>
-            </a:extLst>
-          </p:cNvPr>
-          <p:cNvSpPr>
-            <a:spLocks noGrp="1"/>
-          </p:cNvSpPr>
-          <p:nvPr>
-            <p:ph type="body" idx="1"/>
-          </p:nvPr>
-        </p:nvSpPr>
-        <p:spPr>
-          <a:xfrm>
-            <a:off x="727650" y="1489245"/>
-            <a:ext cx="3095107" cy="2834982"/>
-          </a:xfrm>
-        </p:spPr>
-        <p:txBody>
-          <a:bodyPr>
-            <a:normAutofit/>
-          </a:bodyPr>
-          <a:lstStyle/>
-          <a:p>
-            <a:r>
-              <a:rPr lang="en-US" altLang="zh-CN" sz="1600" dirty="0"/>
-              <a:t>Assumption: </a:t>
-            </a:r>
-          </a:p>
-          <a:p>
-            <a:pPr lvl="1"/>
-            <a:r>
-              <a:rPr lang="en-US" altLang="zh-CN" sz="1600" dirty="0"/>
-              <a:t>APIs are idempotent</a:t>
-            </a:r>
-          </a:p>
-          <a:p>
-            <a:pPr lvl="1"/>
-            <a:r>
-              <a:rPr lang="en-US" altLang="zh-CN" sz="1600" dirty="0"/>
-              <a:t>Existing test coverage is limited</a:t>
-            </a:r>
-          </a:p>
-          <a:p>
-            <a:pPr marL="615950" lvl="1" indent="0">
-              <a:buNone/>
-            </a:pPr>
-            <a:endParaRPr lang="en-US" altLang="zh-CN" sz="1600" dirty="0"/>
-          </a:p>
-          <a:p>
-            <a:r>
-              <a:rPr lang="en-US" altLang="zh-CN" sz="1600" dirty="0"/>
-              <a:t>Benefits:</a:t>
-            </a:r>
-          </a:p>
-          <a:p>
-            <a:pPr lvl="1"/>
-            <a:r>
-              <a:rPr lang="en-US" altLang="zh-CN" sz="1600" dirty="0"/>
-              <a:t>Real traffic has more complete coverage on edge cases</a:t>
-            </a:r>
-          </a:p>
-          <a:p>
-            <a:pPr marL="615950" lvl="1" indent="0">
-              <a:buNone/>
-            </a:pPr>
-            <a:endParaRPr lang="zh-CN" altLang="en-US" dirty="0"/>
-          </a:p>
-        </p:txBody>
-      </p:sp>
-    </p:spTree>
-    <p:extLst>
-      <p:ext uri="{BB962C8B-B14F-4D97-AF65-F5344CB8AC3E}">
-        <p14:creationId xmlns:p14="http://schemas.microsoft.com/office/powerpoint/2010/main" val="1350434289"/>
-      </p:ext>
-    </p:extLst>
-  </p:cSld>
-  <p:clrMapOvr>
-    <a:masterClrMapping/>
-  </p:clrMapOvr>
-</p:sld>
-</file>
-
-<file path=ppt/slides/slide11.xml><?xml version="1.0" encoding="utf-8"?>
-<p:sld xmlns:a="http://schemas.openxmlformats.org/drawingml/2006/main" xmlns:r="http://schemas.openxmlformats.org/officeDocument/2006/relationships" xmlns:p="http://schemas.openxmlformats.org/presentationml/2006/main">
-  <p:cSld>
-    <p:spTree>
-      <p:nvGrpSpPr>
-        <p:cNvPr id="1" name=""/>
-        <p:cNvGrpSpPr/>
-        <p:nvPr/>
-      </p:nvGrpSpPr>
-      <p:grpSpPr>
-        <a:xfrm>
-          <a:off x="0" y="0"/>
-          <a:ext cx="0" cy="0"/>
-          <a:chOff x="0" y="0"/>
-          <a:chExt cx="0" cy="0"/>
-        </a:xfrm>
-      </p:grpSpPr>
-      <p:sp>
-        <p:nvSpPr>
-          <p:cNvPr id="2" name="标题 1">
-            <a:extLst>
-              <a:ext uri="{FF2B5EF4-FFF2-40B4-BE49-F238E27FC236}">
-                <a16:creationId xmlns:a16="http://schemas.microsoft.com/office/drawing/2014/main" id="{477A8C6F-8A7C-631C-B279-99DE46B8EE08}"/>
-              </a:ext>
-            </a:extLst>
-          </p:cNvPr>
-          <p:cNvSpPr>
-            <a:spLocks noGrp="1"/>
-          </p:cNvSpPr>
-          <p:nvPr>
-            <p:ph type="title"/>
-          </p:nvPr>
-        </p:nvSpPr>
-        <p:spPr>
-          <a:xfrm>
-            <a:off x="792512" y="612355"/>
-            <a:ext cx="7688700" cy="535200"/>
-          </a:xfrm>
-        </p:spPr>
-        <p:txBody>
-          <a:bodyPr>
-            <a:normAutofit fontScale="90000"/>
-          </a:bodyPr>
-          <a:lstStyle/>
-          <a:p>
-            <a:r>
-              <a:rPr lang="en-US" altLang="zh-CN" dirty="0"/>
-              <a:t>Service governance</a:t>
-            </a:r>
-            <a:endParaRPr lang="zh-CN" altLang="en-US" dirty="0"/>
-          </a:p>
-        </p:txBody>
-      </p:sp>
-      <p:sp>
-        <p:nvSpPr>
-          <p:cNvPr id="3" name="文本占位符 2">
-            <a:extLst>
-              <a:ext uri="{FF2B5EF4-FFF2-40B4-BE49-F238E27FC236}">
-                <a16:creationId xmlns:a16="http://schemas.microsoft.com/office/drawing/2014/main" id="{08EB3214-2E86-93DF-85C0-984735A80709}"/>
-              </a:ext>
-            </a:extLst>
-          </p:cNvPr>
-          <p:cNvSpPr>
-            <a:spLocks noGrp="1"/>
-          </p:cNvSpPr>
-          <p:nvPr>
-            <p:ph type="body" idx="1"/>
-          </p:nvPr>
-        </p:nvSpPr>
-        <p:spPr>
-          <a:xfrm>
-            <a:off x="0" y="1322129"/>
-            <a:ext cx="7688700" cy="3209016"/>
-          </a:xfrm>
-        </p:spPr>
-        <p:txBody>
-          <a:bodyPr>
-            <a:normAutofit/>
-          </a:bodyPr>
-          <a:lstStyle/>
-          <a:p>
-            <a:r>
-              <a:rPr lang="en-US" altLang="zh-CN" sz="2400" dirty="0"/>
-              <a:t>Challenges:</a:t>
-            </a:r>
-            <a:endParaRPr lang="en-US" altLang="zh-CN" dirty="0"/>
-          </a:p>
-          <a:p>
-            <a:pPr lvl="1"/>
-            <a:r>
-              <a:rPr lang="en-US" altLang="zh-CN" sz="1800" dirty="0"/>
-              <a:t>Improve the availability beyond 99.9%</a:t>
-            </a:r>
-          </a:p>
-          <a:p>
-            <a:r>
-              <a:rPr lang="en-US" altLang="zh-CN" sz="2400" dirty="0"/>
-              <a:t>Service governance:</a:t>
-            </a:r>
-          </a:p>
-          <a:p>
-            <a:pPr lvl="1"/>
-            <a:r>
-              <a:rPr lang="en-US" altLang="zh-CN" sz="1800" dirty="0"/>
-              <a:t>Rate limiting</a:t>
-            </a:r>
-          </a:p>
-          <a:p>
-            <a:pPr lvl="1"/>
-            <a:r>
-              <a:rPr lang="en-US" altLang="zh-CN" sz="1800" dirty="0"/>
-              <a:t>Circuit breaker</a:t>
-            </a:r>
-          </a:p>
-          <a:p>
-            <a:pPr lvl="1"/>
-            <a:r>
-              <a:rPr lang="en-US" altLang="zh-CN" sz="1800" dirty="0">
-                <a:solidFill>
-                  <a:srgbClr val="FF0000"/>
-                </a:solidFill>
-              </a:rPr>
-              <a:t>Fallback cache</a:t>
-            </a:r>
-          </a:p>
-          <a:p>
-            <a:pPr lvl="1"/>
-            <a:r>
-              <a:rPr lang="en-US" altLang="zh-CN" sz="1800" dirty="0"/>
-              <a:t>Timeout retry</a:t>
-            </a:r>
-            <a:endParaRPr lang="en-US" altLang="zh-CN" sz="1800" dirty="0">
-              <a:solidFill>
-                <a:schemeClr val="bg2"/>
-              </a:solidFill>
-            </a:endParaRPr>
-          </a:p>
-        </p:txBody>
-      </p:sp>
-      <p:pic>
-        <p:nvPicPr>
-          <p:cNvPr id="9" name="图片 8">
-            <a:extLst>
-              <a:ext uri="{FF2B5EF4-FFF2-40B4-BE49-F238E27FC236}">
-                <a16:creationId xmlns:a16="http://schemas.microsoft.com/office/drawing/2014/main" id="{25143860-10B2-BFC0-3A9D-E497375911B4}"/>
-              </a:ext>
-            </a:extLst>
-          </p:cNvPr>
-          <p:cNvPicPr>
-            <a:picLocks noChangeAspect="1"/>
-          </p:cNvPicPr>
-          <p:nvPr/>
-        </p:nvPicPr>
-        <p:blipFill>
-          <a:blip r:embed="rId2"/>
-          <a:stretch>
-            <a:fillRect/>
-          </a:stretch>
-        </p:blipFill>
-        <p:spPr>
-          <a:xfrm>
-            <a:off x="2591962" y="2926081"/>
-            <a:ext cx="6522538" cy="2217420"/>
-          </a:xfrm>
-          <a:prstGeom prst="rect">
-            <a:avLst/>
-          </a:prstGeom>
-        </p:spPr>
-      </p:pic>
-    </p:spTree>
-    <p:extLst>
-      <p:ext uri="{BB962C8B-B14F-4D97-AF65-F5344CB8AC3E}">
-        <p14:creationId xmlns:p14="http://schemas.microsoft.com/office/powerpoint/2010/main" val="1354378245"/>
-      </p:ext>
-    </p:extLst>
-  </p:cSld>
-  <p:clrMapOvr>
-    <a:masterClrMapping/>
-  </p:clrMapOvr>
-</p:sld>
-</file>
-
-<file path=ppt/slides/slide12.xml><?xml version="1.0" encoding="utf-8"?>
-<p:sld xmlns:a="http://schemas.openxmlformats.org/drawingml/2006/main" xmlns:r="http://schemas.openxmlformats.org/officeDocument/2006/relationships" xmlns:p="http://schemas.openxmlformats.org/presentationml/2006/main">
-  <p:cSld>
-    <p:spTree>
-      <p:nvGrpSpPr>
-        <p:cNvPr id="1" name=""/>
-        <p:cNvGrpSpPr/>
-        <p:nvPr/>
-      </p:nvGrpSpPr>
-      <p:grpSpPr>
-        <a:xfrm>
-          <a:off x="0" y="0"/>
-          <a:ext cx="0" cy="0"/>
-          <a:chOff x="0" y="0"/>
-          <a:chExt cx="0" cy="0"/>
-        </a:xfrm>
-      </p:grpSpPr>
-      <p:sp>
-        <p:nvSpPr>
-          <p:cNvPr id="2" name="标题 1">
-            <a:extLst>
-              <a:ext uri="{FF2B5EF4-FFF2-40B4-BE49-F238E27FC236}">
-                <a16:creationId xmlns:a16="http://schemas.microsoft.com/office/drawing/2014/main" id="{477A8C6F-8A7C-631C-B279-99DE46B8EE08}"/>
-              </a:ext>
-            </a:extLst>
-          </p:cNvPr>
-          <p:cNvSpPr>
-            <a:spLocks noGrp="1"/>
-          </p:cNvSpPr>
-          <p:nvPr>
-            <p:ph type="title"/>
-          </p:nvPr>
-        </p:nvSpPr>
-        <p:spPr>
-          <a:xfrm>
-            <a:off x="727650" y="740151"/>
-            <a:ext cx="7688700" cy="535200"/>
-          </a:xfrm>
-        </p:spPr>
-        <p:txBody>
-          <a:bodyPr>
-            <a:normAutofit fontScale="90000"/>
-          </a:bodyPr>
-          <a:lstStyle/>
-          <a:p>
-            <a:r>
-              <a:rPr lang="en-US" altLang="zh-CN" dirty="0"/>
-              <a:t>Fallback cache</a:t>
-            </a:r>
-            <a:endParaRPr lang="zh-CN" altLang="en-US" dirty="0"/>
-          </a:p>
-        </p:txBody>
-      </p:sp>
-      <p:sp>
-        <p:nvSpPr>
-          <p:cNvPr id="8" name="文本占位符 2">
-            <a:extLst>
-              <a:ext uri="{FF2B5EF4-FFF2-40B4-BE49-F238E27FC236}">
-                <a16:creationId xmlns:a16="http://schemas.microsoft.com/office/drawing/2014/main" id="{55A461CC-128F-864E-F683-8AFFCD0D09C0}"/>
-              </a:ext>
-            </a:extLst>
-          </p:cNvPr>
-          <p:cNvSpPr>
-            <a:spLocks noGrp="1"/>
-          </p:cNvSpPr>
-          <p:nvPr>
-            <p:ph type="body" idx="1"/>
-          </p:nvPr>
-        </p:nvSpPr>
-        <p:spPr>
-          <a:xfrm>
-            <a:off x="727650" y="1489245"/>
-            <a:ext cx="7979798" cy="2834982"/>
-          </a:xfrm>
-        </p:spPr>
-        <p:txBody>
-          <a:bodyPr>
-            <a:normAutofit/>
-          </a:bodyPr>
-          <a:lstStyle/>
-          <a:p>
-            <a:r>
-              <a:rPr lang="en-US" altLang="zh-CN" sz="1600" dirty="0"/>
-              <a:t>Open sourced: </a:t>
-            </a:r>
-            <a:r>
-              <a:rPr lang="en-US" altLang="zh-CN" sz="1600" dirty="0">
-                <a:hlinkClick r:id="rId2"/>
-              </a:rPr>
-              <a:t>https://github.com/Polly-Contrib/Polly.Contrib.CachePolicy</a:t>
-            </a:r>
-            <a:r>
-              <a:rPr lang="en-US" altLang="zh-CN" sz="1600" dirty="0"/>
-              <a:t> </a:t>
-            </a:r>
-          </a:p>
-          <a:p>
-            <a:endParaRPr lang="en-US" altLang="zh-CN" sz="1600" dirty="0"/>
-          </a:p>
-          <a:p>
-            <a:r>
-              <a:rPr lang="en-US" altLang="zh-CN" sz="1600" dirty="0"/>
-              <a:t>Assumption: </a:t>
-            </a:r>
-          </a:p>
-          <a:p>
-            <a:pPr lvl="1"/>
-            <a:r>
-              <a:rPr lang="en-US" altLang="zh-CN" sz="1600" dirty="0"/>
-              <a:t>Cache items (number*size) is small</a:t>
-            </a:r>
-          </a:p>
-          <a:p>
-            <a:pPr lvl="1"/>
-            <a:r>
-              <a:rPr lang="en-US" altLang="zh-CN" sz="1600" dirty="0"/>
-              <a:t>The cache items rarely change</a:t>
-            </a:r>
-          </a:p>
-          <a:p>
-            <a:pPr marL="615950" lvl="1" indent="0">
-              <a:buNone/>
-            </a:pPr>
-            <a:endParaRPr lang="en-US" altLang="zh-CN" sz="1600" dirty="0"/>
-          </a:p>
-          <a:p>
-            <a:r>
-              <a:rPr lang="en-US" altLang="zh-CN" sz="1600" dirty="0"/>
-              <a:t>Example:</a:t>
-            </a:r>
-          </a:p>
-          <a:p>
-            <a:pPr lvl="1"/>
-            <a:r>
-              <a:rPr lang="en-US" altLang="zh-CN" sz="1600" dirty="0"/>
-              <a:t>{</a:t>
-            </a:r>
-            <a:r>
-              <a:rPr lang="en-US" altLang="zh-CN" sz="1600" dirty="0" err="1"/>
-              <a:t>userId</a:t>
-            </a:r>
-            <a:r>
-              <a:rPr lang="en-US" altLang="zh-CN" sz="1600" dirty="0"/>
-              <a:t>} region: us, 1 days</a:t>
-            </a:r>
-          </a:p>
-          <a:p>
-            <a:pPr lvl="1"/>
-            <a:r>
-              <a:rPr lang="en-US" altLang="zh-CN" sz="1600" dirty="0"/>
-              <a:t>Cache: {</a:t>
-            </a:r>
-            <a:r>
-              <a:rPr lang="en-US" altLang="zh-CN" sz="1600" dirty="0" err="1"/>
-              <a:t>userId</a:t>
-            </a:r>
-            <a:r>
-              <a:rPr lang="en-US" altLang="zh-CN" sz="1600" dirty="0"/>
-              <a:t>} region: us, 7 days</a:t>
-            </a:r>
-          </a:p>
-          <a:p>
-            <a:pPr marL="615950" lvl="1" indent="0">
-              <a:buNone/>
-            </a:pPr>
-            <a:endParaRPr lang="zh-CN" altLang="en-US" sz="1600" dirty="0"/>
-          </a:p>
-        </p:txBody>
-      </p:sp>
-    </p:spTree>
-    <p:extLst>
-      <p:ext uri="{BB962C8B-B14F-4D97-AF65-F5344CB8AC3E}">
-        <p14:creationId xmlns:p14="http://schemas.microsoft.com/office/powerpoint/2010/main" val="245402931"/>
-      </p:ext>
-    </p:extLst>
-  </p:cSld>
-  <p:clrMapOvr>
-    <a:masterClrMapping/>
-  </p:clrMapOvr>
-</p:sld>
-</file>
-
-<file path=ppt/slides/slide13.xml><?xml version="1.0" encoding="utf-8"?>
-<p:sld xmlns:a="http://schemas.openxmlformats.org/drawingml/2006/main" xmlns:r="http://schemas.openxmlformats.org/officeDocument/2006/relationships" xmlns:p="http://schemas.openxmlformats.org/presentationml/2006/main">
-  <p:cSld>
-    <p:spTree>
-      <p:nvGrpSpPr>
-        <p:cNvPr id="1" name=""/>
-        <p:cNvGrpSpPr/>
-        <p:nvPr/>
-      </p:nvGrpSpPr>
-      <p:grpSpPr>
-        <a:xfrm>
-          <a:off x="0" y="0"/>
-          <a:ext cx="0" cy="0"/>
-          <a:chOff x="0" y="0"/>
-          <a:chExt cx="0" cy="0"/>
-        </a:xfrm>
-      </p:grpSpPr>
-      <p:sp>
-        <p:nvSpPr>
-          <p:cNvPr id="2" name="标题 1">
-            <a:extLst>
-              <a:ext uri="{FF2B5EF4-FFF2-40B4-BE49-F238E27FC236}">
-                <a16:creationId xmlns:a16="http://schemas.microsoft.com/office/drawing/2014/main" id="{477A8C6F-8A7C-631C-B279-99DE46B8EE08}"/>
-              </a:ext>
-            </a:extLst>
-          </p:cNvPr>
-          <p:cNvSpPr>
-            <a:spLocks noGrp="1"/>
-          </p:cNvSpPr>
-          <p:nvPr>
-            <p:ph type="title"/>
-          </p:nvPr>
-        </p:nvSpPr>
-        <p:spPr>
-          <a:xfrm>
-            <a:off x="727650" y="740151"/>
-            <a:ext cx="7688700" cy="535200"/>
-          </a:xfrm>
-        </p:spPr>
-        <p:txBody>
-          <a:bodyPr>
-            <a:normAutofit fontScale="90000"/>
-          </a:bodyPr>
-          <a:lstStyle/>
-          <a:p>
-            <a:r>
-              <a:rPr lang="en-US" altLang="zh-CN" dirty="0"/>
-              <a:t>Fallback cache</a:t>
-            </a:r>
-            <a:endParaRPr lang="zh-CN" altLang="en-US" dirty="0"/>
-          </a:p>
-        </p:txBody>
-      </p:sp>
-      <p:sp>
-        <p:nvSpPr>
-          <p:cNvPr id="5" name="文本占位符 4">
-            <a:extLst>
-              <a:ext uri="{FF2B5EF4-FFF2-40B4-BE49-F238E27FC236}">
-                <a16:creationId xmlns:a16="http://schemas.microsoft.com/office/drawing/2014/main" id="{9DB3650C-157B-646A-07A8-E56C973E1814}"/>
-              </a:ext>
-            </a:extLst>
-          </p:cNvPr>
-          <p:cNvSpPr>
-            <a:spLocks noGrp="1"/>
-          </p:cNvSpPr>
-          <p:nvPr>
-            <p:ph type="body" idx="1"/>
-          </p:nvPr>
-        </p:nvSpPr>
-        <p:spPr/>
-        <p:txBody>
-          <a:bodyPr/>
-          <a:lstStyle/>
-          <a:p>
-            <a:pPr marL="146050" indent="0">
-              <a:buNone/>
-            </a:pPr>
-            <a:endParaRPr lang="zh-CN" altLang="en-US" dirty="0"/>
-          </a:p>
-        </p:txBody>
-      </p:sp>
-      <p:pic>
-        <p:nvPicPr>
-          <p:cNvPr id="7" name="图片 6">
-            <a:extLst>
-              <a:ext uri="{FF2B5EF4-FFF2-40B4-BE49-F238E27FC236}">
-                <a16:creationId xmlns:a16="http://schemas.microsoft.com/office/drawing/2014/main" id="{0BBDCB03-3E1D-AC60-624B-DA257B8A4B05}"/>
-              </a:ext>
-            </a:extLst>
-          </p:cNvPr>
-          <p:cNvPicPr>
-            <a:picLocks noChangeAspect="1"/>
-          </p:cNvPicPr>
-          <p:nvPr/>
-        </p:nvPicPr>
-        <p:blipFill>
-          <a:blip r:embed="rId2"/>
-          <a:stretch>
-            <a:fillRect/>
-          </a:stretch>
-        </p:blipFill>
-        <p:spPr>
-          <a:xfrm>
-            <a:off x="3722494" y="470254"/>
-            <a:ext cx="5378710" cy="4673246"/>
-          </a:xfrm>
-          <a:prstGeom prst="rect">
-            <a:avLst/>
-          </a:prstGeom>
-        </p:spPr>
-      </p:pic>
-    </p:spTree>
-    <p:extLst>
-      <p:ext uri="{BB962C8B-B14F-4D97-AF65-F5344CB8AC3E}">
-        <p14:creationId xmlns:p14="http://schemas.microsoft.com/office/powerpoint/2010/main" val="1810661230"/>
-      </p:ext>
-    </p:extLst>
-  </p:cSld>
-  <p:clrMapOvr>
-    <a:masterClrMapping/>
-  </p:clrMapOvr>
-</p:sld>
-</file>
-
-<file path=ppt/slides/slide14.xml><?xml version="1.0" encoding="utf-8"?>
-<p:sld xmlns:a="http://schemas.openxmlformats.org/drawingml/2006/main" xmlns:r="http://schemas.openxmlformats.org/officeDocument/2006/relationships" xmlns:p="http://schemas.openxmlformats.org/presentationml/2006/main">
-  <p:cSld>
-    <p:spTree>
-      <p:nvGrpSpPr>
-        <p:cNvPr id="1" name=""/>
-        <p:cNvGrpSpPr/>
-        <p:nvPr/>
-      </p:nvGrpSpPr>
-      <p:grpSpPr>
-        <a:xfrm>
-          <a:off x="0" y="0"/>
-          <a:ext cx="0" cy="0"/>
-          <a:chOff x="0" y="0"/>
-          <a:chExt cx="0" cy="0"/>
-        </a:xfrm>
-      </p:grpSpPr>
-      <p:sp>
-        <p:nvSpPr>
-          <p:cNvPr id="2" name="标题 1">
-            <a:extLst>
-              <a:ext uri="{FF2B5EF4-FFF2-40B4-BE49-F238E27FC236}">
-                <a16:creationId xmlns:a16="http://schemas.microsoft.com/office/drawing/2014/main" id="{2E7E2155-F79F-108C-019D-073AD7C93A81}"/>
-              </a:ext>
-            </a:extLst>
-          </p:cNvPr>
-          <p:cNvSpPr>
-            <a:spLocks noGrp="1"/>
-          </p:cNvSpPr>
-          <p:nvPr>
-            <p:ph type="title"/>
-          </p:nvPr>
-        </p:nvSpPr>
-        <p:spPr/>
-        <p:txBody>
-          <a:bodyPr>
-            <a:normAutofit fontScale="90000"/>
-          </a:bodyPr>
-          <a:lstStyle/>
-          <a:p>
-            <a:endParaRPr lang="zh-CN" altLang="en-US"/>
-          </a:p>
-        </p:txBody>
-      </p:sp>
-      <p:sp>
-        <p:nvSpPr>
-          <p:cNvPr id="3" name="文本占位符 2">
-            <a:extLst>
-              <a:ext uri="{FF2B5EF4-FFF2-40B4-BE49-F238E27FC236}">
-                <a16:creationId xmlns:a16="http://schemas.microsoft.com/office/drawing/2014/main" id="{B5A2CEFD-2095-1817-4084-DD49291E5ADE}"/>
-              </a:ext>
-            </a:extLst>
-          </p:cNvPr>
-          <p:cNvSpPr>
-            <a:spLocks noGrp="1"/>
-          </p:cNvSpPr>
-          <p:nvPr>
-            <p:ph type="body" idx="1"/>
-          </p:nvPr>
-        </p:nvSpPr>
-        <p:spPr/>
-        <p:txBody>
-          <a:bodyPr/>
-          <a:lstStyle/>
-          <a:p>
-            <a:endParaRPr lang="zh-CN" altLang="en-US"/>
-          </a:p>
-        </p:txBody>
-      </p:sp>
-    </p:spTree>
-    <p:extLst>
-      <p:ext uri="{BB962C8B-B14F-4D97-AF65-F5344CB8AC3E}">
-        <p14:creationId xmlns:p14="http://schemas.microsoft.com/office/powerpoint/2010/main" val="3147890726"/>
-      </p:ext>
-    </p:extLst>
-  </p:cSld>
-  <p:clrMapOvr>
-    <a:masterClrMapping/>
-  </p:clrMapOvr>
-</p:sld>
-</file>
-
-<file path=ppt/slides/slide15.xml><?xml version="1.0" encoding="utf-8"?>
-<p:sld xmlns:a="http://schemas.openxmlformats.org/drawingml/2006/main" xmlns:r="http://schemas.openxmlformats.org/officeDocument/2006/relationships" xmlns:p="http://schemas.openxmlformats.org/presentationml/2006/main">
-  <p:cSld>
-    <p:spTree>
-      <p:nvGrpSpPr>
-        <p:cNvPr id="1" name="Shape 251"/>
-        <p:cNvGrpSpPr/>
-        <p:nvPr/>
-      </p:nvGrpSpPr>
-      <p:grpSpPr>
-        <a:xfrm>
-          <a:off x="0" y="0"/>
-          <a:ext cx="0" cy="0"/>
-          <a:chOff x="0" y="0"/>
-          <a:chExt cx="0" cy="0"/>
-        </a:xfrm>
-      </p:grpSpPr>
-      <p:sp>
-        <p:nvSpPr>
-          <p:cNvPr id="252" name="Google Shape;252;p38"/>
-          <p:cNvSpPr txBox="1">
-            <a:spLocks noGrp="1"/>
-          </p:cNvSpPr>
-          <p:nvPr>
-            <p:ph type="title"/>
-          </p:nvPr>
-        </p:nvSpPr>
-        <p:spPr>
-          <a:xfrm>
-            <a:off x="729450" y="640475"/>
-            <a:ext cx="8197500" cy="535200"/>
-          </a:xfrm>
-          <a:prstGeom prst="rect">
-            <a:avLst/>
-          </a:prstGeom>
-        </p:spPr>
-        <p:txBody>
-          <a:bodyPr spcFirstLastPara="1" wrap="square" lIns="91425" tIns="91425" rIns="91425" bIns="91425" anchor="t" anchorCtr="0">
-            <a:noAutofit/>
-          </a:bodyPr>
-          <a:lstStyle/>
-          <a:p>
-            <a:pPr marL="0" lvl="0" indent="0" algn="l" rtl="0">
-              <a:spcBef>
-                <a:spcPts val="0"/>
-              </a:spcBef>
-              <a:spcAft>
-                <a:spcPts val="0"/>
-              </a:spcAft>
-              <a:buSzPts val="990"/>
-              <a:buNone/>
-            </a:pPr>
-            <a:r>
-              <a:rPr lang="en" sz="2040" dirty="0"/>
-              <a:t>Summary </a:t>
-            </a:r>
-            <a:endParaRPr sz="2040" dirty="0"/>
-          </a:p>
-        </p:txBody>
-      </p:sp>
-      <p:sp>
-        <p:nvSpPr>
-          <p:cNvPr id="6" name="Google Shape;99;p15">
-            <a:extLst>
-              <a:ext uri="{FF2B5EF4-FFF2-40B4-BE49-F238E27FC236}">
-                <a16:creationId xmlns:a16="http://schemas.microsoft.com/office/drawing/2014/main" id="{5F920EF7-AEEA-4566-C52F-ED4920F94DC9}"/>
-              </a:ext>
-            </a:extLst>
-          </p:cNvPr>
-          <p:cNvSpPr txBox="1">
-            <a:spLocks noGrp="1"/>
-          </p:cNvSpPr>
-          <p:nvPr>
-            <p:ph type="body" idx="1"/>
-          </p:nvPr>
-        </p:nvSpPr>
-        <p:spPr>
-          <a:xfrm>
-            <a:off x="729450" y="1441200"/>
-            <a:ext cx="7688700" cy="3498600"/>
-          </a:xfrm>
-          <a:prstGeom prst="rect">
-            <a:avLst/>
-          </a:prstGeom>
-        </p:spPr>
-        <p:txBody>
-          <a:bodyPr spcFirstLastPara="1" wrap="square" lIns="91425" tIns="91425" rIns="91425" bIns="91425" anchor="t" anchorCtr="0">
-            <a:noAutofit/>
-          </a:bodyPr>
-          <a:lstStyle/>
-          <a:p>
-            <a:pPr marL="457200" lvl="0" indent="-349250" algn="l" rtl="0">
-              <a:spcBef>
-                <a:spcPts val="0"/>
-              </a:spcBef>
-              <a:spcAft>
-                <a:spcPts val="0"/>
-              </a:spcAft>
-              <a:buSzPts val="1900"/>
-              <a:buChar char="●"/>
-            </a:pPr>
-            <a:r>
-              <a:rPr lang="en-US" altLang="zh-CN" sz="2000" dirty="0" err="1">
-                <a:solidFill>
-                  <a:schemeClr val="bg2"/>
-                </a:solidFill>
-              </a:rPr>
-              <a:t>AuthZ</a:t>
-            </a:r>
-            <a:r>
-              <a:rPr lang="en-US" altLang="zh-CN" sz="2000" dirty="0">
-                <a:solidFill>
-                  <a:schemeClr val="bg2"/>
-                </a:solidFill>
-              </a:rPr>
-              <a:t> project context</a:t>
-            </a:r>
-          </a:p>
-        </p:txBody>
-      </p:sp>
-    </p:spTree>
-  </p:cSld>
-  <p:clrMapOvr>
-    <a:masterClrMapping/>
-  </p:clrMapOvr>
-</p:sld>
-</file>
-
-<file path=ppt/slides/slide2.xml><?xml version="1.0" encoding="utf-8"?>
-<p:sld xmlns:a="http://schemas.openxmlformats.org/drawingml/2006/main" xmlns:r="http://schemas.openxmlformats.org/officeDocument/2006/relationships" xmlns:p="http://schemas.openxmlformats.org/presentationml/2006/main">
-  <p:cSld>
-    <p:spTree>
-      <p:nvGrpSpPr>
-        <p:cNvPr id="1" name="Shape 97"/>
-        <p:cNvGrpSpPr/>
-        <p:nvPr/>
-      </p:nvGrpSpPr>
-      <p:grpSpPr>
-        <a:xfrm>
-          <a:off x="0" y="0"/>
-          <a:ext cx="0" cy="0"/>
-          <a:chOff x="0" y="0"/>
-          <a:chExt cx="0" cy="0"/>
-        </a:xfrm>
-      </p:grpSpPr>
-      <p:sp>
-        <p:nvSpPr>
-          <p:cNvPr id="98" name="Google Shape;98;p15"/>
-          <p:cNvSpPr txBox="1">
-            <a:spLocks noGrp="1"/>
-          </p:cNvSpPr>
-          <p:nvPr>
-            <p:ph type="title"/>
-          </p:nvPr>
-        </p:nvSpPr>
-        <p:spPr>
-          <a:xfrm>
-            <a:off x="729450" y="599275"/>
-            <a:ext cx="7688700" cy="535200"/>
-          </a:xfrm>
-          <a:prstGeom prst="rect">
-            <a:avLst/>
-          </a:prstGeom>
-        </p:spPr>
-        <p:txBody>
-          <a:bodyPr spcFirstLastPara="1" wrap="square" lIns="91425" tIns="91425" rIns="91425" bIns="91425" anchor="t" anchorCtr="0">
-            <a:normAutofit fontScale="90000"/>
-          </a:bodyPr>
-          <a:lstStyle/>
-          <a:p>
-            <a:pPr marL="0" lvl="0" indent="0" algn="l" rtl="0">
-              <a:spcBef>
-                <a:spcPts val="0"/>
-              </a:spcBef>
-              <a:spcAft>
-                <a:spcPts val="0"/>
-              </a:spcAft>
-              <a:buNone/>
-            </a:pPr>
-            <a:r>
-              <a:rPr lang="en-US" altLang="zh-CN" dirty="0"/>
-              <a:t>Agenda</a:t>
-            </a:r>
-            <a:endParaRPr dirty="0"/>
-          </a:p>
-        </p:txBody>
-      </p:sp>
-      <p:sp>
-        <p:nvSpPr>
-          <p:cNvPr id="99" name="Google Shape;99;p15"/>
-          <p:cNvSpPr txBox="1">
-            <a:spLocks noGrp="1"/>
-          </p:cNvSpPr>
-          <p:nvPr>
-            <p:ph type="body" idx="1"/>
-          </p:nvPr>
-        </p:nvSpPr>
-        <p:spPr>
-          <a:xfrm>
-            <a:off x="729450" y="1441200"/>
-            <a:ext cx="7688700" cy="3498600"/>
-          </a:xfrm>
-          <a:prstGeom prst="rect">
-            <a:avLst/>
-          </a:prstGeom>
-        </p:spPr>
-        <p:txBody>
-          <a:bodyPr spcFirstLastPara="1" wrap="square" lIns="91425" tIns="91425" rIns="91425" bIns="91425" anchor="t" anchorCtr="0">
-            <a:noAutofit/>
-          </a:bodyPr>
-          <a:lstStyle/>
-          <a:p>
-            <a:pPr marL="457200" lvl="0" indent="-349250" algn="l" rtl="0">
-              <a:spcBef>
-                <a:spcPts val="0"/>
-              </a:spcBef>
-              <a:spcAft>
-                <a:spcPts val="0"/>
-              </a:spcAft>
-              <a:buSzPts val="1900"/>
-              <a:buChar char="●"/>
-            </a:pPr>
-            <a:r>
-              <a:rPr lang="en-US" altLang="zh-CN" sz="2000" dirty="0" err="1">
-                <a:solidFill>
-                  <a:schemeClr val="bg2"/>
-                </a:solidFill>
-              </a:rPr>
-              <a:t>AuthZ</a:t>
-            </a:r>
-            <a:r>
-              <a:rPr lang="en-US" altLang="zh-CN" sz="2000" dirty="0">
-                <a:solidFill>
-                  <a:schemeClr val="bg2"/>
-                </a:solidFill>
-              </a:rPr>
-              <a:t> project context</a:t>
-            </a:r>
-          </a:p>
-          <a:p>
-            <a:pPr indent="-349250">
-              <a:buSzPts val="1900"/>
-            </a:pPr>
-            <a:r>
-              <a:rPr lang="en-US" altLang="zh-CN" sz="2000" dirty="0">
-                <a:solidFill>
-                  <a:schemeClr val="bg2"/>
-                </a:solidFill>
-              </a:rPr>
-              <a:t>Service migration</a:t>
-            </a:r>
-          </a:p>
-          <a:p>
-            <a:pPr indent="-349250">
-              <a:buSzPts val="1900"/>
-            </a:pPr>
-            <a:r>
-              <a:rPr lang="en-US" altLang="zh-CN" sz="2000" dirty="0">
-                <a:solidFill>
-                  <a:schemeClr val="bg2"/>
-                </a:solidFill>
-              </a:rPr>
-              <a:t>Service</a:t>
-            </a:r>
-            <a:r>
-              <a:rPr lang="zh-CN" altLang="en-US" sz="2000" dirty="0">
-                <a:solidFill>
-                  <a:schemeClr val="bg2"/>
-                </a:solidFill>
-              </a:rPr>
-              <a:t> </a:t>
-            </a:r>
-            <a:r>
-              <a:rPr lang="en-US" altLang="zh-CN" sz="2000" dirty="0">
-                <a:solidFill>
-                  <a:schemeClr val="bg2"/>
-                </a:solidFill>
-              </a:rPr>
-              <a:t>governance</a:t>
-            </a:r>
-          </a:p>
-          <a:p>
-            <a:pPr marL="457200" lvl="0" indent="-349250" algn="l" rtl="0">
-              <a:spcBef>
-                <a:spcPts val="0"/>
-              </a:spcBef>
-              <a:spcAft>
-                <a:spcPts val="0"/>
-              </a:spcAft>
-              <a:buSzPts val="1900"/>
-              <a:buChar char="●"/>
-            </a:pPr>
-            <a:r>
-              <a:rPr lang="en-US" sz="2000" dirty="0">
-                <a:solidFill>
-                  <a:schemeClr val="bg2"/>
-                </a:solidFill>
-              </a:rPr>
-              <a:t>Summary</a:t>
-            </a:r>
-          </a:p>
-        </p:txBody>
-      </p:sp>
-    </p:spTree>
-  </p:cSld>
-  <p:clrMapOvr>
-    <a:masterClrMapping/>
-  </p:clrMapOvr>
-</p:sld>
-</file>
-
-<file path=ppt/slides/slide3.xml><?xml version="1.0" encoding="utf-8"?>
-<p:sld xmlns:a="http://schemas.openxmlformats.org/drawingml/2006/main" xmlns:r="http://schemas.openxmlformats.org/officeDocument/2006/relationships" xmlns:p="http://schemas.openxmlformats.org/presentationml/2006/main">
-  <p:cSld>
-    <p:spTree>
-      <p:nvGrpSpPr>
-        <p:cNvPr id="1" name="Shape 103"/>
-        <p:cNvGrpSpPr/>
-        <p:nvPr/>
-      </p:nvGrpSpPr>
-      <p:grpSpPr>
-        <a:xfrm>
-          <a:off x="0" y="0"/>
-          <a:ext cx="0" cy="0"/>
-          <a:chOff x="0" y="0"/>
-          <a:chExt cx="0" cy="0"/>
-        </a:xfrm>
-      </p:grpSpPr>
-      <p:sp>
-        <p:nvSpPr>
-          <p:cNvPr id="104" name="Google Shape;104;p16"/>
-          <p:cNvSpPr txBox="1">
-            <a:spLocks noGrp="1"/>
-          </p:cNvSpPr>
-          <p:nvPr>
-            <p:ph type="title"/>
-          </p:nvPr>
-        </p:nvSpPr>
-        <p:spPr>
-          <a:xfrm>
-            <a:off x="798025" y="705250"/>
-            <a:ext cx="7688700" cy="535200"/>
-          </a:xfrm>
-          <a:prstGeom prst="rect">
-            <a:avLst/>
-          </a:prstGeom>
-        </p:spPr>
-        <p:txBody>
-          <a:bodyPr spcFirstLastPara="1" wrap="square" lIns="91425" tIns="91425" rIns="91425" bIns="91425" anchor="t" anchorCtr="0">
-            <a:normAutofit fontScale="90000"/>
-          </a:bodyPr>
-          <a:lstStyle/>
-          <a:p>
-            <a:pPr marL="107950" lvl="0" algn="l" rtl="0">
-              <a:spcBef>
-                <a:spcPts val="0"/>
-              </a:spcBef>
-              <a:spcAft>
-                <a:spcPts val="0"/>
-              </a:spcAft>
-              <a:buSzPts val="1900"/>
-            </a:pPr>
-            <a:r>
-              <a:rPr lang="en-US" altLang="zh-CN" sz="2800" dirty="0" err="1">
-                <a:solidFill>
-                  <a:schemeClr val="bg2"/>
-                </a:solidFill>
-              </a:rPr>
-              <a:t>AuthZ</a:t>
-            </a:r>
-            <a:r>
-              <a:rPr lang="en-US" altLang="zh-CN" sz="2800" dirty="0">
-                <a:solidFill>
-                  <a:schemeClr val="bg2"/>
-                </a:solidFill>
-              </a:rPr>
-              <a:t> project context</a:t>
-            </a:r>
-          </a:p>
-        </p:txBody>
-      </p:sp>
-      <p:pic>
-        <p:nvPicPr>
-          <p:cNvPr id="1028" name="Picture 4" descr="Microsoft Teams with several people on a video call and AI-generated notes summarizing the conversation and action items to the right">
-            <a:extLst>
-              <a:ext uri="{FF2B5EF4-FFF2-40B4-BE49-F238E27FC236}">
-                <a16:creationId xmlns:a16="http://schemas.microsoft.com/office/drawing/2014/main" id="{7F17C96E-6724-B405-A55E-BC2D19A5B7FA}"/>
-              </a:ext>
-            </a:extLst>
-          </p:cNvPr>
-          <p:cNvPicPr>
-            <a:picLocks noChangeAspect="1" noChangeArrowheads="1"/>
-          </p:cNvPicPr>
-          <p:nvPr/>
-        </p:nvPicPr>
-        <p:blipFill>
-          <a:blip r:embed="rId3">
-            <a:extLst>
-              <a:ext uri="{28A0092B-C50C-407E-A947-70E740481C1C}">
-                <a14:useLocalDpi xmlns:a14="http://schemas.microsoft.com/office/drawing/2010/main" val="0"/>
-              </a:ext>
-            </a:extLst>
-          </a:blip>
-          <a:srcRect/>
-          <a:stretch>
-            <a:fillRect/>
-          </a:stretch>
-        </p:blipFill>
-        <p:spPr bwMode="auto">
-          <a:xfrm>
-            <a:off x="1788860" y="2321906"/>
-            <a:ext cx="5010924" cy="2818644"/>
-          </a:xfrm>
-          <a:prstGeom prst="rect">
-            <a:avLst/>
-          </a:prstGeom>
-          <a:noFill/>
-          <a:extLst>
-            <a:ext uri="{909E8E84-426E-40DD-AFC4-6F175D3DCCD1}">
-              <a14:hiddenFill xmlns:a14="http://schemas.microsoft.com/office/drawing/2010/main">
-                <a:solidFill>
-                  <a:srgbClr val="FFFFFF"/>
-                </a:solidFill>
-              </a14:hiddenFill>
-            </a:ext>
-          </a:extLst>
-        </p:spPr>
-      </p:pic>
-      <p:sp>
-        <p:nvSpPr>
-          <p:cNvPr id="8" name="Google Shape;99;p15">
-            <a:extLst>
-              <a:ext uri="{FF2B5EF4-FFF2-40B4-BE49-F238E27FC236}">
-                <a16:creationId xmlns:a16="http://schemas.microsoft.com/office/drawing/2014/main" id="{A71FC050-7946-D5CE-8BD9-AB73C7F3E352}"/>
-              </a:ext>
-            </a:extLst>
-          </p:cNvPr>
-          <p:cNvSpPr txBox="1">
-            <a:spLocks noGrp="1"/>
-          </p:cNvSpPr>
-          <p:nvPr>
-            <p:ph type="body" idx="1"/>
-          </p:nvPr>
-        </p:nvSpPr>
-        <p:spPr>
-          <a:xfrm>
-            <a:off x="729450" y="1441200"/>
-            <a:ext cx="7688700" cy="3498600"/>
-          </a:xfrm>
-          <a:prstGeom prst="rect">
-            <a:avLst/>
-          </a:prstGeom>
-        </p:spPr>
-        <p:txBody>
-          <a:bodyPr spcFirstLastPara="1" wrap="square" lIns="91425" tIns="91425" rIns="91425" bIns="91425" anchor="t" anchorCtr="0">
-            <a:noAutofit/>
-          </a:bodyPr>
-          <a:lstStyle/>
-          <a:p>
-            <a:pPr marL="457200" lvl="0" indent="-349250" algn="l" rtl="0">
-              <a:spcBef>
-                <a:spcPts val="0"/>
-              </a:spcBef>
-              <a:spcAft>
-                <a:spcPts val="0"/>
-              </a:spcAft>
-              <a:buSzPts val="1900"/>
-              <a:buChar char="●"/>
-            </a:pPr>
-            <a:r>
-              <a:rPr lang="en-US" sz="2000" dirty="0">
-                <a:solidFill>
-                  <a:schemeClr val="bg2"/>
-                </a:solidFill>
-              </a:rPr>
-              <a:t>Backend </a:t>
-            </a:r>
-            <a:r>
-              <a:rPr lang="en-US" altLang="zh-CN" sz="2000" dirty="0">
-                <a:solidFill>
-                  <a:schemeClr val="bg2"/>
-                </a:solidFill>
-              </a:rPr>
-              <a:t>service in Microsoft Teams product</a:t>
-            </a:r>
-            <a:endParaRPr lang="en-US" sz="2000" dirty="0">
-              <a:solidFill>
-                <a:schemeClr val="bg2"/>
-              </a:solidFill>
-            </a:endParaRPr>
-          </a:p>
-          <a:p>
-            <a:pPr marL="457200" lvl="0" indent="-349250" algn="l" rtl="0">
-              <a:spcBef>
-                <a:spcPts val="0"/>
-              </a:spcBef>
-              <a:spcAft>
-                <a:spcPts val="0"/>
-              </a:spcAft>
-              <a:buSzPts val="1900"/>
-              <a:buChar char="●"/>
-            </a:pPr>
-            <a:r>
-              <a:rPr lang="en-US" sz="2000" dirty="0">
-                <a:solidFill>
-                  <a:schemeClr val="bg2"/>
-                </a:solidFill>
-              </a:rPr>
-              <a:t>SaaS app built on C#, </a:t>
-            </a:r>
-            <a:r>
-              <a:rPr lang="en-US" sz="2000" dirty="0" err="1">
-                <a:solidFill>
-                  <a:schemeClr val="bg2"/>
-                </a:solidFill>
-              </a:rPr>
-              <a:t>.Net</a:t>
-            </a:r>
-            <a:r>
-              <a:rPr lang="en-US" sz="2000" dirty="0">
-                <a:solidFill>
-                  <a:schemeClr val="bg2"/>
-                </a:solidFill>
-              </a:rPr>
-              <a:t> Core and Azure cloud</a:t>
-            </a:r>
-          </a:p>
-        </p:txBody>
-      </p:sp>
-    </p:spTree>
-  </p:cSld>
-  <p:clrMapOvr>
-    <a:masterClrMapping/>
-  </p:clrMapOvr>
-</p:sld>
-</file>
-
-<file path=ppt/slides/slide4.xml><?xml version="1.0" encoding="utf-8"?>
-<p:sld xmlns:a="http://schemas.openxmlformats.org/drawingml/2006/main" xmlns:r="http://schemas.openxmlformats.org/officeDocument/2006/relationships" xmlns:p="http://schemas.openxmlformats.org/presentationml/2006/main">
-  <p:cSld>
-    <p:spTree>
-      <p:nvGrpSpPr>
-        <p:cNvPr id="1" name="Shape 103"/>
-        <p:cNvGrpSpPr/>
-        <p:nvPr/>
-      </p:nvGrpSpPr>
-      <p:grpSpPr>
-        <a:xfrm>
-          <a:off x="0" y="0"/>
-          <a:ext cx="0" cy="0"/>
-          <a:chOff x="0" y="0"/>
-          <a:chExt cx="0" cy="0"/>
-        </a:xfrm>
-      </p:grpSpPr>
-      <p:sp>
-        <p:nvSpPr>
-          <p:cNvPr id="104" name="Google Shape;104;p16"/>
-          <p:cNvSpPr txBox="1">
-            <a:spLocks noGrp="1"/>
-          </p:cNvSpPr>
-          <p:nvPr>
-            <p:ph type="title"/>
-          </p:nvPr>
-        </p:nvSpPr>
-        <p:spPr>
-          <a:xfrm>
-            <a:off x="798025" y="705250"/>
-            <a:ext cx="7688700" cy="535200"/>
-          </a:xfrm>
-          <a:prstGeom prst="rect">
-            <a:avLst/>
-          </a:prstGeom>
-        </p:spPr>
-        <p:txBody>
-          <a:bodyPr spcFirstLastPara="1" wrap="square" lIns="91425" tIns="91425" rIns="91425" bIns="91425" anchor="t" anchorCtr="0">
-            <a:normAutofit fontScale="90000"/>
-          </a:bodyPr>
-          <a:lstStyle/>
-          <a:p>
-            <a:pPr marL="107950" lvl="0" algn="l" rtl="0">
-              <a:spcBef>
-                <a:spcPts val="0"/>
-              </a:spcBef>
-              <a:spcAft>
-                <a:spcPts val="0"/>
-              </a:spcAft>
-              <a:buSzPts val="1900"/>
-            </a:pPr>
-            <a:r>
-              <a:rPr lang="en-US" altLang="zh-CN" sz="2800" dirty="0" err="1">
-                <a:solidFill>
-                  <a:schemeClr val="bg2"/>
-                </a:solidFill>
-              </a:rPr>
-              <a:t>AuthZ</a:t>
-            </a:r>
-            <a:r>
-              <a:rPr lang="en-US" altLang="zh-CN" sz="2800" dirty="0">
-                <a:solidFill>
-                  <a:schemeClr val="bg2"/>
-                </a:solidFill>
-              </a:rPr>
-              <a:t> project context</a:t>
-            </a:r>
-          </a:p>
-        </p:txBody>
-      </p:sp>
-      <p:pic>
-        <p:nvPicPr>
-          <p:cNvPr id="5" name="图片 4">
-            <a:extLst>
-              <a:ext uri="{FF2B5EF4-FFF2-40B4-BE49-F238E27FC236}">
-                <a16:creationId xmlns:a16="http://schemas.microsoft.com/office/drawing/2014/main" id="{7EA4974E-9932-E301-5FFB-6B4A3E6C11FD}"/>
-              </a:ext>
-            </a:extLst>
-          </p:cNvPr>
-          <p:cNvPicPr>
-            <a:picLocks noChangeAspect="1"/>
-          </p:cNvPicPr>
-          <p:nvPr/>
-        </p:nvPicPr>
-        <p:blipFill>
-          <a:blip r:embed="rId3"/>
-          <a:stretch>
-            <a:fillRect/>
-          </a:stretch>
-        </p:blipFill>
-        <p:spPr>
-          <a:xfrm>
-            <a:off x="536842" y="1240450"/>
-            <a:ext cx="8229599" cy="3894331"/>
-          </a:xfrm>
-          <a:prstGeom prst="rect">
-            <a:avLst/>
-          </a:prstGeom>
-        </p:spPr>
-      </p:pic>
-    </p:spTree>
-    <p:extLst>
-      <p:ext uri="{BB962C8B-B14F-4D97-AF65-F5344CB8AC3E}">
-        <p14:creationId xmlns:p14="http://schemas.microsoft.com/office/powerpoint/2010/main" val="2683783362"/>
-      </p:ext>
-    </p:extLst>
-  </p:cSld>
-  <p:clrMapOvr>
-    <a:masterClrMapping/>
-  </p:clrMapOvr>
-</p:sld>
-</file>
-
-<file path=ppt/slides/slide5.xml><?xml version="1.0" encoding="utf-8"?>
-<p:sld xmlns:a="http://schemas.openxmlformats.org/drawingml/2006/main" xmlns:r="http://schemas.openxmlformats.org/officeDocument/2006/relationships" xmlns:p="http://schemas.openxmlformats.org/presentationml/2006/main">
-  <p:cSld>
-    <p:spTree>
-      <p:nvGrpSpPr>
-        <p:cNvPr id="1" name="Shape 103"/>
-        <p:cNvGrpSpPr/>
-        <p:nvPr/>
-      </p:nvGrpSpPr>
-      <p:grpSpPr>
-        <a:xfrm>
-          <a:off x="0" y="0"/>
-          <a:ext cx="0" cy="0"/>
-          <a:chOff x="0" y="0"/>
-          <a:chExt cx="0" cy="0"/>
-        </a:xfrm>
-      </p:grpSpPr>
-      <p:sp>
-        <p:nvSpPr>
-          <p:cNvPr id="104" name="Google Shape;104;p16"/>
-          <p:cNvSpPr txBox="1">
-            <a:spLocks noGrp="1"/>
-          </p:cNvSpPr>
-          <p:nvPr>
-            <p:ph type="title"/>
-          </p:nvPr>
-        </p:nvSpPr>
-        <p:spPr>
-          <a:xfrm>
-            <a:off x="798025" y="705250"/>
-            <a:ext cx="7688700" cy="535200"/>
-          </a:xfrm>
-          <a:prstGeom prst="rect">
-            <a:avLst/>
-          </a:prstGeom>
-        </p:spPr>
-        <p:txBody>
-          <a:bodyPr spcFirstLastPara="1" wrap="square" lIns="91425" tIns="91425" rIns="91425" bIns="91425" anchor="t" anchorCtr="0">
-            <a:normAutofit fontScale="90000"/>
-          </a:bodyPr>
-          <a:lstStyle/>
-          <a:p>
-            <a:pPr marL="107950" lvl="0" algn="l" rtl="0">
-              <a:spcBef>
-                <a:spcPts val="0"/>
-              </a:spcBef>
-              <a:spcAft>
-                <a:spcPts val="0"/>
-              </a:spcAft>
-              <a:buSzPts val="1900"/>
-            </a:pPr>
-            <a:r>
-              <a:rPr lang="en-US" altLang="zh-CN" sz="2800" dirty="0" err="1">
-                <a:solidFill>
-                  <a:schemeClr val="bg2"/>
-                </a:solidFill>
-              </a:rPr>
-              <a:t>AuthZ</a:t>
-            </a:r>
-            <a:r>
-              <a:rPr lang="en-US" altLang="zh-CN" sz="2800" dirty="0">
-                <a:solidFill>
-                  <a:schemeClr val="bg2"/>
-                </a:solidFill>
-              </a:rPr>
-              <a:t> project context</a:t>
-            </a:r>
-          </a:p>
-        </p:txBody>
-      </p:sp>
-      <p:pic>
-        <p:nvPicPr>
-          <p:cNvPr id="12" name="图片 11">
-            <a:extLst>
-              <a:ext uri="{FF2B5EF4-FFF2-40B4-BE49-F238E27FC236}">
-                <a16:creationId xmlns:a16="http://schemas.microsoft.com/office/drawing/2014/main" id="{B2A5BF6F-EA68-A537-68AA-3C1E4CEEC3C3}"/>
-              </a:ext>
-            </a:extLst>
-          </p:cNvPr>
-          <p:cNvPicPr>
-            <a:picLocks noChangeAspect="1"/>
-          </p:cNvPicPr>
-          <p:nvPr/>
-        </p:nvPicPr>
-        <p:blipFill>
-          <a:blip r:embed="rId3"/>
-          <a:stretch>
-            <a:fillRect/>
-          </a:stretch>
-        </p:blipFill>
-        <p:spPr>
-          <a:xfrm>
-            <a:off x="743319" y="1263191"/>
-            <a:ext cx="7912647" cy="3880310"/>
-          </a:xfrm>
-          <a:prstGeom prst="rect">
-            <a:avLst/>
-          </a:prstGeom>
-        </p:spPr>
-      </p:pic>
-    </p:spTree>
-    <p:extLst>
-      <p:ext uri="{BB962C8B-B14F-4D97-AF65-F5344CB8AC3E}">
-        <p14:creationId xmlns:p14="http://schemas.microsoft.com/office/powerpoint/2010/main" val="3079648786"/>
-      </p:ext>
-    </p:extLst>
-  </p:cSld>
-  <p:clrMapOvr>
-    <a:masterClrMapping/>
-  </p:clrMapOvr>
-</p:sld>
-</file>
-
-<file path=ppt/slides/slide6.xml><?xml version="1.0" encoding="utf-8"?>
-<p:sld xmlns:a="http://schemas.openxmlformats.org/drawingml/2006/main" xmlns:r="http://schemas.openxmlformats.org/officeDocument/2006/relationships" xmlns:p="http://schemas.openxmlformats.org/presentationml/2006/main">
-  <p:cSld>
-    <p:spTree>
-      <p:nvGrpSpPr>
-        <p:cNvPr id="1" name="Shape 103">
-          <a:extLst>
-            <a:ext uri="{FF2B5EF4-FFF2-40B4-BE49-F238E27FC236}">
-              <a16:creationId xmlns:a16="http://schemas.microsoft.com/office/drawing/2014/main" id="{3AF2A168-C1FE-5F34-959A-DCD77AFB5B26}"/>
-            </a:ext>
-          </a:extLst>
-        </p:cNvPr>
-        <p:cNvGrpSpPr/>
-        <p:nvPr/>
-      </p:nvGrpSpPr>
-      <p:grpSpPr>
-        <a:xfrm>
-          <a:off x="0" y="0"/>
-          <a:ext cx="0" cy="0"/>
-          <a:chOff x="0" y="0"/>
-          <a:chExt cx="0" cy="0"/>
-        </a:xfrm>
-      </p:grpSpPr>
-      <p:sp>
-        <p:nvSpPr>
-          <p:cNvPr id="104" name="Google Shape;104;p16">
-            <a:extLst>
-              <a:ext uri="{FF2B5EF4-FFF2-40B4-BE49-F238E27FC236}">
-                <a16:creationId xmlns:a16="http://schemas.microsoft.com/office/drawing/2014/main" id="{7EEFBBFC-5AAB-D3DE-AD3D-60654EA7F6CE}"/>
-              </a:ext>
-            </a:extLst>
-          </p:cNvPr>
-          <p:cNvSpPr txBox="1">
-            <a:spLocks noGrp="1"/>
-          </p:cNvSpPr>
-          <p:nvPr>
-            <p:ph type="title"/>
-          </p:nvPr>
-        </p:nvSpPr>
-        <p:spPr>
-          <a:xfrm>
-            <a:off x="798025" y="705250"/>
-            <a:ext cx="7688700" cy="535200"/>
-          </a:xfrm>
-          <a:prstGeom prst="rect">
-            <a:avLst/>
-          </a:prstGeom>
-        </p:spPr>
-        <p:txBody>
-          <a:bodyPr spcFirstLastPara="1" wrap="square" lIns="91425" tIns="91425" rIns="91425" bIns="91425" anchor="t" anchorCtr="0">
-            <a:normAutofit fontScale="90000"/>
-          </a:bodyPr>
-          <a:lstStyle/>
-          <a:p>
-            <a:pPr marL="0" lvl="0" indent="0" algn="l" rtl="0">
-              <a:spcBef>
-                <a:spcPts val="0"/>
-              </a:spcBef>
-              <a:spcAft>
-                <a:spcPts val="0"/>
-              </a:spcAft>
-              <a:buNone/>
-            </a:pPr>
-            <a:r>
-              <a:rPr lang="en-US" altLang="zh-CN" sz="2400" dirty="0" err="1">
-                <a:solidFill>
-                  <a:schemeClr val="bg2"/>
-                </a:solidFill>
-              </a:rPr>
-              <a:t>AuthZ</a:t>
-            </a:r>
-            <a:r>
-              <a:rPr lang="en-US" altLang="zh-CN" sz="2400" dirty="0">
-                <a:solidFill>
-                  <a:schemeClr val="bg2"/>
-                </a:solidFill>
-              </a:rPr>
-              <a:t> project context</a:t>
-            </a:r>
-            <a:endParaRPr dirty="0"/>
-          </a:p>
-        </p:txBody>
-      </p:sp>
-      <p:pic>
-        <p:nvPicPr>
-          <p:cNvPr id="3" name="图片 2">
-            <a:extLst>
-              <a:ext uri="{FF2B5EF4-FFF2-40B4-BE49-F238E27FC236}">
-                <a16:creationId xmlns:a16="http://schemas.microsoft.com/office/drawing/2014/main" id="{37220E09-0ED9-0D81-5CCB-DCC32E71641A}"/>
-              </a:ext>
-            </a:extLst>
-          </p:cNvPr>
-          <p:cNvPicPr>
-            <a:picLocks noChangeAspect="1"/>
-          </p:cNvPicPr>
-          <p:nvPr/>
-        </p:nvPicPr>
-        <p:blipFill>
-          <a:blip r:embed="rId3"/>
-          <a:stretch>
-            <a:fillRect/>
-          </a:stretch>
-        </p:blipFill>
-        <p:spPr>
-          <a:xfrm>
-            <a:off x="430651" y="1240450"/>
-            <a:ext cx="8436079" cy="3870352"/>
-          </a:xfrm>
-          <a:prstGeom prst="rect">
-            <a:avLst/>
-          </a:prstGeom>
-        </p:spPr>
-      </p:pic>
-    </p:spTree>
-    <p:extLst>
-      <p:ext uri="{BB962C8B-B14F-4D97-AF65-F5344CB8AC3E}">
-        <p14:creationId xmlns:p14="http://schemas.microsoft.com/office/powerpoint/2010/main" val="879832161"/>
-      </p:ext>
-    </p:extLst>
-  </p:cSld>
-  <p:clrMapOvr>
-    <a:masterClrMapping/>
-  </p:clrMapOvr>
-</p:sld>
-</file>
-
-<file path=ppt/slides/slide7.xml><?xml version="1.0" encoding="utf-8"?>
-<p:sld xmlns:a="http://schemas.openxmlformats.org/drawingml/2006/main" xmlns:r="http://schemas.openxmlformats.org/officeDocument/2006/relationships" xmlns:p="http://schemas.openxmlformats.org/presentationml/2006/main">
-  <p:cSld>
-    <p:spTree>
-      <p:nvGrpSpPr>
-        <p:cNvPr id="1" name=""/>
-        <p:cNvGrpSpPr/>
-        <p:nvPr/>
-      </p:nvGrpSpPr>
-      <p:grpSpPr>
-        <a:xfrm>
-          <a:off x="0" y="0"/>
-          <a:ext cx="0" cy="0"/>
-          <a:chOff x="0" y="0"/>
-          <a:chExt cx="0" cy="0"/>
-        </a:xfrm>
-      </p:grpSpPr>
-      <p:sp>
-        <p:nvSpPr>
-          <p:cNvPr id="3" name="文本占位符 2">
-            <a:extLst>
-              <a:ext uri="{FF2B5EF4-FFF2-40B4-BE49-F238E27FC236}">
-                <a16:creationId xmlns:a16="http://schemas.microsoft.com/office/drawing/2014/main" id="{34720330-BCA3-89EF-75BD-C7F710CCD481}"/>
-              </a:ext>
-            </a:extLst>
-          </p:cNvPr>
-          <p:cNvSpPr>
-            <a:spLocks noGrp="1"/>
-          </p:cNvSpPr>
-          <p:nvPr>
-            <p:ph type="body" idx="1"/>
-          </p:nvPr>
-        </p:nvSpPr>
-        <p:spPr>
-          <a:xfrm>
-            <a:off x="798025" y="1370951"/>
-            <a:ext cx="7688700" cy="3191589"/>
-          </a:xfrm>
-        </p:spPr>
-        <p:txBody>
-          <a:bodyPr>
-            <a:normAutofit/>
-          </a:bodyPr>
-          <a:lstStyle/>
-          <a:p>
-            <a:pPr marL="146050" indent="0">
-              <a:buNone/>
-            </a:pPr>
-            <a:r>
-              <a:rPr lang="en-US" altLang="zh-CN" sz="1800" dirty="0"/>
-              <a:t>Problems:</a:t>
-            </a:r>
-          </a:p>
-          <a:p>
-            <a:r>
-              <a:rPr lang="en-US" altLang="zh-CN" sz="1800" dirty="0"/>
-              <a:t>Mission critical service shares resources (CPU, cache…) with others</a:t>
-            </a:r>
-          </a:p>
-          <a:p>
-            <a:r>
-              <a:rPr lang="en-US" altLang="zh-CN" sz="1800" dirty="0"/>
-              <a:t>Slow development and deployment cycle</a:t>
-            </a:r>
-          </a:p>
-          <a:p>
-            <a:endParaRPr lang="en-US" altLang="zh-CN" sz="1800" dirty="0"/>
-          </a:p>
-          <a:p>
-            <a:pPr marL="146050" indent="0">
-              <a:buNone/>
-            </a:pPr>
-            <a:r>
-              <a:rPr lang="en-US" altLang="zh-CN" sz="1800" dirty="0"/>
-              <a:t>Goals:</a:t>
-            </a:r>
-          </a:p>
-          <a:p>
-            <a:r>
-              <a:rPr lang="en-US" altLang="zh-CN" sz="1800" b="1" u="sng" dirty="0"/>
-              <a:t>Migration</a:t>
-            </a:r>
-            <a:r>
-              <a:rPr lang="en-US" altLang="zh-CN" sz="1800" dirty="0"/>
-              <a:t>: Build a brand new </a:t>
-            </a:r>
-            <a:r>
-              <a:rPr lang="en-US" altLang="zh-CN" sz="1800" dirty="0" err="1"/>
-              <a:t>AuthZ</a:t>
-            </a:r>
-            <a:r>
-              <a:rPr lang="en-US" altLang="zh-CN" sz="1800" dirty="0"/>
-              <a:t> service from scratch</a:t>
-            </a:r>
-          </a:p>
-          <a:p>
-            <a:r>
-              <a:rPr lang="en-US" altLang="zh-CN" sz="1800" b="1" u="sng" dirty="0"/>
-              <a:t>Governance</a:t>
-            </a:r>
-            <a:r>
-              <a:rPr lang="en-US" altLang="zh-CN" sz="1800" dirty="0"/>
-              <a:t>: Improve </a:t>
-            </a:r>
-            <a:r>
-              <a:rPr lang="en-US" altLang="zh-CN" sz="1800" dirty="0" err="1"/>
-              <a:t>AuthZ</a:t>
-            </a:r>
-            <a:r>
-              <a:rPr lang="en-US" altLang="zh-CN" sz="1800" dirty="0"/>
-              <a:t> service availability above 99.9%</a:t>
-            </a:r>
-          </a:p>
-          <a:p>
-            <a:r>
-              <a:rPr lang="en-US" altLang="zh-CN" sz="1800" b="1" u="sng" dirty="0"/>
-              <a:t>Optimization</a:t>
-            </a:r>
-            <a:r>
-              <a:rPr lang="en-US" altLang="zh-CN" sz="1800" dirty="0"/>
-              <a:t>: Improve </a:t>
-            </a:r>
-            <a:r>
-              <a:rPr lang="en-US" altLang="zh-CN" sz="1800" dirty="0" err="1"/>
-              <a:t>AuthZ</a:t>
-            </a:r>
-            <a:r>
-              <a:rPr lang="en-US" altLang="zh-CN" sz="1800" dirty="0"/>
-              <a:t> cache consistency</a:t>
-            </a:r>
-          </a:p>
-          <a:p>
-            <a:endParaRPr lang="en-US" altLang="zh-CN" sz="1800" dirty="0"/>
-          </a:p>
-          <a:p>
-            <a:endParaRPr lang="zh-CN" altLang="en-US" sz="1800" dirty="0"/>
-          </a:p>
-        </p:txBody>
-      </p:sp>
-      <p:sp>
-        <p:nvSpPr>
-          <p:cNvPr id="4" name="Google Shape;104;p16">
-            <a:extLst>
-              <a:ext uri="{FF2B5EF4-FFF2-40B4-BE49-F238E27FC236}">
-                <a16:creationId xmlns:a16="http://schemas.microsoft.com/office/drawing/2014/main" id="{A8DDE8D3-A33D-CBEF-DE8A-3630AA81842E}"/>
+                <a16:creationId xmlns:a16="http://schemas.microsoft.com/office/drawing/2014/main" id="{F7CD081F-FD8A-66A1-E55F-6778E036AEAA}"/>
               </a:ext>
             </a:extLst>
           </p:cNvPr>
@@ -10109,7 +8834,7 @@
         </p:spPr>
         <p:txBody>
           <a:bodyPr spcFirstLastPara="1" wrap="square" lIns="91425" tIns="91425" rIns="91425" bIns="91425" anchor="t" anchorCtr="0">
-            <a:normAutofit fontScale="97500" lnSpcReduction="10000"/>
+            <a:normAutofit fontScale="90000" lnSpcReduction="10000"/>
           </a:bodyPr>
           <a:lstStyle>
             <a:defPPr marR="0" lvl="0" algn="l" rtl="0">
@@ -10360,92 +9085,48 @@
           </a:lstStyle>
           <a:p>
             <a:r>
-              <a:rPr lang="en-US" dirty="0"/>
-              <a:t>Goals</a:t>
+              <a:rPr lang="en-US" altLang="zh-CN" sz="2800" dirty="0"/>
+              <a:t>Real traffic validation</a:t>
             </a:r>
           </a:p>
         </p:txBody>
       </p:sp>
-    </p:spTree>
-    <p:extLst>
-      <p:ext uri="{BB962C8B-B14F-4D97-AF65-F5344CB8AC3E}">
-        <p14:creationId xmlns:p14="http://schemas.microsoft.com/office/powerpoint/2010/main" val="2071558834"/>
-      </p:ext>
-    </p:extLst>
-  </p:cSld>
-  <p:clrMapOvr>
-    <a:masterClrMapping/>
-  </p:clrMapOvr>
-</p:sld>
-</file>
-
-<file path=ppt/slides/slide8.xml><?xml version="1.0" encoding="utf-8"?>
-<p:sld xmlns:a="http://schemas.openxmlformats.org/drawingml/2006/main" xmlns:r="http://schemas.openxmlformats.org/officeDocument/2006/relationships" xmlns:p="http://schemas.openxmlformats.org/presentationml/2006/main">
-  <p:cSld>
-    <p:spTree>
-      <p:nvGrpSpPr>
-        <p:cNvPr id="1" name="Shape 110">
-          <a:extLst>
-            <a:ext uri="{FF2B5EF4-FFF2-40B4-BE49-F238E27FC236}">
-              <a16:creationId xmlns:a16="http://schemas.microsoft.com/office/drawing/2014/main" id="{922F6965-8384-7020-F5F1-AD58C59AD59A}"/>
-            </a:ext>
-          </a:extLst>
-        </p:cNvPr>
-        <p:cNvGrpSpPr/>
-        <p:nvPr/>
-      </p:nvGrpSpPr>
-      <p:grpSpPr>
-        <a:xfrm>
-          <a:off x="0" y="0"/>
-          <a:ext cx="0" cy="0"/>
-          <a:chOff x="0" y="0"/>
-          <a:chExt cx="0" cy="0"/>
-        </a:xfrm>
-      </p:grpSpPr>
-      <p:sp>
-        <p:nvSpPr>
-          <p:cNvPr id="111" name="Google Shape;111;p17">
+      <p:pic>
+        <p:nvPicPr>
+          <p:cNvPr id="5" name="图片 4">
             <a:extLst>
               <a:ext uri="{FF2B5EF4-FFF2-40B4-BE49-F238E27FC236}">
-                <a16:creationId xmlns:a16="http://schemas.microsoft.com/office/drawing/2014/main" id="{7C18B129-D233-2FD9-0FAB-24A33F98A01C}"/>
+                <a16:creationId xmlns:a16="http://schemas.microsoft.com/office/drawing/2014/main" id="{C2AFE205-8AA2-29B3-A8A4-0BD663EB6B8C}"/>
               </a:ext>
             </a:extLst>
           </p:cNvPr>
-          <p:cNvSpPr txBox="1">
-            <a:spLocks noGrp="1"/>
-          </p:cNvSpPr>
-          <p:nvPr>
-            <p:ph type="title"/>
-          </p:nvPr>
-        </p:nvSpPr>
+          <p:cNvPicPr>
+            <a:picLocks noChangeAspect="1"/>
+          </p:cNvPicPr>
+          <p:nvPr/>
+        </p:nvPicPr>
+        <p:blipFill>
+          <a:blip r:embed="rId3"/>
+          <a:stretch>
+            <a:fillRect/>
+          </a:stretch>
+        </p:blipFill>
         <p:spPr>
           <a:xfrm>
-            <a:off x="798025" y="705250"/>
-            <a:ext cx="7688700" cy="535200"/>
+            <a:off x="4462639" y="0"/>
+            <a:ext cx="4560645" cy="5143500"/>
           </a:xfrm>
           <a:prstGeom prst="rect">
             <a:avLst/>
           </a:prstGeom>
         </p:spPr>
-        <p:txBody>
-          <a:bodyPr spcFirstLastPara="1" wrap="square" lIns="91425" tIns="91425" rIns="91425" bIns="91425" anchor="t" anchorCtr="0">
-            <a:normAutofit fontScale="90000"/>
-          </a:bodyPr>
-          <a:lstStyle/>
-          <a:p>
-            <a:r>
-              <a:rPr lang="en-US" altLang="zh-CN" sz="2800" dirty="0"/>
-              <a:t>Service migration</a:t>
-            </a:r>
-          </a:p>
-        </p:txBody>
-      </p:sp>
+      </p:pic>
       <p:sp>
         <p:nvSpPr>
-          <p:cNvPr id="3" name="文本占位符 2">
+          <p:cNvPr id="7" name="文本占位符 6">
             <a:extLst>
               <a:ext uri="{FF2B5EF4-FFF2-40B4-BE49-F238E27FC236}">
-                <a16:creationId xmlns:a16="http://schemas.microsoft.com/office/drawing/2014/main" id="{A8D88288-E5F9-ED2A-DBDF-4AB0A88DAEB4}"/>
+                <a16:creationId xmlns:a16="http://schemas.microsoft.com/office/drawing/2014/main" id="{7CE59434-7D67-6304-F105-0E4F2B651019}"/>
               </a:ext>
             </a:extLst>
           </p:cNvPr>
@@ -10458,8 +9139,8 @@
         </p:nvSpPr>
         <p:spPr>
           <a:xfrm>
-            <a:off x="727650" y="1489245"/>
-            <a:ext cx="7688700" cy="2834982"/>
+            <a:off x="727650" y="1441199"/>
+            <a:ext cx="7688700" cy="3431667"/>
           </a:xfrm>
         </p:spPr>
         <p:txBody>
@@ -10468,75 +9149,76 @@
           </a:bodyPr>
           <a:lstStyle/>
           <a:p>
-            <a:r>
-              <a:rPr lang="en-US" altLang="zh-CN" sz="2400" dirty="0"/>
-              <a:t>Challenges: </a:t>
-            </a:r>
-          </a:p>
-          <a:p>
-            <a:pPr lvl="1"/>
-            <a:r>
-              <a:rPr lang="en-US" altLang="zh-CN" sz="1800" dirty="0"/>
-              <a:t>Mission critical service</a:t>
-            </a:r>
-          </a:p>
-          <a:p>
-            <a:pPr lvl="1"/>
-            <a:r>
-              <a:rPr lang="en-US" altLang="zh-CN" sz="1800" dirty="0"/>
-              <a:t>Stateless by itself but persist license data to database</a:t>
-            </a:r>
-          </a:p>
-          <a:p>
-            <a:endParaRPr lang="en-US" altLang="zh-CN" dirty="0"/>
-          </a:p>
-          <a:p>
-            <a:r>
-              <a:rPr lang="en-US" altLang="zh-CN" sz="2400" dirty="0"/>
-              <a:t>Verification methods:</a:t>
-            </a:r>
-          </a:p>
-          <a:p>
-            <a:pPr lvl="1"/>
-            <a:r>
-              <a:rPr lang="en-US" altLang="zh-CN" sz="1800" dirty="0"/>
-              <a:t>Unit test, component test</a:t>
-            </a:r>
-          </a:p>
-          <a:p>
-            <a:pPr lvl="1"/>
-            <a:r>
-              <a:rPr lang="en-US" altLang="zh-CN" sz="1800" dirty="0">
-                <a:solidFill>
-                  <a:srgbClr val="FF0000"/>
-                </a:solidFill>
-              </a:rPr>
-              <a:t>Real traffic verification</a:t>
-            </a:r>
-          </a:p>
-          <a:p>
-            <a:pPr lvl="1"/>
-            <a:r>
-              <a:rPr lang="en-US" altLang="zh-CN" sz="1800" dirty="0"/>
-              <a:t>Canary release </a:t>
-            </a:r>
-          </a:p>
-          <a:p>
-            <a:pPr lvl="1"/>
-            <a:endParaRPr lang="en-US" altLang="zh-CN" dirty="0"/>
-          </a:p>
-          <a:p>
-            <a:pPr marL="615950" lvl="1" indent="0">
+            <a:pPr marL="146050" indent="0">
               <a:buNone/>
             </a:pPr>
-            <a:endParaRPr lang="zh-CN" altLang="en-US" dirty="0"/>
+            <a:r>
+              <a:rPr lang="en-US" altLang="zh-CN" sz="1600" b="1" u="sng" dirty="0"/>
+              <a:t>Existing rollout process:</a:t>
+            </a:r>
+          </a:p>
+          <a:p>
+            <a:r>
+              <a:rPr lang="en-US" altLang="zh-CN" sz="1600" dirty="0"/>
+              <a:t>Canary release</a:t>
+            </a:r>
+          </a:p>
+          <a:p>
+            <a:r>
+              <a:rPr lang="en-US" altLang="zh-CN" sz="1600" dirty="0"/>
+              <a:t>Flags for turning on/off specific features </a:t>
+            </a:r>
+            <a:endParaRPr lang="en-US" altLang="zh-CN" sz="1600" b="1" u="sng" dirty="0"/>
+          </a:p>
+          <a:p>
+            <a:pPr marL="146050" indent="0">
+              <a:buNone/>
+            </a:pPr>
+            <a:endParaRPr lang="en-US" altLang="zh-CN" sz="1600" b="1" u="sng" dirty="0"/>
+          </a:p>
+          <a:p>
+            <a:pPr marL="146050" indent="0">
+              <a:buNone/>
+            </a:pPr>
+            <a:r>
+              <a:rPr lang="en-US" altLang="zh-CN" sz="1600" b="1" u="sng" dirty="0"/>
+              <a:t>Motivations for real traffic validation:</a:t>
+            </a:r>
+            <a:endParaRPr lang="en-US" altLang="zh-CN" sz="1600" dirty="0"/>
+          </a:p>
+          <a:p>
+            <a:r>
+              <a:rPr lang="en-US" altLang="zh-CN" sz="1600" dirty="0"/>
+              <a:t>Poor edge case coverage in existing </a:t>
+            </a:r>
+          </a:p>
+          <a:p>
+            <a:pPr marL="146050" indent="0">
+              <a:buNone/>
+            </a:pPr>
+            <a:r>
+              <a:rPr lang="en-US" altLang="zh-CN" sz="1600" dirty="0"/>
+              <a:t>      monolithic app</a:t>
+            </a:r>
+          </a:p>
+          <a:p>
+            <a:r>
+              <a:rPr lang="en-US" altLang="zh-CN" sz="1600" dirty="0"/>
+              <a:t>Service scope rollout, not feature scope</a:t>
+            </a:r>
+          </a:p>
+          <a:p>
+            <a:r>
+              <a:rPr lang="en-US" altLang="zh-CN" sz="1600" dirty="0"/>
+              <a:t>Minimize “test in prod” risks </a:t>
+            </a:r>
           </a:p>
         </p:txBody>
       </p:sp>
     </p:spTree>
     <p:extLst>
       <p:ext uri="{BB962C8B-B14F-4D97-AF65-F5344CB8AC3E}">
-        <p14:creationId xmlns:p14="http://schemas.microsoft.com/office/powerpoint/2010/main" val="2488277110"/>
+        <p14:creationId xmlns:p14="http://schemas.microsoft.com/office/powerpoint/2010/main" val="2948362479"/>
       </p:ext>
     </p:extLst>
   </p:cSld>
@@ -10546,7 +9228,7 @@
 </p:sld>
 </file>
 
-<file path=ppt/slides/slide9.xml><?xml version="1.0" encoding="utf-8"?>
+<file path=ppt/slides/slide11.xml><?xml version="1.0" encoding="utf-8"?>
 <p:sld xmlns:a="http://schemas.openxmlformats.org/drawingml/2006/main" xmlns:r="http://schemas.openxmlformats.org/officeDocument/2006/relationships" xmlns:p="http://schemas.openxmlformats.org/presentationml/2006/main">
   <p:cSld>
     <p:spTree>
@@ -10913,7 +9595,3704 @@
     </p:spTree>
     <p:extLst>
       <p:ext uri="{BB962C8B-B14F-4D97-AF65-F5344CB8AC3E}">
-        <p14:creationId xmlns:p14="http://schemas.microsoft.com/office/powerpoint/2010/main" val="2948362479"/>
+        <p14:creationId xmlns:p14="http://schemas.microsoft.com/office/powerpoint/2010/main" val="3611406688"/>
+      </p:ext>
+    </p:extLst>
+  </p:cSld>
+  <p:clrMapOvr>
+    <a:masterClrMapping/>
+  </p:clrMapOvr>
+</p:sld>
+</file>
+
+<file path=ppt/slides/slide12.xml><?xml version="1.0" encoding="utf-8"?>
+<p:sld xmlns:a="http://schemas.openxmlformats.org/drawingml/2006/main" xmlns:r="http://schemas.openxmlformats.org/officeDocument/2006/relationships" xmlns:p="http://schemas.openxmlformats.org/presentationml/2006/main">
+  <p:cSld>
+    <p:spTree>
+      <p:nvGrpSpPr>
+        <p:cNvPr id="1" name="Shape 110">
+          <a:extLst>
+            <a:ext uri="{FF2B5EF4-FFF2-40B4-BE49-F238E27FC236}">
+              <a16:creationId xmlns:a16="http://schemas.microsoft.com/office/drawing/2014/main" id="{5AAF7F81-6177-55C2-D0DF-85ECB53BEBC6}"/>
+            </a:ext>
+          </a:extLst>
+        </p:cNvPr>
+        <p:cNvGrpSpPr/>
+        <p:nvPr/>
+      </p:nvGrpSpPr>
+      <p:grpSpPr>
+        <a:xfrm>
+          <a:off x="0" y="0"/>
+          <a:ext cx="0" cy="0"/>
+          <a:chOff x="0" y="0"/>
+          <a:chExt cx="0" cy="0"/>
+        </a:xfrm>
+      </p:grpSpPr>
+      <p:sp>
+        <p:nvSpPr>
+          <p:cNvPr id="111" name="Google Shape;111;p17">
+            <a:extLst>
+              <a:ext uri="{FF2B5EF4-FFF2-40B4-BE49-F238E27FC236}">
+                <a16:creationId xmlns:a16="http://schemas.microsoft.com/office/drawing/2014/main" id="{7E3A7BFA-4C5C-6594-7601-E5C7E00E73C1}"/>
+              </a:ext>
+            </a:extLst>
+          </p:cNvPr>
+          <p:cNvSpPr txBox="1">
+            <a:spLocks noGrp="1"/>
+          </p:cNvSpPr>
+          <p:nvPr>
+            <p:ph type="title"/>
+          </p:nvPr>
+        </p:nvSpPr>
+        <p:spPr>
+          <a:xfrm>
+            <a:off x="798025" y="705250"/>
+            <a:ext cx="7688700" cy="535200"/>
+          </a:xfrm>
+          <a:prstGeom prst="rect">
+            <a:avLst/>
+          </a:prstGeom>
+        </p:spPr>
+        <p:txBody>
+          <a:bodyPr spcFirstLastPara="1" wrap="square" lIns="91425" tIns="91425" rIns="91425" bIns="91425" anchor="t" anchorCtr="0">
+            <a:normAutofit fontScale="90000"/>
+          </a:bodyPr>
+          <a:lstStyle/>
+          <a:p>
+            <a:r>
+              <a:rPr lang="en-US" altLang="zh-CN" sz="2400" dirty="0"/>
+              <a:t>Service migration – Real traffic verification</a:t>
+            </a:r>
+          </a:p>
+        </p:txBody>
+      </p:sp>
+      <p:pic>
+        <p:nvPicPr>
+          <p:cNvPr id="3" name="图片 2">
+            <a:extLst>
+              <a:ext uri="{FF2B5EF4-FFF2-40B4-BE49-F238E27FC236}">
+                <a16:creationId xmlns:a16="http://schemas.microsoft.com/office/drawing/2014/main" id="{65818BB4-6C7A-05FA-2AF3-80241BBA95F9}"/>
+              </a:ext>
+            </a:extLst>
+          </p:cNvPr>
+          <p:cNvPicPr>
+            <a:picLocks noChangeAspect="1"/>
+          </p:cNvPicPr>
+          <p:nvPr/>
+        </p:nvPicPr>
+        <p:blipFill>
+          <a:blip r:embed="rId3"/>
+          <a:stretch>
+            <a:fillRect/>
+          </a:stretch>
+        </p:blipFill>
+        <p:spPr>
+          <a:xfrm>
+            <a:off x="3822757" y="1176976"/>
+            <a:ext cx="4663968" cy="3966524"/>
+          </a:xfrm>
+          <a:prstGeom prst="rect">
+            <a:avLst/>
+          </a:prstGeom>
+        </p:spPr>
+      </p:pic>
+      <p:sp>
+        <p:nvSpPr>
+          <p:cNvPr id="4" name="文本占位符 2">
+            <a:extLst>
+              <a:ext uri="{FF2B5EF4-FFF2-40B4-BE49-F238E27FC236}">
+                <a16:creationId xmlns:a16="http://schemas.microsoft.com/office/drawing/2014/main" id="{202F08AA-1BA8-E31A-8FDA-C8FFC364637A}"/>
+              </a:ext>
+            </a:extLst>
+          </p:cNvPr>
+          <p:cNvSpPr>
+            <a:spLocks noGrp="1"/>
+          </p:cNvSpPr>
+          <p:nvPr>
+            <p:ph type="body" idx="1"/>
+          </p:nvPr>
+        </p:nvSpPr>
+        <p:spPr>
+          <a:xfrm>
+            <a:off x="727650" y="1489245"/>
+            <a:ext cx="3095107" cy="2834982"/>
+          </a:xfrm>
+        </p:spPr>
+        <p:txBody>
+          <a:bodyPr>
+            <a:normAutofit/>
+          </a:bodyPr>
+          <a:lstStyle/>
+          <a:p>
+            <a:r>
+              <a:rPr lang="en-US" altLang="zh-CN" sz="1600" dirty="0"/>
+              <a:t>Assumption: </a:t>
+            </a:r>
+          </a:p>
+          <a:p>
+            <a:pPr lvl="1"/>
+            <a:r>
+              <a:rPr lang="en-US" altLang="zh-CN" sz="1600" dirty="0"/>
+              <a:t>APIs are idempotent</a:t>
+            </a:r>
+          </a:p>
+          <a:p>
+            <a:pPr marL="615950" lvl="1" indent="0">
+              <a:buNone/>
+            </a:pPr>
+            <a:endParaRPr lang="en-US" altLang="zh-CN" sz="1600" dirty="0"/>
+          </a:p>
+          <a:p>
+            <a:pPr marL="615950" lvl="1" indent="0">
+              <a:buNone/>
+            </a:pPr>
+            <a:endParaRPr lang="zh-CN" altLang="en-US" dirty="0"/>
+          </a:p>
+        </p:txBody>
+      </p:sp>
+    </p:spTree>
+    <p:extLst>
+      <p:ext uri="{BB962C8B-B14F-4D97-AF65-F5344CB8AC3E}">
+        <p14:creationId xmlns:p14="http://schemas.microsoft.com/office/powerpoint/2010/main" val="1350434289"/>
+      </p:ext>
+    </p:extLst>
+  </p:cSld>
+  <p:clrMapOvr>
+    <a:masterClrMapping/>
+  </p:clrMapOvr>
+</p:sld>
+</file>
+
+<file path=ppt/slides/slide13.xml><?xml version="1.0" encoding="utf-8"?>
+<p:sld xmlns:a="http://schemas.openxmlformats.org/drawingml/2006/main" xmlns:r="http://schemas.openxmlformats.org/officeDocument/2006/relationships" xmlns:p="http://schemas.openxmlformats.org/presentationml/2006/main">
+  <p:cSld>
+    <p:spTree>
+      <p:nvGrpSpPr>
+        <p:cNvPr id="1" name="Shape 110">
+          <a:extLst>
+            <a:ext uri="{FF2B5EF4-FFF2-40B4-BE49-F238E27FC236}">
+              <a16:creationId xmlns:a16="http://schemas.microsoft.com/office/drawing/2014/main" id="{5AAF7F81-6177-55C2-D0DF-85ECB53BEBC6}"/>
+            </a:ext>
+          </a:extLst>
+        </p:cNvPr>
+        <p:cNvGrpSpPr/>
+        <p:nvPr/>
+      </p:nvGrpSpPr>
+      <p:grpSpPr>
+        <a:xfrm>
+          <a:off x="0" y="0"/>
+          <a:ext cx="0" cy="0"/>
+          <a:chOff x="0" y="0"/>
+          <a:chExt cx="0" cy="0"/>
+        </a:xfrm>
+      </p:grpSpPr>
+      <p:sp>
+        <p:nvSpPr>
+          <p:cNvPr id="111" name="Google Shape;111;p17">
+            <a:extLst>
+              <a:ext uri="{FF2B5EF4-FFF2-40B4-BE49-F238E27FC236}">
+                <a16:creationId xmlns:a16="http://schemas.microsoft.com/office/drawing/2014/main" id="{7E3A7BFA-4C5C-6594-7601-E5C7E00E73C1}"/>
+              </a:ext>
+            </a:extLst>
+          </p:cNvPr>
+          <p:cNvSpPr txBox="1">
+            <a:spLocks noGrp="1"/>
+          </p:cNvSpPr>
+          <p:nvPr>
+            <p:ph type="title"/>
+          </p:nvPr>
+        </p:nvSpPr>
+        <p:spPr>
+          <a:xfrm>
+            <a:off x="798025" y="705250"/>
+            <a:ext cx="7688700" cy="535200"/>
+          </a:xfrm>
+          <a:prstGeom prst="rect">
+            <a:avLst/>
+          </a:prstGeom>
+        </p:spPr>
+        <p:txBody>
+          <a:bodyPr spcFirstLastPara="1" wrap="square" lIns="91425" tIns="91425" rIns="91425" bIns="91425" anchor="t" anchorCtr="0">
+            <a:normAutofit fontScale="90000"/>
+          </a:bodyPr>
+          <a:lstStyle/>
+          <a:p>
+            <a:r>
+              <a:rPr lang="en-US" altLang="zh-CN" sz="2400" dirty="0"/>
+              <a:t>Service migration</a:t>
+            </a:r>
+          </a:p>
+        </p:txBody>
+      </p:sp>
+      <p:sp>
+        <p:nvSpPr>
+          <p:cNvPr id="4" name="文本占位符 2">
+            <a:extLst>
+              <a:ext uri="{FF2B5EF4-FFF2-40B4-BE49-F238E27FC236}">
+                <a16:creationId xmlns:a16="http://schemas.microsoft.com/office/drawing/2014/main" id="{202F08AA-1BA8-E31A-8FDA-C8FFC364637A}"/>
+              </a:ext>
+            </a:extLst>
+          </p:cNvPr>
+          <p:cNvSpPr>
+            <a:spLocks noGrp="1"/>
+          </p:cNvSpPr>
+          <p:nvPr>
+            <p:ph type="body" idx="1"/>
+          </p:nvPr>
+        </p:nvSpPr>
+        <p:spPr>
+          <a:xfrm>
+            <a:off x="727650" y="1489245"/>
+            <a:ext cx="6982807" cy="2834982"/>
+          </a:xfrm>
+        </p:spPr>
+        <p:txBody>
+          <a:bodyPr>
+            <a:normAutofit/>
+          </a:bodyPr>
+          <a:lstStyle/>
+          <a:p>
+            <a:r>
+              <a:rPr lang="en-US" altLang="zh-CN" sz="1600" dirty="0"/>
+              <a:t>Results: </a:t>
+            </a:r>
+          </a:p>
+          <a:p>
+            <a:pPr lvl="1"/>
+            <a:r>
+              <a:rPr lang="en-US" altLang="zh-CN" sz="1400" dirty="0"/>
+              <a:t>No high impact incidents during migration </a:t>
+            </a:r>
+          </a:p>
+          <a:p>
+            <a:pPr lvl="1"/>
+            <a:r>
+              <a:rPr lang="en-US" altLang="zh-CN" sz="1400" dirty="0"/>
+              <a:t>The majority of traffic shifted from monolithic app to </a:t>
+            </a:r>
+            <a:r>
+              <a:rPr lang="en-US" altLang="zh-CN" sz="1400" dirty="0" err="1"/>
+              <a:t>AuthZ</a:t>
+            </a:r>
+            <a:r>
+              <a:rPr lang="en-US" altLang="zh-CN" sz="1400" dirty="0"/>
+              <a:t> service.</a:t>
+            </a:r>
+          </a:p>
+          <a:p>
+            <a:pPr lvl="1"/>
+            <a:r>
+              <a:rPr lang="en-US" altLang="zh-CN" sz="1400" dirty="0"/>
+              <a:t>Service availability improves from 98% to above 99.9%</a:t>
+            </a:r>
+          </a:p>
+          <a:p>
+            <a:pPr lvl="1"/>
+            <a:r>
+              <a:rPr lang="en-US" altLang="zh-CN" sz="1400" dirty="0"/>
+              <a:t>Key </a:t>
+            </a:r>
+            <a:r>
+              <a:rPr lang="en-US" altLang="zh-CN" sz="1400" dirty="0" err="1"/>
+              <a:t>api</a:t>
+            </a:r>
+            <a:r>
+              <a:rPr lang="en-US" altLang="zh-CN" sz="1400" dirty="0"/>
+              <a:t> </a:t>
+            </a:r>
+            <a:r>
+              <a:rPr lang="en-US" altLang="zh-CN" sz="1400" dirty="0">
+                <a:solidFill>
+                  <a:schemeClr val="bg2"/>
+                </a:solidFill>
+              </a:rPr>
+              <a:t>99% latency </a:t>
+            </a:r>
+            <a:r>
+              <a:rPr lang="en-US" altLang="zh-CN" sz="1400" dirty="0"/>
+              <a:t>improves above 5ms around 10%</a:t>
+            </a:r>
+          </a:p>
+          <a:p>
+            <a:pPr lvl="1"/>
+            <a:endParaRPr lang="en-US" altLang="zh-CN" sz="1400" dirty="0"/>
+          </a:p>
+          <a:p>
+            <a:pPr marL="615950" lvl="1" indent="0">
+              <a:buNone/>
+            </a:pPr>
+            <a:endParaRPr lang="en-US" altLang="zh-CN" sz="1600" dirty="0"/>
+          </a:p>
+          <a:p>
+            <a:pPr marL="615950" lvl="1" indent="0">
+              <a:buNone/>
+            </a:pPr>
+            <a:endParaRPr lang="zh-CN" altLang="en-US" dirty="0"/>
+          </a:p>
+        </p:txBody>
+      </p:sp>
+    </p:spTree>
+    <p:extLst>
+      <p:ext uri="{BB962C8B-B14F-4D97-AF65-F5344CB8AC3E}">
+        <p14:creationId xmlns:p14="http://schemas.microsoft.com/office/powerpoint/2010/main" val="999777150"/>
+      </p:ext>
+    </p:extLst>
+  </p:cSld>
+  <p:clrMapOvr>
+    <a:masterClrMapping/>
+  </p:clrMapOvr>
+</p:sld>
+</file>
+
+<file path=ppt/slides/slide14.xml><?xml version="1.0" encoding="utf-8"?>
+<p:sld xmlns:a="http://schemas.openxmlformats.org/drawingml/2006/main" xmlns:r="http://schemas.openxmlformats.org/officeDocument/2006/relationships" xmlns:p="http://schemas.openxmlformats.org/presentationml/2006/main">
+  <p:cSld>
+    <p:spTree>
+      <p:nvGrpSpPr>
+        <p:cNvPr id="1" name=""/>
+        <p:cNvGrpSpPr/>
+        <p:nvPr/>
+      </p:nvGrpSpPr>
+      <p:grpSpPr>
+        <a:xfrm>
+          <a:off x="0" y="0"/>
+          <a:ext cx="0" cy="0"/>
+          <a:chOff x="0" y="0"/>
+          <a:chExt cx="0" cy="0"/>
+        </a:xfrm>
+      </p:grpSpPr>
+      <p:pic>
+        <p:nvPicPr>
+          <p:cNvPr id="9" name="图片 8">
+            <a:extLst>
+              <a:ext uri="{FF2B5EF4-FFF2-40B4-BE49-F238E27FC236}">
+                <a16:creationId xmlns:a16="http://schemas.microsoft.com/office/drawing/2014/main" id="{25143860-10B2-BFC0-3A9D-E497375911B4}"/>
+              </a:ext>
+            </a:extLst>
+          </p:cNvPr>
+          <p:cNvPicPr>
+            <a:picLocks noChangeAspect="1"/>
+          </p:cNvPicPr>
+          <p:nvPr/>
+        </p:nvPicPr>
+        <p:blipFill>
+          <a:blip r:embed="rId2"/>
+          <a:stretch>
+            <a:fillRect/>
+          </a:stretch>
+        </p:blipFill>
+        <p:spPr>
+          <a:xfrm>
+            <a:off x="2591962" y="2926081"/>
+            <a:ext cx="6522538" cy="2217420"/>
+          </a:xfrm>
+          <a:prstGeom prst="rect">
+            <a:avLst/>
+          </a:prstGeom>
+        </p:spPr>
+      </p:pic>
+      <p:sp>
+        <p:nvSpPr>
+          <p:cNvPr id="2" name="标题 1">
+            <a:extLst>
+              <a:ext uri="{FF2B5EF4-FFF2-40B4-BE49-F238E27FC236}">
+                <a16:creationId xmlns:a16="http://schemas.microsoft.com/office/drawing/2014/main" id="{477A8C6F-8A7C-631C-B279-99DE46B8EE08}"/>
+              </a:ext>
+            </a:extLst>
+          </p:cNvPr>
+          <p:cNvSpPr>
+            <a:spLocks noGrp="1"/>
+          </p:cNvSpPr>
+          <p:nvPr>
+            <p:ph type="title"/>
+          </p:nvPr>
+        </p:nvSpPr>
+        <p:spPr>
+          <a:xfrm>
+            <a:off x="792512" y="612355"/>
+            <a:ext cx="7688700" cy="535200"/>
+          </a:xfrm>
+        </p:spPr>
+        <p:txBody>
+          <a:bodyPr>
+            <a:normAutofit fontScale="90000"/>
+          </a:bodyPr>
+          <a:lstStyle/>
+          <a:p>
+            <a:r>
+              <a:rPr lang="en-US" altLang="zh-CN" dirty="0"/>
+              <a:t>Service governance</a:t>
+            </a:r>
+            <a:endParaRPr lang="zh-CN" altLang="en-US" dirty="0"/>
+          </a:p>
+        </p:txBody>
+      </p:sp>
+      <p:sp>
+        <p:nvSpPr>
+          <p:cNvPr id="3" name="文本占位符 2">
+            <a:extLst>
+              <a:ext uri="{FF2B5EF4-FFF2-40B4-BE49-F238E27FC236}">
+                <a16:creationId xmlns:a16="http://schemas.microsoft.com/office/drawing/2014/main" id="{08EB3214-2E86-93DF-85C0-984735A80709}"/>
+              </a:ext>
+            </a:extLst>
+          </p:cNvPr>
+          <p:cNvSpPr>
+            <a:spLocks noGrp="1"/>
+          </p:cNvSpPr>
+          <p:nvPr>
+            <p:ph type="body" idx="1"/>
+          </p:nvPr>
+        </p:nvSpPr>
+        <p:spPr>
+          <a:xfrm>
+            <a:off x="672526" y="1321573"/>
+            <a:ext cx="7688700" cy="3209016"/>
+          </a:xfrm>
+        </p:spPr>
+        <p:txBody>
+          <a:bodyPr>
+            <a:normAutofit/>
+          </a:bodyPr>
+          <a:lstStyle/>
+          <a:p>
+            <a:r>
+              <a:rPr lang="en-US" altLang="zh-CN" sz="2000" dirty="0"/>
+              <a:t>Challenges:</a:t>
+            </a:r>
+          </a:p>
+          <a:p>
+            <a:pPr lvl="1"/>
+            <a:r>
+              <a:rPr lang="en-US" altLang="zh-CN" sz="1800" dirty="0"/>
+              <a:t>Improve the availability beyond 99.9%</a:t>
+            </a:r>
+          </a:p>
+          <a:p>
+            <a:r>
+              <a:rPr lang="en-US" altLang="zh-CN" sz="2000" dirty="0"/>
+              <a:t>Service governance:</a:t>
+            </a:r>
+          </a:p>
+          <a:p>
+            <a:pPr lvl="1"/>
+            <a:r>
+              <a:rPr lang="en-US" altLang="zh-CN" sz="1800" dirty="0"/>
+              <a:t>Rate limiting</a:t>
+            </a:r>
+          </a:p>
+          <a:p>
+            <a:pPr lvl="1"/>
+            <a:r>
+              <a:rPr lang="en-US" altLang="zh-CN" sz="1800" dirty="0"/>
+              <a:t>Circuit breaker</a:t>
+            </a:r>
+          </a:p>
+          <a:p>
+            <a:pPr lvl="1"/>
+            <a:r>
+              <a:rPr lang="en-US" altLang="zh-CN" sz="1800" dirty="0">
+                <a:solidFill>
+                  <a:srgbClr val="FF0000"/>
+                </a:solidFill>
+              </a:rPr>
+              <a:t>Fallback cache</a:t>
+            </a:r>
+          </a:p>
+          <a:p>
+            <a:pPr lvl="1"/>
+            <a:r>
+              <a:rPr lang="en-US" altLang="zh-CN" sz="1800" dirty="0"/>
+              <a:t>Timeout retry</a:t>
+            </a:r>
+            <a:endParaRPr lang="en-US" altLang="zh-CN" sz="1800" dirty="0">
+              <a:solidFill>
+                <a:schemeClr val="bg2"/>
+              </a:solidFill>
+            </a:endParaRPr>
+          </a:p>
+        </p:txBody>
+      </p:sp>
+    </p:spTree>
+    <p:extLst>
+      <p:ext uri="{BB962C8B-B14F-4D97-AF65-F5344CB8AC3E}">
+        <p14:creationId xmlns:p14="http://schemas.microsoft.com/office/powerpoint/2010/main" val="1354378245"/>
+      </p:ext>
+    </p:extLst>
+  </p:cSld>
+  <p:clrMapOvr>
+    <a:masterClrMapping/>
+  </p:clrMapOvr>
+</p:sld>
+</file>
+
+<file path=ppt/slides/slide15.xml><?xml version="1.0" encoding="utf-8"?>
+<p:sld xmlns:a="http://schemas.openxmlformats.org/drawingml/2006/main" xmlns:r="http://schemas.openxmlformats.org/officeDocument/2006/relationships" xmlns:p="http://schemas.openxmlformats.org/presentationml/2006/main">
+  <p:cSld>
+    <p:spTree>
+      <p:nvGrpSpPr>
+        <p:cNvPr id="1" name=""/>
+        <p:cNvGrpSpPr/>
+        <p:nvPr/>
+      </p:nvGrpSpPr>
+      <p:grpSpPr>
+        <a:xfrm>
+          <a:off x="0" y="0"/>
+          <a:ext cx="0" cy="0"/>
+          <a:chOff x="0" y="0"/>
+          <a:chExt cx="0" cy="0"/>
+        </a:xfrm>
+      </p:grpSpPr>
+      <p:sp>
+        <p:nvSpPr>
+          <p:cNvPr id="2" name="标题 1">
+            <a:extLst>
+              <a:ext uri="{FF2B5EF4-FFF2-40B4-BE49-F238E27FC236}">
+                <a16:creationId xmlns:a16="http://schemas.microsoft.com/office/drawing/2014/main" id="{477A8C6F-8A7C-631C-B279-99DE46B8EE08}"/>
+              </a:ext>
+            </a:extLst>
+          </p:cNvPr>
+          <p:cNvSpPr>
+            <a:spLocks noGrp="1"/>
+          </p:cNvSpPr>
+          <p:nvPr>
+            <p:ph type="title"/>
+          </p:nvPr>
+        </p:nvSpPr>
+        <p:spPr>
+          <a:xfrm>
+            <a:off x="727650" y="636098"/>
+            <a:ext cx="7688700" cy="535200"/>
+          </a:xfrm>
+        </p:spPr>
+        <p:txBody>
+          <a:bodyPr>
+            <a:normAutofit fontScale="90000"/>
+          </a:bodyPr>
+          <a:lstStyle/>
+          <a:p>
+            <a:r>
+              <a:rPr lang="en-US" altLang="zh-CN" dirty="0"/>
+              <a:t>Fallback cache</a:t>
+            </a:r>
+            <a:endParaRPr lang="zh-CN" altLang="en-US" dirty="0"/>
+          </a:p>
+        </p:txBody>
+      </p:sp>
+      <p:sp>
+        <p:nvSpPr>
+          <p:cNvPr id="8" name="文本占位符 2">
+            <a:extLst>
+              <a:ext uri="{FF2B5EF4-FFF2-40B4-BE49-F238E27FC236}">
+                <a16:creationId xmlns:a16="http://schemas.microsoft.com/office/drawing/2014/main" id="{55A461CC-128F-864E-F683-8AFFCD0D09C0}"/>
+              </a:ext>
+            </a:extLst>
+          </p:cNvPr>
+          <p:cNvSpPr>
+            <a:spLocks noGrp="1"/>
+          </p:cNvSpPr>
+          <p:nvPr>
+            <p:ph type="body" idx="1"/>
+          </p:nvPr>
+        </p:nvSpPr>
+        <p:spPr>
+          <a:xfrm>
+            <a:off x="727650" y="1489245"/>
+            <a:ext cx="7979798" cy="2834982"/>
+          </a:xfrm>
+        </p:spPr>
+        <p:txBody>
+          <a:bodyPr>
+            <a:normAutofit/>
+          </a:bodyPr>
+          <a:lstStyle/>
+          <a:p>
+            <a:r>
+              <a:rPr lang="en-US" altLang="zh-CN" sz="1600" dirty="0"/>
+              <a:t>Open sourced: </a:t>
+            </a:r>
+            <a:r>
+              <a:rPr lang="en-US" altLang="zh-CN" sz="1600" dirty="0">
+                <a:hlinkClick r:id="rId2"/>
+              </a:rPr>
+              <a:t>https://github.com/Polly-Contrib/Polly.Contrib.CachePolicy</a:t>
+            </a:r>
+            <a:r>
+              <a:rPr lang="en-US" altLang="zh-CN" sz="1600" dirty="0"/>
+              <a:t> </a:t>
+            </a:r>
+          </a:p>
+          <a:p>
+            <a:endParaRPr lang="en-US" altLang="zh-CN" sz="1600" dirty="0"/>
+          </a:p>
+          <a:p>
+            <a:r>
+              <a:rPr lang="en-US" altLang="zh-CN" sz="1600" b="1" u="sng" dirty="0"/>
+              <a:t>Motivations for falling back to cache:</a:t>
+            </a:r>
+            <a:endParaRPr lang="en-US" altLang="zh-CN" sz="1400" b="1" u="sng" dirty="0"/>
+          </a:p>
+          <a:p>
+            <a:pPr lvl="1"/>
+            <a:r>
+              <a:rPr lang="en-US" altLang="zh-CN" sz="1600" dirty="0"/>
+              <a:t>Improve availability from 99.9% to 99.99%</a:t>
+            </a:r>
+          </a:p>
+          <a:p>
+            <a:pPr lvl="1"/>
+            <a:r>
+              <a:rPr lang="en-US" altLang="zh-CN" sz="1600" dirty="0"/>
+              <a:t>Downstream service behavior is not stable and beyond control</a:t>
+            </a:r>
+          </a:p>
+          <a:p>
+            <a:pPr marL="615950" lvl="1" indent="0">
+              <a:buNone/>
+            </a:pPr>
+            <a:endParaRPr lang="en-US" altLang="zh-CN" sz="1600" dirty="0"/>
+          </a:p>
+          <a:p>
+            <a:r>
+              <a:rPr lang="en-US" altLang="zh-CN" sz="1600" dirty="0"/>
+              <a:t>Idea: Store cache value with much longer retention period </a:t>
+            </a:r>
+          </a:p>
+          <a:p>
+            <a:pPr marL="615950" lvl="1" indent="0">
+              <a:buNone/>
+            </a:pPr>
+            <a:endParaRPr lang="zh-CN" altLang="en-US" sz="1600" dirty="0"/>
+          </a:p>
+        </p:txBody>
+      </p:sp>
+      <p:graphicFrame>
+        <p:nvGraphicFramePr>
+          <p:cNvPr id="3" name="表格 2">
+            <a:extLst>
+              <a:ext uri="{FF2B5EF4-FFF2-40B4-BE49-F238E27FC236}">
+                <a16:creationId xmlns:a16="http://schemas.microsoft.com/office/drawing/2014/main" id="{1BE247A5-B965-0BDC-6FAC-1E19066F789B}"/>
+              </a:ext>
+            </a:extLst>
+          </p:cNvPr>
+          <p:cNvGraphicFramePr>
+            <a:graphicFrameLocks noGrp="1"/>
+          </p:cNvGraphicFramePr>
+          <p:nvPr>
+            <p:extLst>
+              <p:ext uri="{D42A27DB-BD31-4B8C-83A1-F6EECF244321}">
+                <p14:modId xmlns:p14="http://schemas.microsoft.com/office/powerpoint/2010/main" val="2946624801"/>
+              </p:ext>
+            </p:extLst>
+          </p:nvPr>
+        </p:nvGraphicFramePr>
+        <p:xfrm>
+          <a:off x="1280191" y="3613313"/>
+          <a:ext cx="6518756" cy="1112520"/>
+        </p:xfrm>
+        <a:graphic>
+          <a:graphicData uri="http://schemas.openxmlformats.org/drawingml/2006/table">
+            <a:tbl>
+              <a:tblPr firstRow="1" bandRow="1">
+                <a:tableStyleId>{5C22544A-7EE6-4342-B048-85BDC9FD1C3A}</a:tableStyleId>
+              </a:tblPr>
+              <a:tblGrid>
+                <a:gridCol w="2678276">
+                  <a:extLst>
+                    <a:ext uri="{9D8B030D-6E8A-4147-A177-3AD203B41FA5}">
+                      <a16:colId xmlns:a16="http://schemas.microsoft.com/office/drawing/2014/main" val="2808971382"/>
+                    </a:ext>
+                  </a:extLst>
+                </a:gridCol>
+                <a:gridCol w="1445342">
+                  <a:extLst>
+                    <a:ext uri="{9D8B030D-6E8A-4147-A177-3AD203B41FA5}">
+                      <a16:colId xmlns:a16="http://schemas.microsoft.com/office/drawing/2014/main" val="2456096280"/>
+                    </a:ext>
+                  </a:extLst>
+                </a:gridCol>
+                <a:gridCol w="2395138">
+                  <a:extLst>
+                    <a:ext uri="{9D8B030D-6E8A-4147-A177-3AD203B41FA5}">
+                      <a16:colId xmlns:a16="http://schemas.microsoft.com/office/drawing/2014/main" val="845386785"/>
+                    </a:ext>
+                  </a:extLst>
+                </a:gridCol>
+              </a:tblGrid>
+              <a:tr h="370840">
+                <a:tc>
+                  <a:txBody>
+                    <a:bodyPr/>
+                    <a:lstStyle/>
+                    <a:p>
+                      <a:pPr algn="ctr"/>
+                      <a:r>
+                        <a:rPr lang="en-US" altLang="zh-CN" dirty="0"/>
+                        <a:t> Key</a:t>
+                      </a:r>
+                      <a:endParaRPr lang="zh-CN" altLang="en-US" dirty="0"/>
+                    </a:p>
+                  </a:txBody>
+                  <a:tcPr/>
+                </a:tc>
+                <a:tc>
+                  <a:txBody>
+                    <a:bodyPr/>
+                    <a:lstStyle/>
+                    <a:p>
+                      <a:pPr algn="ctr"/>
+                      <a:r>
+                        <a:rPr lang="en-US" altLang="zh-CN" dirty="0"/>
+                        <a:t>Value</a:t>
+                      </a:r>
+                      <a:endParaRPr lang="zh-CN" altLang="en-US" dirty="0"/>
+                    </a:p>
+                  </a:txBody>
+                  <a:tcPr/>
+                </a:tc>
+                <a:tc>
+                  <a:txBody>
+                    <a:bodyPr/>
+                    <a:lstStyle/>
+                    <a:p>
+                      <a:pPr algn="ctr"/>
+                      <a:r>
+                        <a:rPr lang="en-US" altLang="zh-CN" dirty="0"/>
+                        <a:t>Retention Period</a:t>
+                      </a:r>
+                      <a:endParaRPr lang="zh-CN" altLang="en-US" dirty="0"/>
+                    </a:p>
+                  </a:txBody>
+                  <a:tcPr/>
+                </a:tc>
+                <a:extLst>
+                  <a:ext uri="{0D108BD9-81ED-4DB2-BD59-A6C34878D82A}">
+                    <a16:rowId xmlns:a16="http://schemas.microsoft.com/office/drawing/2014/main" val="2424627269"/>
+                  </a:ext>
+                </a:extLst>
+              </a:tr>
+              <a:tr h="370840">
+                <a:tc>
+                  <a:txBody>
+                    <a:bodyPr/>
+                    <a:lstStyle/>
+                    <a:p>
+                      <a:pPr algn="ctr"/>
+                      <a:r>
+                        <a:rPr lang="en-US" altLang="zh-CN" sz="1400" dirty="0">
+                          <a:solidFill>
+                            <a:schemeClr val="bg2"/>
+                          </a:solidFill>
+                        </a:rPr>
+                        <a:t>{</a:t>
+                      </a:r>
+                      <a:r>
+                        <a:rPr lang="en-US" altLang="zh-CN" sz="1400" dirty="0" err="1">
+                          <a:solidFill>
+                            <a:schemeClr val="bg2"/>
+                          </a:solidFill>
+                        </a:rPr>
+                        <a:t>userId</a:t>
+                      </a:r>
+                      <a:r>
+                        <a:rPr lang="en-US" altLang="zh-CN" sz="1400" dirty="0">
+                          <a:solidFill>
+                            <a:schemeClr val="bg2"/>
+                          </a:solidFill>
+                        </a:rPr>
+                        <a:t>} region</a:t>
+                      </a:r>
+                      <a:endParaRPr lang="zh-CN" altLang="en-US" dirty="0">
+                        <a:solidFill>
+                          <a:schemeClr val="bg2"/>
+                        </a:solidFill>
+                      </a:endParaRPr>
+                    </a:p>
+                  </a:txBody>
+                  <a:tcPr/>
+                </a:tc>
+                <a:tc>
+                  <a:txBody>
+                    <a:bodyPr/>
+                    <a:lstStyle/>
+                    <a:p>
+                      <a:pPr algn="ctr"/>
+                      <a:r>
+                        <a:rPr lang="en-US" altLang="zh-CN" sz="1400" dirty="0">
+                          <a:solidFill>
+                            <a:schemeClr val="bg2"/>
+                          </a:solidFill>
+                        </a:rPr>
+                        <a:t>us</a:t>
+                      </a:r>
+                      <a:endParaRPr lang="zh-CN" altLang="en-US" dirty="0">
+                        <a:solidFill>
+                          <a:schemeClr val="bg2"/>
+                        </a:solidFill>
+                      </a:endParaRPr>
+                    </a:p>
+                  </a:txBody>
+                  <a:tcPr/>
+                </a:tc>
+                <a:tc>
+                  <a:txBody>
+                    <a:bodyPr/>
+                    <a:lstStyle/>
+                    <a:p>
+                      <a:pPr algn="ctr"/>
+                      <a:r>
+                        <a:rPr lang="en-US" altLang="zh-CN" sz="1400" dirty="0">
+                          <a:solidFill>
+                            <a:schemeClr val="bg2"/>
+                          </a:solidFill>
+                        </a:rPr>
+                        <a:t>1 days</a:t>
+                      </a:r>
+                      <a:endParaRPr lang="zh-CN" altLang="en-US" dirty="0">
+                        <a:solidFill>
+                          <a:schemeClr val="bg2"/>
+                        </a:solidFill>
+                      </a:endParaRPr>
+                    </a:p>
+                  </a:txBody>
+                  <a:tcPr/>
+                </a:tc>
+                <a:extLst>
+                  <a:ext uri="{0D108BD9-81ED-4DB2-BD59-A6C34878D82A}">
+                    <a16:rowId xmlns:a16="http://schemas.microsoft.com/office/drawing/2014/main" val="1684892943"/>
+                  </a:ext>
+                </a:extLst>
+              </a:tr>
+              <a:tr h="370840">
+                <a:tc>
+                  <a:txBody>
+                    <a:bodyPr/>
+                    <a:lstStyle/>
+                    <a:p>
+                      <a:pPr algn="ctr"/>
+                      <a:r>
+                        <a:rPr lang="en-US" altLang="zh-CN" sz="1400" dirty="0" err="1">
+                          <a:solidFill>
+                            <a:schemeClr val="bg2"/>
+                          </a:solidFill>
+                        </a:rPr>
+                        <a:t>StaleCache</a:t>
+                      </a:r>
+                      <a:r>
+                        <a:rPr lang="en-US" altLang="zh-CN" sz="1400" dirty="0">
+                          <a:solidFill>
+                            <a:schemeClr val="bg2"/>
+                          </a:solidFill>
+                        </a:rPr>
+                        <a:t>: {</a:t>
+                      </a:r>
+                      <a:r>
+                        <a:rPr lang="en-US" altLang="zh-CN" sz="1400" dirty="0" err="1">
+                          <a:solidFill>
+                            <a:schemeClr val="bg2"/>
+                          </a:solidFill>
+                        </a:rPr>
+                        <a:t>userId</a:t>
+                      </a:r>
+                      <a:r>
+                        <a:rPr lang="en-US" altLang="zh-CN" sz="1400" dirty="0">
+                          <a:solidFill>
+                            <a:schemeClr val="bg2"/>
+                          </a:solidFill>
+                        </a:rPr>
+                        <a:t>} region</a:t>
+                      </a:r>
+                      <a:endParaRPr lang="zh-CN" altLang="en-US" dirty="0">
+                        <a:solidFill>
+                          <a:schemeClr val="bg2"/>
+                        </a:solidFill>
+                      </a:endParaRPr>
+                    </a:p>
+                  </a:txBody>
+                  <a:tcPr/>
+                </a:tc>
+                <a:tc>
+                  <a:txBody>
+                    <a:bodyPr/>
+                    <a:lstStyle/>
+                    <a:p>
+                      <a:pPr algn="ctr"/>
+                      <a:r>
+                        <a:rPr lang="en-US" altLang="zh-CN" sz="1400" dirty="0">
+                          <a:solidFill>
+                            <a:schemeClr val="bg2"/>
+                          </a:solidFill>
+                        </a:rPr>
+                        <a:t>us</a:t>
+                      </a:r>
+                      <a:endParaRPr lang="zh-CN" altLang="en-US" dirty="0">
+                        <a:solidFill>
+                          <a:schemeClr val="bg2"/>
+                        </a:solidFill>
+                      </a:endParaRPr>
+                    </a:p>
+                  </a:txBody>
+                  <a:tcPr/>
+                </a:tc>
+                <a:tc>
+                  <a:txBody>
+                    <a:bodyPr/>
+                    <a:lstStyle/>
+                    <a:p>
+                      <a:pPr algn="ctr"/>
+                      <a:r>
+                        <a:rPr lang="en-US" altLang="zh-CN" sz="1400" dirty="0">
+                          <a:solidFill>
+                            <a:schemeClr val="bg2"/>
+                          </a:solidFill>
+                        </a:rPr>
+                        <a:t>7 days</a:t>
+                      </a:r>
+                      <a:endParaRPr lang="zh-CN" altLang="en-US" dirty="0">
+                        <a:solidFill>
+                          <a:schemeClr val="bg2"/>
+                        </a:solidFill>
+                      </a:endParaRPr>
+                    </a:p>
+                  </a:txBody>
+                  <a:tcPr/>
+                </a:tc>
+                <a:extLst>
+                  <a:ext uri="{0D108BD9-81ED-4DB2-BD59-A6C34878D82A}">
+                    <a16:rowId xmlns:a16="http://schemas.microsoft.com/office/drawing/2014/main" val="214831646"/>
+                  </a:ext>
+                </a:extLst>
+              </a:tr>
+            </a:tbl>
+          </a:graphicData>
+        </a:graphic>
+      </p:graphicFrame>
+    </p:spTree>
+    <p:extLst>
+      <p:ext uri="{BB962C8B-B14F-4D97-AF65-F5344CB8AC3E}">
+        <p14:creationId xmlns:p14="http://schemas.microsoft.com/office/powerpoint/2010/main" val="245402931"/>
+      </p:ext>
+    </p:extLst>
+  </p:cSld>
+  <p:clrMapOvr>
+    <a:masterClrMapping/>
+  </p:clrMapOvr>
+</p:sld>
+</file>
+
+<file path=ppt/slides/slide16.xml><?xml version="1.0" encoding="utf-8"?>
+<p:sld xmlns:a="http://schemas.openxmlformats.org/drawingml/2006/main" xmlns:r="http://schemas.openxmlformats.org/officeDocument/2006/relationships" xmlns:p="http://schemas.openxmlformats.org/presentationml/2006/main">
+  <p:cSld>
+    <p:spTree>
+      <p:nvGrpSpPr>
+        <p:cNvPr id="1" name=""/>
+        <p:cNvGrpSpPr/>
+        <p:nvPr/>
+      </p:nvGrpSpPr>
+      <p:grpSpPr>
+        <a:xfrm>
+          <a:off x="0" y="0"/>
+          <a:ext cx="0" cy="0"/>
+          <a:chOff x="0" y="0"/>
+          <a:chExt cx="0" cy="0"/>
+        </a:xfrm>
+      </p:grpSpPr>
+      <p:sp>
+        <p:nvSpPr>
+          <p:cNvPr id="2" name="标题 1">
+            <a:extLst>
+              <a:ext uri="{FF2B5EF4-FFF2-40B4-BE49-F238E27FC236}">
+                <a16:creationId xmlns:a16="http://schemas.microsoft.com/office/drawing/2014/main" id="{477A8C6F-8A7C-631C-B279-99DE46B8EE08}"/>
+              </a:ext>
+            </a:extLst>
+          </p:cNvPr>
+          <p:cNvSpPr>
+            <a:spLocks noGrp="1"/>
+          </p:cNvSpPr>
+          <p:nvPr>
+            <p:ph type="title"/>
+          </p:nvPr>
+        </p:nvSpPr>
+        <p:spPr>
+          <a:xfrm>
+            <a:off x="727650" y="432367"/>
+            <a:ext cx="7688700" cy="535200"/>
+          </a:xfrm>
+        </p:spPr>
+        <p:txBody>
+          <a:bodyPr>
+            <a:normAutofit fontScale="90000"/>
+          </a:bodyPr>
+          <a:lstStyle/>
+          <a:p>
+            <a:r>
+              <a:rPr lang="en-US" altLang="zh-CN" dirty="0"/>
+              <a:t>Fallback cache</a:t>
+            </a:r>
+            <a:endParaRPr lang="zh-CN" altLang="en-US" dirty="0"/>
+          </a:p>
+        </p:txBody>
+      </p:sp>
+      <p:sp>
+        <p:nvSpPr>
+          <p:cNvPr id="5" name="文本占位符 4">
+            <a:extLst>
+              <a:ext uri="{FF2B5EF4-FFF2-40B4-BE49-F238E27FC236}">
+                <a16:creationId xmlns:a16="http://schemas.microsoft.com/office/drawing/2014/main" id="{9DB3650C-157B-646A-07A8-E56C973E1814}"/>
+              </a:ext>
+            </a:extLst>
+          </p:cNvPr>
+          <p:cNvSpPr>
+            <a:spLocks noGrp="1"/>
+          </p:cNvSpPr>
+          <p:nvPr>
+            <p:ph type="body" idx="1"/>
+          </p:nvPr>
+        </p:nvSpPr>
+        <p:spPr/>
+        <p:txBody>
+          <a:bodyPr>
+            <a:normAutofit/>
+          </a:bodyPr>
+          <a:lstStyle/>
+          <a:p>
+            <a:r>
+              <a:rPr lang="en-US" altLang="zh-CN" sz="1600" dirty="0">
+                <a:solidFill>
+                  <a:schemeClr val="bg2"/>
+                </a:solidFill>
+              </a:rPr>
+              <a:t>Green: Best case path</a:t>
+            </a:r>
+          </a:p>
+          <a:p>
+            <a:r>
+              <a:rPr lang="en-US" altLang="zh-CN" sz="1600" dirty="0">
+                <a:solidFill>
+                  <a:schemeClr val="accent3">
+                    <a:lumMod val="60000"/>
+                    <a:lumOff val="40000"/>
+                  </a:schemeClr>
+                </a:solidFill>
+              </a:rPr>
+              <a:t>Orange: Fallback cache path</a:t>
+            </a:r>
+          </a:p>
+          <a:p>
+            <a:r>
+              <a:rPr lang="en-US" altLang="zh-CN" sz="1600" dirty="0">
+                <a:solidFill>
+                  <a:srgbClr val="FF0000"/>
+                </a:solidFill>
+              </a:rPr>
+              <a:t>Red: Failure path</a:t>
+            </a:r>
+            <a:endParaRPr lang="zh-CN" altLang="en-US" sz="1600" dirty="0">
+              <a:solidFill>
+                <a:srgbClr val="FF0000"/>
+              </a:solidFill>
+            </a:endParaRPr>
+          </a:p>
+        </p:txBody>
+      </p:sp>
+      <p:pic>
+        <p:nvPicPr>
+          <p:cNvPr id="4" name="图片 3">
+            <a:extLst>
+              <a:ext uri="{FF2B5EF4-FFF2-40B4-BE49-F238E27FC236}">
+                <a16:creationId xmlns:a16="http://schemas.microsoft.com/office/drawing/2014/main" id="{3E765605-9681-1D31-6EC7-41AFC40A16F9}"/>
+              </a:ext>
+            </a:extLst>
+          </p:cNvPr>
+          <p:cNvPicPr>
+            <a:picLocks noChangeAspect="1"/>
+          </p:cNvPicPr>
+          <p:nvPr/>
+        </p:nvPicPr>
+        <p:blipFill>
+          <a:blip r:embed="rId2"/>
+          <a:stretch>
+            <a:fillRect/>
+          </a:stretch>
+        </p:blipFill>
+        <p:spPr>
+          <a:xfrm>
+            <a:off x="3876063" y="879004"/>
+            <a:ext cx="5267937" cy="4265709"/>
+          </a:xfrm>
+          <a:prstGeom prst="rect">
+            <a:avLst/>
+          </a:prstGeom>
+        </p:spPr>
+      </p:pic>
+    </p:spTree>
+    <p:extLst>
+      <p:ext uri="{BB962C8B-B14F-4D97-AF65-F5344CB8AC3E}">
+        <p14:creationId xmlns:p14="http://schemas.microsoft.com/office/powerpoint/2010/main" val="1810661230"/>
+      </p:ext>
+    </p:extLst>
+  </p:cSld>
+  <p:clrMapOvr>
+    <a:masterClrMapping/>
+  </p:clrMapOvr>
+</p:sld>
+</file>
+
+<file path=ppt/slides/slide17.xml><?xml version="1.0" encoding="utf-8"?>
+<p:sld xmlns:a="http://schemas.openxmlformats.org/drawingml/2006/main" xmlns:r="http://schemas.openxmlformats.org/officeDocument/2006/relationships" xmlns:p="http://schemas.openxmlformats.org/presentationml/2006/main">
+  <p:cSld>
+    <p:spTree>
+      <p:nvGrpSpPr>
+        <p:cNvPr id="1" name=""/>
+        <p:cNvGrpSpPr/>
+        <p:nvPr/>
+      </p:nvGrpSpPr>
+      <p:grpSpPr>
+        <a:xfrm>
+          <a:off x="0" y="0"/>
+          <a:ext cx="0" cy="0"/>
+          <a:chOff x="0" y="0"/>
+          <a:chExt cx="0" cy="0"/>
+        </a:xfrm>
+      </p:grpSpPr>
+      <p:sp>
+        <p:nvSpPr>
+          <p:cNvPr id="4" name="标题 1">
+            <a:extLst>
+              <a:ext uri="{FF2B5EF4-FFF2-40B4-BE49-F238E27FC236}">
+                <a16:creationId xmlns:a16="http://schemas.microsoft.com/office/drawing/2014/main" id="{EA0A6BA5-A1B7-41D7-4064-1F22B3F1437E}"/>
+              </a:ext>
+            </a:extLst>
+          </p:cNvPr>
+          <p:cNvSpPr>
+            <a:spLocks noGrp="1"/>
+          </p:cNvSpPr>
+          <p:nvPr>
+            <p:ph type="title"/>
+          </p:nvPr>
+        </p:nvSpPr>
+        <p:spPr>
+          <a:xfrm>
+            <a:off x="729450" y="632945"/>
+            <a:ext cx="7688700" cy="535200"/>
+          </a:xfrm>
+        </p:spPr>
+        <p:txBody>
+          <a:bodyPr>
+            <a:normAutofit fontScale="90000"/>
+          </a:bodyPr>
+          <a:lstStyle/>
+          <a:p>
+            <a:r>
+              <a:rPr lang="en-US" altLang="zh-CN" dirty="0"/>
+              <a:t>Fallback cache</a:t>
+            </a:r>
+            <a:endParaRPr lang="zh-CN" altLang="en-US" dirty="0"/>
+          </a:p>
+        </p:txBody>
+      </p:sp>
+      <p:sp>
+        <p:nvSpPr>
+          <p:cNvPr id="7" name="文本占位符 6">
+            <a:extLst>
+              <a:ext uri="{FF2B5EF4-FFF2-40B4-BE49-F238E27FC236}">
+                <a16:creationId xmlns:a16="http://schemas.microsoft.com/office/drawing/2014/main" id="{278E5767-87CC-AD1D-17BF-EE831F88581C}"/>
+              </a:ext>
+            </a:extLst>
+          </p:cNvPr>
+          <p:cNvSpPr>
+            <a:spLocks noGrp="1"/>
+          </p:cNvSpPr>
+          <p:nvPr>
+            <p:ph type="body" idx="1"/>
+          </p:nvPr>
+        </p:nvSpPr>
+        <p:spPr>
+          <a:xfrm>
+            <a:off x="727650" y="1441199"/>
+            <a:ext cx="7688700" cy="3431667"/>
+          </a:xfrm>
+        </p:spPr>
+        <p:txBody>
+          <a:bodyPr>
+            <a:normAutofit/>
+          </a:bodyPr>
+          <a:lstStyle/>
+          <a:p>
+            <a:r>
+              <a:rPr lang="en-US" altLang="zh-CN" sz="1600" dirty="0"/>
+              <a:t>Assumption: </a:t>
+            </a:r>
+          </a:p>
+          <a:p>
+            <a:pPr lvl="1"/>
+            <a:r>
+              <a:rPr lang="en-US" altLang="zh-CN" sz="1600" dirty="0"/>
+              <a:t>Size of cache items is small</a:t>
+            </a:r>
+          </a:p>
+          <a:p>
+            <a:pPr lvl="1"/>
+            <a:r>
+              <a:rPr lang="en-US" altLang="zh-CN" sz="1600" dirty="0"/>
+              <a:t>The cache items rarely change</a:t>
+            </a:r>
+          </a:p>
+          <a:p>
+            <a:pPr marL="615950" lvl="1" indent="0">
+              <a:buNone/>
+            </a:pPr>
+            <a:endParaRPr lang="en-US" altLang="zh-CN" sz="1600" dirty="0"/>
+          </a:p>
+          <a:p>
+            <a:r>
+              <a:rPr lang="en-US" altLang="zh-CN" sz="1600" dirty="0"/>
+              <a:t>Design: </a:t>
+            </a:r>
+          </a:p>
+          <a:p>
+            <a:pPr lvl="1"/>
+            <a:r>
+              <a:rPr lang="en-US" altLang="zh-CN" sz="1400" dirty="0"/>
+              <a:t>Proxy pattern </a:t>
+            </a:r>
+          </a:p>
+          <a:p>
+            <a:pPr lvl="1"/>
+            <a:r>
+              <a:rPr lang="en-US" altLang="zh-CN" sz="1400" dirty="0"/>
+              <a:t>Cache and downstream service as input</a:t>
+            </a:r>
+          </a:p>
+          <a:p>
+            <a:pPr marL="146050" indent="0">
+              <a:buNone/>
+            </a:pPr>
+            <a:endParaRPr lang="en-US" altLang="zh-CN" sz="1600" dirty="0"/>
+          </a:p>
+        </p:txBody>
+      </p:sp>
+      <p:pic>
+        <p:nvPicPr>
+          <p:cNvPr id="11" name="图片 10">
+            <a:extLst>
+              <a:ext uri="{FF2B5EF4-FFF2-40B4-BE49-F238E27FC236}">
+                <a16:creationId xmlns:a16="http://schemas.microsoft.com/office/drawing/2014/main" id="{76445666-9F34-4E12-AB13-8F81AC234EC7}"/>
+              </a:ext>
+            </a:extLst>
+          </p:cNvPr>
+          <p:cNvPicPr>
+            <a:picLocks noChangeAspect="1"/>
+          </p:cNvPicPr>
+          <p:nvPr/>
+        </p:nvPicPr>
+        <p:blipFill>
+          <a:blip r:embed="rId2"/>
+          <a:stretch>
+            <a:fillRect/>
+          </a:stretch>
+        </p:blipFill>
+        <p:spPr>
+          <a:xfrm>
+            <a:off x="4918366" y="1221166"/>
+            <a:ext cx="4225633" cy="3854149"/>
+          </a:xfrm>
+          <a:prstGeom prst="rect">
+            <a:avLst/>
+          </a:prstGeom>
+        </p:spPr>
+      </p:pic>
+    </p:spTree>
+    <p:extLst>
+      <p:ext uri="{BB962C8B-B14F-4D97-AF65-F5344CB8AC3E}">
+        <p14:creationId xmlns:p14="http://schemas.microsoft.com/office/powerpoint/2010/main" val="3147890726"/>
+      </p:ext>
+    </p:extLst>
+  </p:cSld>
+  <p:clrMapOvr>
+    <a:masterClrMapping/>
+  </p:clrMapOvr>
+</p:sld>
+</file>
+
+<file path=ppt/slides/slide18.xml><?xml version="1.0" encoding="utf-8"?>
+<p:sld xmlns:a="http://schemas.openxmlformats.org/drawingml/2006/main" xmlns:r="http://schemas.openxmlformats.org/officeDocument/2006/relationships" xmlns:p="http://schemas.openxmlformats.org/presentationml/2006/main">
+  <p:cSld>
+    <p:spTree>
+      <p:nvGrpSpPr>
+        <p:cNvPr id="1" name=""/>
+        <p:cNvGrpSpPr/>
+        <p:nvPr/>
+      </p:nvGrpSpPr>
+      <p:grpSpPr>
+        <a:xfrm>
+          <a:off x="0" y="0"/>
+          <a:ext cx="0" cy="0"/>
+          <a:chOff x="0" y="0"/>
+          <a:chExt cx="0" cy="0"/>
+        </a:xfrm>
+      </p:grpSpPr>
+      <p:sp>
+        <p:nvSpPr>
+          <p:cNvPr id="4" name="标题 1">
+            <a:extLst>
+              <a:ext uri="{FF2B5EF4-FFF2-40B4-BE49-F238E27FC236}">
+                <a16:creationId xmlns:a16="http://schemas.microsoft.com/office/drawing/2014/main" id="{EA0A6BA5-A1B7-41D7-4064-1F22B3F1437E}"/>
+              </a:ext>
+            </a:extLst>
+          </p:cNvPr>
+          <p:cNvSpPr>
+            <a:spLocks noGrp="1"/>
+          </p:cNvSpPr>
+          <p:nvPr>
+            <p:ph type="title"/>
+          </p:nvPr>
+        </p:nvSpPr>
+        <p:spPr>
+          <a:xfrm>
+            <a:off x="729450" y="632945"/>
+            <a:ext cx="7688700" cy="535200"/>
+          </a:xfrm>
+        </p:spPr>
+        <p:txBody>
+          <a:bodyPr>
+            <a:normAutofit fontScale="90000"/>
+          </a:bodyPr>
+          <a:lstStyle/>
+          <a:p>
+            <a:r>
+              <a:rPr lang="en-US" altLang="zh-CN" dirty="0"/>
+              <a:t>Fallback cache</a:t>
+            </a:r>
+            <a:endParaRPr lang="zh-CN" altLang="en-US" dirty="0"/>
+          </a:p>
+        </p:txBody>
+      </p:sp>
+      <p:sp>
+        <p:nvSpPr>
+          <p:cNvPr id="7" name="文本占位符 6">
+            <a:extLst>
+              <a:ext uri="{FF2B5EF4-FFF2-40B4-BE49-F238E27FC236}">
+                <a16:creationId xmlns:a16="http://schemas.microsoft.com/office/drawing/2014/main" id="{278E5767-87CC-AD1D-17BF-EE831F88581C}"/>
+              </a:ext>
+            </a:extLst>
+          </p:cNvPr>
+          <p:cNvSpPr>
+            <a:spLocks noGrp="1"/>
+          </p:cNvSpPr>
+          <p:nvPr>
+            <p:ph type="body" idx="1"/>
+          </p:nvPr>
+        </p:nvSpPr>
+        <p:spPr>
+          <a:xfrm>
+            <a:off x="727650" y="1441199"/>
+            <a:ext cx="7688700" cy="3431667"/>
+          </a:xfrm>
+        </p:spPr>
+        <p:txBody>
+          <a:bodyPr>
+            <a:normAutofit/>
+          </a:bodyPr>
+          <a:lstStyle/>
+          <a:p>
+            <a:pPr marL="146050" indent="0">
+              <a:buNone/>
+            </a:pPr>
+            <a:r>
+              <a:rPr lang="en-US" altLang="zh-CN" sz="1600" b="1" u="sng" dirty="0"/>
+              <a:t>Design considerations:</a:t>
+            </a:r>
+          </a:p>
+          <a:p>
+            <a:endParaRPr lang="en-US" altLang="zh-CN" sz="1600" dirty="0"/>
+          </a:p>
+          <a:p>
+            <a:pPr marL="146050" indent="0">
+              <a:buNone/>
+            </a:pPr>
+            <a:r>
+              <a:rPr lang="en-US" altLang="zh-CN" sz="1600" dirty="0"/>
+              <a:t>Fallback cache only exist in distributed cache, not local  </a:t>
+            </a:r>
+          </a:p>
+          <a:p>
+            <a:r>
+              <a:rPr lang="en-US" altLang="zh-CN" sz="1600" dirty="0"/>
+              <a:t>Use case (failure scenarios) not fit well with local </a:t>
+            </a:r>
+          </a:p>
+          <a:p>
+            <a:pPr marL="615950" lvl="1" indent="0">
+              <a:buNone/>
+            </a:pPr>
+            <a:r>
+              <a:rPr lang="en-US" altLang="zh-CN" sz="1600" dirty="0"/>
+              <a:t>       cache purposes (hot key, </a:t>
+            </a:r>
+            <a:r>
+              <a:rPr lang="en-US" altLang="zh-CN" sz="1600" dirty="0" err="1"/>
+              <a:t>etc</a:t>
+            </a:r>
+            <a:r>
+              <a:rPr lang="en-US" altLang="zh-CN" sz="1600" dirty="0"/>
+              <a:t>)</a:t>
+            </a:r>
+          </a:p>
+          <a:p>
+            <a:r>
+              <a:rPr lang="en-US" altLang="zh-CN" sz="1600" dirty="0"/>
+              <a:t>To avoid introducing cache inconsistency problem</a:t>
+            </a:r>
+          </a:p>
+          <a:p>
+            <a:endParaRPr lang="en-US" altLang="zh-CN" sz="1600" dirty="0"/>
+          </a:p>
+          <a:p>
+            <a:pPr marL="146050" indent="0">
+              <a:buNone/>
+            </a:pPr>
+            <a:endParaRPr lang="en-US" altLang="zh-CN" sz="1600" dirty="0"/>
+          </a:p>
+        </p:txBody>
+      </p:sp>
+      <p:pic>
+        <p:nvPicPr>
+          <p:cNvPr id="9" name="图片 8">
+            <a:extLst>
+              <a:ext uri="{FF2B5EF4-FFF2-40B4-BE49-F238E27FC236}">
+                <a16:creationId xmlns:a16="http://schemas.microsoft.com/office/drawing/2014/main" id="{B6FA002F-0708-0852-B0BD-CAEEDABB8FCC}"/>
+              </a:ext>
+            </a:extLst>
+          </p:cNvPr>
+          <p:cNvPicPr>
+            <a:picLocks noChangeAspect="1"/>
+          </p:cNvPicPr>
+          <p:nvPr/>
+        </p:nvPicPr>
+        <p:blipFill>
+          <a:blip r:embed="rId2"/>
+          <a:stretch>
+            <a:fillRect/>
+          </a:stretch>
+        </p:blipFill>
+        <p:spPr>
+          <a:xfrm>
+            <a:off x="6136081" y="0"/>
+            <a:ext cx="3007919" cy="5143500"/>
+          </a:xfrm>
+          <a:prstGeom prst="rect">
+            <a:avLst/>
+          </a:prstGeom>
+        </p:spPr>
+      </p:pic>
+    </p:spTree>
+    <p:extLst>
+      <p:ext uri="{BB962C8B-B14F-4D97-AF65-F5344CB8AC3E}">
+        <p14:creationId xmlns:p14="http://schemas.microsoft.com/office/powerpoint/2010/main" val="3868997570"/>
+      </p:ext>
+    </p:extLst>
+  </p:cSld>
+  <p:clrMapOvr>
+    <a:masterClrMapping/>
+  </p:clrMapOvr>
+</p:sld>
+</file>
+
+<file path=ppt/slides/slide19.xml><?xml version="1.0" encoding="utf-8"?>
+<p:sld xmlns:a="http://schemas.openxmlformats.org/drawingml/2006/main" xmlns:r="http://schemas.openxmlformats.org/officeDocument/2006/relationships" xmlns:p="http://schemas.openxmlformats.org/presentationml/2006/main">
+  <p:cSld>
+    <p:spTree>
+      <p:nvGrpSpPr>
+        <p:cNvPr id="1" name=""/>
+        <p:cNvGrpSpPr/>
+        <p:nvPr/>
+      </p:nvGrpSpPr>
+      <p:grpSpPr>
+        <a:xfrm>
+          <a:off x="0" y="0"/>
+          <a:ext cx="0" cy="0"/>
+          <a:chOff x="0" y="0"/>
+          <a:chExt cx="0" cy="0"/>
+        </a:xfrm>
+      </p:grpSpPr>
+      <p:sp>
+        <p:nvSpPr>
+          <p:cNvPr id="4" name="标题 1">
+            <a:extLst>
+              <a:ext uri="{FF2B5EF4-FFF2-40B4-BE49-F238E27FC236}">
+                <a16:creationId xmlns:a16="http://schemas.microsoft.com/office/drawing/2014/main" id="{EA0A6BA5-A1B7-41D7-4064-1F22B3F1437E}"/>
+              </a:ext>
+            </a:extLst>
+          </p:cNvPr>
+          <p:cNvSpPr>
+            <a:spLocks noGrp="1"/>
+          </p:cNvSpPr>
+          <p:nvPr>
+            <p:ph type="title"/>
+          </p:nvPr>
+        </p:nvSpPr>
+        <p:spPr>
+          <a:xfrm>
+            <a:off x="729450" y="632945"/>
+            <a:ext cx="7688700" cy="535200"/>
+          </a:xfrm>
+        </p:spPr>
+        <p:txBody>
+          <a:bodyPr>
+            <a:normAutofit fontScale="90000"/>
+          </a:bodyPr>
+          <a:lstStyle/>
+          <a:p>
+            <a:r>
+              <a:rPr lang="en-US" altLang="zh-CN" dirty="0"/>
+              <a:t>Service governance: Fallback cache</a:t>
+            </a:r>
+            <a:endParaRPr lang="zh-CN" altLang="en-US" dirty="0"/>
+          </a:p>
+        </p:txBody>
+      </p:sp>
+      <p:sp>
+        <p:nvSpPr>
+          <p:cNvPr id="7" name="文本占位符 6">
+            <a:extLst>
+              <a:ext uri="{FF2B5EF4-FFF2-40B4-BE49-F238E27FC236}">
+                <a16:creationId xmlns:a16="http://schemas.microsoft.com/office/drawing/2014/main" id="{278E5767-87CC-AD1D-17BF-EE831F88581C}"/>
+              </a:ext>
+            </a:extLst>
+          </p:cNvPr>
+          <p:cNvSpPr>
+            <a:spLocks noGrp="1"/>
+          </p:cNvSpPr>
+          <p:nvPr>
+            <p:ph type="body" idx="1"/>
+          </p:nvPr>
+        </p:nvSpPr>
+        <p:spPr>
+          <a:xfrm>
+            <a:off x="727650" y="1441199"/>
+            <a:ext cx="7688700" cy="3431667"/>
+          </a:xfrm>
+        </p:spPr>
+        <p:txBody>
+          <a:bodyPr>
+            <a:normAutofit/>
+          </a:bodyPr>
+          <a:lstStyle/>
+          <a:p>
+            <a:pPr marL="146050" indent="0">
+              <a:buNone/>
+            </a:pPr>
+            <a:r>
+              <a:rPr lang="en-US" altLang="zh-CN" sz="1600" b="1" u="sng" dirty="0"/>
+              <a:t>Config:</a:t>
+            </a:r>
+          </a:p>
+          <a:p>
+            <a:pPr marL="146050" indent="0">
+              <a:buNone/>
+            </a:pPr>
+            <a:endParaRPr lang="en-US" altLang="zh-CN" sz="1600" dirty="0"/>
+          </a:p>
+          <a:p>
+            <a:r>
+              <a:rPr lang="en-US" altLang="zh-CN" sz="1800" dirty="0"/>
+              <a:t>Serialization: </a:t>
+            </a:r>
+            <a:r>
+              <a:rPr lang="en-US" altLang="zh-CN" sz="1800" dirty="0" err="1"/>
+              <a:t>Protobuf</a:t>
+            </a:r>
+            <a:r>
+              <a:rPr lang="en-US" altLang="zh-CN" sz="1800" dirty="0"/>
+              <a:t> + compression</a:t>
+            </a:r>
+          </a:p>
+          <a:p>
+            <a:r>
+              <a:rPr lang="en-US" altLang="zh-CN" sz="1800" dirty="0"/>
+              <a:t>Expiration time: 7 days</a:t>
+            </a:r>
+          </a:p>
+          <a:p>
+            <a:r>
+              <a:rPr lang="en-US" altLang="zh-CN" sz="1800" dirty="0"/>
+              <a:t>Algorithm: LRU </a:t>
+            </a:r>
+          </a:p>
+          <a:p>
+            <a:pPr marL="146050" indent="0">
+              <a:buNone/>
+            </a:pPr>
+            <a:endParaRPr lang="en-US" altLang="zh-CN" sz="1600" dirty="0"/>
+          </a:p>
+        </p:txBody>
+      </p:sp>
+    </p:spTree>
+    <p:extLst>
+      <p:ext uri="{BB962C8B-B14F-4D97-AF65-F5344CB8AC3E}">
+        <p14:creationId xmlns:p14="http://schemas.microsoft.com/office/powerpoint/2010/main" val="1502465075"/>
+      </p:ext>
+    </p:extLst>
+  </p:cSld>
+  <p:clrMapOvr>
+    <a:masterClrMapping/>
+  </p:clrMapOvr>
+</p:sld>
+</file>
+
+<file path=ppt/slides/slide2.xml><?xml version="1.0" encoding="utf-8"?>
+<p:sld xmlns:a="http://schemas.openxmlformats.org/drawingml/2006/main" xmlns:r="http://schemas.openxmlformats.org/officeDocument/2006/relationships" xmlns:p="http://schemas.openxmlformats.org/presentationml/2006/main">
+  <p:cSld>
+    <p:spTree>
+      <p:nvGrpSpPr>
+        <p:cNvPr id="1" name="Shape 97"/>
+        <p:cNvGrpSpPr/>
+        <p:nvPr/>
+      </p:nvGrpSpPr>
+      <p:grpSpPr>
+        <a:xfrm>
+          <a:off x="0" y="0"/>
+          <a:ext cx="0" cy="0"/>
+          <a:chOff x="0" y="0"/>
+          <a:chExt cx="0" cy="0"/>
+        </a:xfrm>
+      </p:grpSpPr>
+      <p:sp>
+        <p:nvSpPr>
+          <p:cNvPr id="98" name="Google Shape;98;p15"/>
+          <p:cNvSpPr txBox="1">
+            <a:spLocks noGrp="1"/>
+          </p:cNvSpPr>
+          <p:nvPr>
+            <p:ph type="title"/>
+          </p:nvPr>
+        </p:nvSpPr>
+        <p:spPr>
+          <a:xfrm>
+            <a:off x="729450" y="599275"/>
+            <a:ext cx="7688700" cy="535200"/>
+          </a:xfrm>
+          <a:prstGeom prst="rect">
+            <a:avLst/>
+          </a:prstGeom>
+        </p:spPr>
+        <p:txBody>
+          <a:bodyPr spcFirstLastPara="1" wrap="square" lIns="91425" tIns="91425" rIns="91425" bIns="91425" anchor="t" anchorCtr="0">
+            <a:normAutofit fontScale="90000"/>
+          </a:bodyPr>
+          <a:lstStyle/>
+          <a:p>
+            <a:pPr marL="0" lvl="0" indent="0" algn="l" rtl="0">
+              <a:spcBef>
+                <a:spcPts val="0"/>
+              </a:spcBef>
+              <a:spcAft>
+                <a:spcPts val="0"/>
+              </a:spcAft>
+              <a:buNone/>
+            </a:pPr>
+            <a:r>
+              <a:rPr lang="en-US" altLang="zh-CN" dirty="0"/>
+              <a:t>Agenda</a:t>
+            </a:r>
+            <a:endParaRPr dirty="0"/>
+          </a:p>
+        </p:txBody>
+      </p:sp>
+      <p:sp>
+        <p:nvSpPr>
+          <p:cNvPr id="99" name="Google Shape;99;p15"/>
+          <p:cNvSpPr txBox="1">
+            <a:spLocks noGrp="1"/>
+          </p:cNvSpPr>
+          <p:nvPr>
+            <p:ph type="body" idx="1"/>
+          </p:nvPr>
+        </p:nvSpPr>
+        <p:spPr>
+          <a:xfrm>
+            <a:off x="729450" y="1441200"/>
+            <a:ext cx="7688700" cy="3498600"/>
+          </a:xfrm>
+          <a:prstGeom prst="rect">
+            <a:avLst/>
+          </a:prstGeom>
+        </p:spPr>
+        <p:txBody>
+          <a:bodyPr spcFirstLastPara="1" wrap="square" lIns="91425" tIns="91425" rIns="91425" bIns="91425" anchor="t" anchorCtr="0">
+            <a:noAutofit/>
+          </a:bodyPr>
+          <a:lstStyle/>
+          <a:p>
+            <a:pPr marL="457200" lvl="0" indent="-349250" algn="l" rtl="0">
+              <a:spcBef>
+                <a:spcPts val="0"/>
+              </a:spcBef>
+              <a:spcAft>
+                <a:spcPts val="0"/>
+              </a:spcAft>
+              <a:buSzPts val="1900"/>
+              <a:buChar char="●"/>
+            </a:pPr>
+            <a:r>
+              <a:rPr lang="en-US" altLang="zh-CN" sz="2000" dirty="0">
+                <a:solidFill>
+                  <a:schemeClr val="bg2"/>
+                </a:solidFill>
+              </a:rPr>
+              <a:t>Experiences</a:t>
+            </a:r>
+          </a:p>
+          <a:p>
+            <a:pPr indent="-349250">
+              <a:buSzPts val="1900"/>
+            </a:pPr>
+            <a:r>
+              <a:rPr lang="en-US" altLang="zh-CN" sz="2000" dirty="0">
+                <a:solidFill>
+                  <a:schemeClr val="bg2"/>
+                </a:solidFill>
+              </a:rPr>
+              <a:t>Goals</a:t>
+            </a:r>
+          </a:p>
+          <a:p>
+            <a:pPr indent="-349250">
+              <a:buSzPts val="1900"/>
+            </a:pPr>
+            <a:r>
+              <a:rPr lang="en-US" altLang="zh-CN" sz="2000" dirty="0">
+                <a:solidFill>
+                  <a:schemeClr val="bg2"/>
+                </a:solidFill>
+              </a:rPr>
+              <a:t>Project context</a:t>
+            </a:r>
+          </a:p>
+          <a:p>
+            <a:pPr indent="-349250">
+              <a:buSzPts val="1900"/>
+            </a:pPr>
+            <a:r>
+              <a:rPr lang="en-US" altLang="zh-CN" sz="2000" dirty="0">
+                <a:solidFill>
+                  <a:schemeClr val="bg2"/>
+                </a:solidFill>
+              </a:rPr>
+              <a:t>Highlights in service migration</a:t>
+            </a:r>
+          </a:p>
+          <a:p>
+            <a:pPr indent="-349250">
+              <a:buSzPts val="1900"/>
+            </a:pPr>
+            <a:r>
+              <a:rPr lang="en-US" altLang="zh-CN" sz="2000" dirty="0">
+                <a:solidFill>
+                  <a:schemeClr val="bg2"/>
+                </a:solidFill>
+              </a:rPr>
+              <a:t>Highlights in service</a:t>
+            </a:r>
+            <a:r>
+              <a:rPr lang="zh-CN" altLang="en-US" sz="2000" dirty="0">
+                <a:solidFill>
+                  <a:schemeClr val="bg2"/>
+                </a:solidFill>
+              </a:rPr>
+              <a:t> </a:t>
+            </a:r>
+            <a:r>
+              <a:rPr lang="en-US" altLang="zh-CN" sz="2000" dirty="0">
+                <a:solidFill>
+                  <a:schemeClr val="bg2"/>
+                </a:solidFill>
+              </a:rPr>
+              <a:t>governance</a:t>
+            </a:r>
+          </a:p>
+          <a:p>
+            <a:pPr marL="457200" lvl="0" indent="-349250" algn="l" rtl="0">
+              <a:spcBef>
+                <a:spcPts val="0"/>
+              </a:spcBef>
+              <a:spcAft>
+                <a:spcPts val="0"/>
+              </a:spcAft>
+              <a:buSzPts val="1900"/>
+              <a:buChar char="●"/>
+            </a:pPr>
+            <a:r>
+              <a:rPr lang="en-US" sz="2000" dirty="0">
+                <a:solidFill>
+                  <a:schemeClr val="bg2"/>
+                </a:solidFill>
+              </a:rPr>
+              <a:t>Summary</a:t>
+            </a:r>
+          </a:p>
+        </p:txBody>
+      </p:sp>
+    </p:spTree>
+  </p:cSld>
+  <p:clrMapOvr>
+    <a:masterClrMapping/>
+  </p:clrMapOvr>
+</p:sld>
+</file>
+
+<file path=ppt/slides/slide20.xml><?xml version="1.0" encoding="utf-8"?>
+<p:sld xmlns:a="http://schemas.openxmlformats.org/drawingml/2006/main" xmlns:r="http://schemas.openxmlformats.org/officeDocument/2006/relationships" xmlns:p="http://schemas.openxmlformats.org/presentationml/2006/main">
+  <p:cSld>
+    <p:spTree>
+      <p:nvGrpSpPr>
+        <p:cNvPr id="1" name="Shape 110">
+          <a:extLst>
+            <a:ext uri="{FF2B5EF4-FFF2-40B4-BE49-F238E27FC236}">
+              <a16:creationId xmlns:a16="http://schemas.microsoft.com/office/drawing/2014/main" id="{5AAF7F81-6177-55C2-D0DF-85ECB53BEBC6}"/>
+            </a:ext>
+          </a:extLst>
+        </p:cNvPr>
+        <p:cNvGrpSpPr/>
+        <p:nvPr/>
+      </p:nvGrpSpPr>
+      <p:grpSpPr>
+        <a:xfrm>
+          <a:off x="0" y="0"/>
+          <a:ext cx="0" cy="0"/>
+          <a:chOff x="0" y="0"/>
+          <a:chExt cx="0" cy="0"/>
+        </a:xfrm>
+      </p:grpSpPr>
+      <p:sp>
+        <p:nvSpPr>
+          <p:cNvPr id="111" name="Google Shape;111;p17">
+            <a:extLst>
+              <a:ext uri="{FF2B5EF4-FFF2-40B4-BE49-F238E27FC236}">
+                <a16:creationId xmlns:a16="http://schemas.microsoft.com/office/drawing/2014/main" id="{7E3A7BFA-4C5C-6594-7601-E5C7E00E73C1}"/>
+              </a:ext>
+            </a:extLst>
+          </p:cNvPr>
+          <p:cNvSpPr txBox="1">
+            <a:spLocks noGrp="1"/>
+          </p:cNvSpPr>
+          <p:nvPr>
+            <p:ph type="title"/>
+          </p:nvPr>
+        </p:nvSpPr>
+        <p:spPr>
+          <a:xfrm>
+            <a:off x="798025" y="705250"/>
+            <a:ext cx="7688700" cy="535200"/>
+          </a:xfrm>
+          <a:prstGeom prst="rect">
+            <a:avLst/>
+          </a:prstGeom>
+        </p:spPr>
+        <p:txBody>
+          <a:bodyPr spcFirstLastPara="1" wrap="square" lIns="91425" tIns="91425" rIns="91425" bIns="91425" anchor="t" anchorCtr="0">
+            <a:normAutofit fontScale="90000"/>
+          </a:bodyPr>
+          <a:lstStyle/>
+          <a:p>
+            <a:r>
+              <a:rPr lang="en-US" altLang="zh-CN" sz="2400" dirty="0"/>
+              <a:t>Service governance</a:t>
+            </a:r>
+          </a:p>
+        </p:txBody>
+      </p:sp>
+      <p:sp>
+        <p:nvSpPr>
+          <p:cNvPr id="4" name="文本占位符 2">
+            <a:extLst>
+              <a:ext uri="{FF2B5EF4-FFF2-40B4-BE49-F238E27FC236}">
+                <a16:creationId xmlns:a16="http://schemas.microsoft.com/office/drawing/2014/main" id="{202F08AA-1BA8-E31A-8FDA-C8FFC364637A}"/>
+              </a:ext>
+            </a:extLst>
+          </p:cNvPr>
+          <p:cNvSpPr>
+            <a:spLocks noGrp="1"/>
+          </p:cNvSpPr>
+          <p:nvPr>
+            <p:ph type="body" idx="1"/>
+          </p:nvPr>
+        </p:nvSpPr>
+        <p:spPr>
+          <a:xfrm>
+            <a:off x="727650" y="1489245"/>
+            <a:ext cx="7967999" cy="2834982"/>
+          </a:xfrm>
+        </p:spPr>
+        <p:txBody>
+          <a:bodyPr>
+            <a:normAutofit/>
+          </a:bodyPr>
+          <a:lstStyle/>
+          <a:p>
+            <a:r>
+              <a:rPr lang="en-US" altLang="zh-CN" sz="1600" dirty="0"/>
+              <a:t>Results: </a:t>
+            </a:r>
+          </a:p>
+          <a:p>
+            <a:pPr lvl="1"/>
+            <a:r>
+              <a:rPr lang="en-US" altLang="zh-CN" sz="1400" dirty="0"/>
+              <a:t>Downstream service availability improves beyond 99.99%.</a:t>
+            </a:r>
+          </a:p>
+          <a:p>
+            <a:pPr lvl="1"/>
+            <a:r>
+              <a:rPr lang="en-US" altLang="zh-CN" sz="1400" dirty="0"/>
+              <a:t>Service availability improves above 99.9%, almost reaching 99.99%.</a:t>
+            </a:r>
+          </a:p>
+          <a:p>
+            <a:pPr lvl="1"/>
+            <a:r>
+              <a:rPr lang="en-US" altLang="zh-CN" sz="1400" dirty="0"/>
+              <a:t>Key </a:t>
+            </a:r>
+            <a:r>
+              <a:rPr lang="en-US" altLang="zh-CN" sz="1400" dirty="0" err="1"/>
+              <a:t>api</a:t>
+            </a:r>
+            <a:r>
+              <a:rPr lang="en-US" altLang="zh-CN" sz="1400" dirty="0"/>
+              <a:t> </a:t>
+            </a:r>
+            <a:r>
+              <a:rPr lang="en-US" altLang="zh-CN" sz="1400" dirty="0">
+                <a:solidFill>
+                  <a:schemeClr val="bg2"/>
+                </a:solidFill>
+              </a:rPr>
+              <a:t>99.9% latency </a:t>
+            </a:r>
+            <a:r>
+              <a:rPr lang="en-US" altLang="zh-CN" sz="1400" dirty="0"/>
+              <a:t>improves above 5ms around 10%</a:t>
+            </a:r>
+          </a:p>
+          <a:p>
+            <a:pPr lvl="1"/>
+            <a:endParaRPr lang="en-US" altLang="zh-CN" sz="1400" dirty="0"/>
+          </a:p>
+          <a:p>
+            <a:pPr marL="615950" lvl="1" indent="0">
+              <a:buNone/>
+            </a:pPr>
+            <a:endParaRPr lang="en-US" altLang="zh-CN" sz="1600" dirty="0"/>
+          </a:p>
+          <a:p>
+            <a:pPr marL="615950" lvl="1" indent="0">
+              <a:buNone/>
+            </a:pPr>
+            <a:endParaRPr lang="zh-CN" altLang="en-US" dirty="0"/>
+          </a:p>
+        </p:txBody>
+      </p:sp>
+    </p:spTree>
+    <p:extLst>
+      <p:ext uri="{BB962C8B-B14F-4D97-AF65-F5344CB8AC3E}">
+        <p14:creationId xmlns:p14="http://schemas.microsoft.com/office/powerpoint/2010/main" val="3389154485"/>
+      </p:ext>
+    </p:extLst>
+  </p:cSld>
+  <p:clrMapOvr>
+    <a:masterClrMapping/>
+  </p:clrMapOvr>
+</p:sld>
+</file>
+
+<file path=ppt/slides/slide21.xml><?xml version="1.0" encoding="utf-8"?>
+<p:sld xmlns:a="http://schemas.openxmlformats.org/drawingml/2006/main" xmlns:r="http://schemas.openxmlformats.org/officeDocument/2006/relationships" xmlns:p="http://schemas.openxmlformats.org/presentationml/2006/main">
+  <p:cSld>
+    <p:spTree>
+      <p:nvGrpSpPr>
+        <p:cNvPr id="1" name="Shape 251"/>
+        <p:cNvGrpSpPr/>
+        <p:nvPr/>
+      </p:nvGrpSpPr>
+      <p:grpSpPr>
+        <a:xfrm>
+          <a:off x="0" y="0"/>
+          <a:ext cx="0" cy="0"/>
+          <a:chOff x="0" y="0"/>
+          <a:chExt cx="0" cy="0"/>
+        </a:xfrm>
+      </p:grpSpPr>
+      <p:sp>
+        <p:nvSpPr>
+          <p:cNvPr id="252" name="Google Shape;252;p38"/>
+          <p:cNvSpPr txBox="1">
+            <a:spLocks noGrp="1"/>
+          </p:cNvSpPr>
+          <p:nvPr>
+            <p:ph type="title"/>
+          </p:nvPr>
+        </p:nvSpPr>
+        <p:spPr>
+          <a:xfrm>
+            <a:off x="729450" y="640475"/>
+            <a:ext cx="8197500" cy="535200"/>
+          </a:xfrm>
+          <a:prstGeom prst="rect">
+            <a:avLst/>
+          </a:prstGeom>
+        </p:spPr>
+        <p:txBody>
+          <a:bodyPr spcFirstLastPara="1" wrap="square" lIns="91425" tIns="91425" rIns="91425" bIns="91425" anchor="t" anchorCtr="0">
+            <a:noAutofit/>
+          </a:bodyPr>
+          <a:lstStyle/>
+          <a:p>
+            <a:pPr marL="0" lvl="0" indent="0" algn="l" rtl="0">
+              <a:spcBef>
+                <a:spcPts val="0"/>
+              </a:spcBef>
+              <a:spcAft>
+                <a:spcPts val="0"/>
+              </a:spcAft>
+              <a:buSzPts val="990"/>
+              <a:buNone/>
+            </a:pPr>
+            <a:r>
+              <a:rPr lang="en" sz="2040" dirty="0"/>
+              <a:t>Summary </a:t>
+            </a:r>
+            <a:endParaRPr sz="2040" dirty="0"/>
+          </a:p>
+        </p:txBody>
+      </p:sp>
+      <p:sp>
+        <p:nvSpPr>
+          <p:cNvPr id="6" name="Google Shape;99;p15">
+            <a:extLst>
+              <a:ext uri="{FF2B5EF4-FFF2-40B4-BE49-F238E27FC236}">
+                <a16:creationId xmlns:a16="http://schemas.microsoft.com/office/drawing/2014/main" id="{5F920EF7-AEEA-4566-C52F-ED4920F94DC9}"/>
+              </a:ext>
+            </a:extLst>
+          </p:cNvPr>
+          <p:cNvSpPr txBox="1">
+            <a:spLocks noGrp="1"/>
+          </p:cNvSpPr>
+          <p:nvPr>
+            <p:ph type="body" idx="1"/>
+          </p:nvPr>
+        </p:nvSpPr>
+        <p:spPr>
+          <a:xfrm>
+            <a:off x="729450" y="1441200"/>
+            <a:ext cx="7688700" cy="3498600"/>
+          </a:xfrm>
+          <a:prstGeom prst="rect">
+            <a:avLst/>
+          </a:prstGeom>
+        </p:spPr>
+        <p:txBody>
+          <a:bodyPr spcFirstLastPara="1" wrap="square" lIns="91425" tIns="91425" rIns="91425" bIns="91425" anchor="t" anchorCtr="0">
+            <a:noAutofit/>
+          </a:bodyPr>
+          <a:lstStyle/>
+          <a:p>
+            <a:pPr marL="457200" lvl="0" indent="-349250" algn="l" rtl="0">
+              <a:spcBef>
+                <a:spcPts val="0"/>
+              </a:spcBef>
+              <a:spcAft>
+                <a:spcPts val="0"/>
+              </a:spcAft>
+              <a:buSzPts val="1900"/>
+              <a:buChar char="●"/>
+            </a:pPr>
+            <a:r>
+              <a:rPr lang="en-US" altLang="zh-CN" sz="2000" dirty="0" err="1">
+                <a:solidFill>
+                  <a:schemeClr val="bg2"/>
+                </a:solidFill>
+              </a:rPr>
+              <a:t>AuthZ</a:t>
+            </a:r>
+            <a:r>
+              <a:rPr lang="en-US" altLang="zh-CN" sz="2000" dirty="0">
+                <a:solidFill>
+                  <a:schemeClr val="bg2"/>
+                </a:solidFill>
+              </a:rPr>
+              <a:t> service availability improves beyond 99.9% to 99.99%</a:t>
+            </a:r>
+          </a:p>
+          <a:p>
+            <a:pPr marL="457200" lvl="0" indent="-349250" algn="l" rtl="0">
+              <a:spcBef>
+                <a:spcPts val="0"/>
+              </a:spcBef>
+              <a:spcAft>
+                <a:spcPts val="0"/>
+              </a:spcAft>
+              <a:buSzPts val="1900"/>
+              <a:buChar char="●"/>
+            </a:pPr>
+            <a:r>
+              <a:rPr lang="en-US" altLang="zh-CN" sz="2000" dirty="0">
+                <a:solidFill>
+                  <a:schemeClr val="bg2"/>
+                </a:solidFill>
+              </a:rPr>
+              <a:t>Publish two reusable packages:</a:t>
+            </a:r>
+          </a:p>
+          <a:p>
+            <a:pPr lvl="1" indent="-349250">
+              <a:buSzPts val="1900"/>
+              <a:buChar char="●"/>
+            </a:pPr>
+            <a:r>
+              <a:rPr lang="en-US" altLang="zh-CN" sz="1800" dirty="0">
+                <a:solidFill>
+                  <a:schemeClr val="bg2"/>
+                </a:solidFill>
+              </a:rPr>
+              <a:t>Traffic forwarding and comparison middleware</a:t>
+            </a:r>
+          </a:p>
+          <a:p>
+            <a:pPr lvl="1" indent="-349250">
+              <a:buSzPts val="1900"/>
+              <a:buChar char="●"/>
+            </a:pPr>
+            <a:r>
+              <a:rPr lang="en-US" altLang="zh-CN" sz="1800" dirty="0">
+                <a:solidFill>
+                  <a:schemeClr val="bg2"/>
+                </a:solidFill>
+              </a:rPr>
+              <a:t>Fallback cache resilience policy</a:t>
+            </a:r>
+          </a:p>
+          <a:p>
+            <a:pPr lvl="1" indent="-349250">
+              <a:buSzPts val="1900"/>
+              <a:buChar char="●"/>
+            </a:pPr>
+            <a:endParaRPr lang="en-US" altLang="zh-CN" sz="1800" dirty="0">
+              <a:solidFill>
+                <a:schemeClr val="bg2"/>
+              </a:solidFill>
+            </a:endParaRPr>
+          </a:p>
+        </p:txBody>
+      </p:sp>
+    </p:spTree>
+  </p:cSld>
+  <p:clrMapOvr>
+    <a:masterClrMapping/>
+  </p:clrMapOvr>
+</p:sld>
+</file>
+
+<file path=ppt/slides/slide3.xml><?xml version="1.0" encoding="utf-8"?>
+<p:sld xmlns:a="http://schemas.openxmlformats.org/drawingml/2006/main" xmlns:r="http://schemas.openxmlformats.org/officeDocument/2006/relationships" xmlns:p="http://schemas.openxmlformats.org/presentationml/2006/main">
+  <p:cSld>
+    <p:spTree>
+      <p:nvGrpSpPr>
+        <p:cNvPr id="1" name="Shape 103"/>
+        <p:cNvGrpSpPr/>
+        <p:nvPr/>
+      </p:nvGrpSpPr>
+      <p:grpSpPr>
+        <a:xfrm>
+          <a:off x="0" y="0"/>
+          <a:ext cx="0" cy="0"/>
+          <a:chOff x="0" y="0"/>
+          <a:chExt cx="0" cy="0"/>
+        </a:xfrm>
+      </p:grpSpPr>
+      <p:sp>
+        <p:nvSpPr>
+          <p:cNvPr id="104" name="Google Shape;104;p16"/>
+          <p:cNvSpPr txBox="1">
+            <a:spLocks noGrp="1"/>
+          </p:cNvSpPr>
+          <p:nvPr>
+            <p:ph type="title"/>
+          </p:nvPr>
+        </p:nvSpPr>
+        <p:spPr>
+          <a:xfrm>
+            <a:off x="798025" y="705250"/>
+            <a:ext cx="7688700" cy="535200"/>
+          </a:xfrm>
+          <a:prstGeom prst="rect">
+            <a:avLst/>
+          </a:prstGeom>
+        </p:spPr>
+        <p:txBody>
+          <a:bodyPr spcFirstLastPara="1" wrap="square" lIns="91425" tIns="91425" rIns="91425" bIns="91425" anchor="t" anchorCtr="0">
+            <a:normAutofit fontScale="90000"/>
+          </a:bodyPr>
+          <a:lstStyle/>
+          <a:p>
+            <a:pPr marL="107950" lvl="0" algn="l" rtl="0">
+              <a:spcBef>
+                <a:spcPts val="0"/>
+              </a:spcBef>
+              <a:spcAft>
+                <a:spcPts val="0"/>
+              </a:spcAft>
+              <a:buSzPts val="1900"/>
+            </a:pPr>
+            <a:r>
+              <a:rPr lang="en-US" altLang="zh-CN" sz="2800" dirty="0">
+                <a:solidFill>
+                  <a:schemeClr val="bg2"/>
+                </a:solidFill>
+              </a:rPr>
+              <a:t>Experiences</a:t>
+            </a:r>
+          </a:p>
+        </p:txBody>
+      </p:sp>
+      <p:pic>
+        <p:nvPicPr>
+          <p:cNvPr id="1028" name="Picture 4" descr="Microsoft Teams with several people on a video call and AI-generated notes summarizing the conversation and action items to the right">
+            <a:extLst>
+              <a:ext uri="{FF2B5EF4-FFF2-40B4-BE49-F238E27FC236}">
+                <a16:creationId xmlns:a16="http://schemas.microsoft.com/office/drawing/2014/main" id="{7F17C96E-6724-B405-A55E-BC2D19A5B7FA}"/>
+              </a:ext>
+            </a:extLst>
+          </p:cNvPr>
+          <p:cNvPicPr>
+            <a:picLocks noChangeAspect="1" noChangeArrowheads="1"/>
+          </p:cNvPicPr>
+          <p:nvPr/>
+        </p:nvPicPr>
+        <p:blipFill>
+          <a:blip r:embed="rId3">
+            <a:extLst>
+              <a:ext uri="{28A0092B-C50C-407E-A947-70E740481C1C}">
+                <a14:useLocalDpi xmlns:a14="http://schemas.microsoft.com/office/drawing/2010/main" val="0"/>
+              </a:ext>
+            </a:extLst>
+          </a:blip>
+          <a:srcRect/>
+          <a:stretch>
+            <a:fillRect/>
+          </a:stretch>
+        </p:blipFill>
+        <p:spPr bwMode="auto">
+          <a:xfrm>
+            <a:off x="5723028" y="3219204"/>
+            <a:ext cx="3420972" cy="1924296"/>
+          </a:xfrm>
+          <a:prstGeom prst="rect">
+            <a:avLst/>
+          </a:prstGeom>
+          <a:noFill/>
+          <a:extLst>
+            <a:ext uri="{909E8E84-426E-40DD-AFC4-6F175D3DCCD1}">
+              <a14:hiddenFill xmlns:a14="http://schemas.microsoft.com/office/drawing/2010/main">
+                <a:solidFill>
+                  <a:srgbClr val="FFFFFF"/>
+                </a:solidFill>
+              </a14:hiddenFill>
+            </a:ext>
+          </a:extLst>
+        </p:spPr>
+      </p:pic>
+      <p:sp>
+        <p:nvSpPr>
+          <p:cNvPr id="8" name="Google Shape;99;p15">
+            <a:extLst>
+              <a:ext uri="{FF2B5EF4-FFF2-40B4-BE49-F238E27FC236}">
+                <a16:creationId xmlns:a16="http://schemas.microsoft.com/office/drawing/2014/main" id="{A71FC050-7946-D5CE-8BD9-AB73C7F3E352}"/>
+              </a:ext>
+            </a:extLst>
+          </p:cNvPr>
+          <p:cNvSpPr txBox="1">
+            <a:spLocks noGrp="1"/>
+          </p:cNvSpPr>
+          <p:nvPr>
+            <p:ph type="body" idx="1"/>
+          </p:nvPr>
+        </p:nvSpPr>
+        <p:spPr>
+          <a:xfrm>
+            <a:off x="729450" y="1441200"/>
+            <a:ext cx="8414550" cy="3498600"/>
+          </a:xfrm>
+          <a:prstGeom prst="rect">
+            <a:avLst/>
+          </a:prstGeom>
+        </p:spPr>
+        <p:txBody>
+          <a:bodyPr spcFirstLastPara="1" wrap="square" lIns="91425" tIns="91425" rIns="91425" bIns="91425" anchor="t" anchorCtr="0">
+            <a:noAutofit/>
+          </a:bodyPr>
+          <a:lstStyle/>
+          <a:p>
+            <a:pPr marL="457200" lvl="0" indent="-349250" algn="l" rtl="0">
+              <a:spcBef>
+                <a:spcPts val="0"/>
+              </a:spcBef>
+              <a:spcAft>
+                <a:spcPts val="0"/>
+              </a:spcAft>
+              <a:buSzPts val="1900"/>
+              <a:buChar char="●"/>
+            </a:pPr>
+            <a:r>
+              <a:rPr lang="en-US" altLang="zh-CN" sz="2000" dirty="0">
+                <a:solidFill>
+                  <a:schemeClr val="bg2"/>
+                </a:solidFill>
+              </a:rPr>
+              <a:t>Middle-layer service in Microsoft Teams product</a:t>
+            </a:r>
+          </a:p>
+          <a:p>
+            <a:pPr lvl="1" indent="-349250">
+              <a:buSzPts val="1900"/>
+              <a:buChar char="●"/>
+            </a:pPr>
+            <a:r>
+              <a:rPr lang="en-US" sz="1800" dirty="0">
+                <a:solidFill>
+                  <a:schemeClr val="bg2"/>
+                </a:solidFill>
+              </a:rPr>
+              <a:t>2017 GA</a:t>
+            </a:r>
+          </a:p>
+          <a:p>
+            <a:pPr lvl="1" indent="-349250">
+              <a:buSzPts val="1900"/>
+              <a:buChar char="●"/>
+            </a:pPr>
+            <a:r>
+              <a:rPr lang="en-US" sz="1800" dirty="0">
+                <a:solidFill>
+                  <a:schemeClr val="bg2"/>
+                </a:solidFill>
+              </a:rPr>
+              <a:t>300 million DAU as of 2023</a:t>
+            </a:r>
+          </a:p>
+          <a:p>
+            <a:pPr marL="457200" lvl="0" indent="-349250" algn="l" rtl="0">
+              <a:spcBef>
+                <a:spcPts val="0"/>
+              </a:spcBef>
+              <a:spcAft>
+                <a:spcPts val="0"/>
+              </a:spcAft>
+              <a:buSzPts val="1900"/>
+              <a:buChar char="●"/>
+            </a:pPr>
+            <a:r>
+              <a:rPr lang="en-US" sz="2000" dirty="0">
+                <a:solidFill>
+                  <a:schemeClr val="bg2"/>
+                </a:solidFill>
+              </a:rPr>
+              <a:t>Hands-on experience on microservice governance &amp; auth topics </a:t>
+            </a:r>
+          </a:p>
+          <a:p>
+            <a:pPr marL="457200" lvl="0" indent="-349250" algn="l" rtl="0">
+              <a:spcBef>
+                <a:spcPts val="0"/>
+              </a:spcBef>
+              <a:spcAft>
+                <a:spcPts val="0"/>
+              </a:spcAft>
+              <a:buSzPts val="1900"/>
+              <a:buChar char="●"/>
+            </a:pPr>
+            <a:r>
+              <a:rPr lang="en-US" sz="2000" dirty="0">
+                <a:solidFill>
+                  <a:schemeClr val="bg2"/>
+                </a:solidFill>
+              </a:rPr>
+              <a:t>Tech stack: </a:t>
+            </a:r>
+          </a:p>
+          <a:p>
+            <a:pPr lvl="1" indent="-349250">
+              <a:buSzPts val="1900"/>
+              <a:buChar char="●"/>
+            </a:pPr>
+            <a:r>
+              <a:rPr lang="en-US" sz="1800" dirty="0">
+                <a:solidFill>
+                  <a:schemeClr val="bg2"/>
+                </a:solidFill>
+              </a:rPr>
+              <a:t>Web framework: C# and </a:t>
+            </a:r>
+            <a:r>
+              <a:rPr lang="en-US" sz="1800" dirty="0" err="1">
+                <a:solidFill>
+                  <a:schemeClr val="bg2"/>
+                </a:solidFill>
+              </a:rPr>
+              <a:t>.Net</a:t>
+            </a:r>
+            <a:r>
+              <a:rPr lang="en-US" sz="1800" dirty="0">
+                <a:solidFill>
+                  <a:schemeClr val="bg2"/>
+                </a:solidFill>
+              </a:rPr>
+              <a:t> Core </a:t>
+            </a:r>
+          </a:p>
+          <a:p>
+            <a:pPr lvl="1" indent="-349250">
+              <a:buSzPts val="1900"/>
+              <a:buChar char="●"/>
+            </a:pPr>
+            <a:r>
+              <a:rPr lang="en-US" sz="1800" dirty="0">
+                <a:solidFill>
+                  <a:schemeClr val="bg2"/>
+                </a:solidFill>
+              </a:rPr>
+              <a:t>Azure KV store, </a:t>
+            </a:r>
+            <a:r>
+              <a:rPr lang="en-US" sz="1800" dirty="0" err="1">
+                <a:solidFill>
+                  <a:schemeClr val="bg2"/>
+                </a:solidFill>
+              </a:rPr>
+              <a:t>redis</a:t>
+            </a:r>
+            <a:r>
+              <a:rPr lang="en-US" sz="1800" dirty="0">
+                <a:solidFill>
+                  <a:schemeClr val="bg2"/>
+                </a:solidFill>
+              </a:rPr>
+              <a:t>, queue</a:t>
+            </a:r>
+          </a:p>
+          <a:p>
+            <a:pPr lvl="1" indent="-349250">
+              <a:buSzPts val="1900"/>
+              <a:buChar char="●"/>
+            </a:pPr>
+            <a:r>
+              <a:rPr lang="en-US" sz="1800" dirty="0">
+                <a:solidFill>
+                  <a:schemeClr val="bg2"/>
+                </a:solidFill>
+              </a:rPr>
+              <a:t>CI/CD: Azure pipelines</a:t>
+            </a:r>
+          </a:p>
+          <a:p>
+            <a:pPr lvl="1" indent="-349250">
+              <a:buSzPts val="1900"/>
+              <a:buChar char="●"/>
+            </a:pPr>
+            <a:r>
+              <a:rPr lang="en-US" sz="1800" dirty="0">
+                <a:solidFill>
+                  <a:schemeClr val="bg2"/>
+                </a:solidFill>
+              </a:rPr>
+              <a:t>Container: Azure service fabric</a:t>
+            </a:r>
+          </a:p>
+          <a:p>
+            <a:pPr lvl="1" indent="-349250">
+              <a:buSzPts val="1900"/>
+              <a:buChar char="●"/>
+            </a:pPr>
+            <a:endParaRPr lang="en-US" sz="1800" dirty="0">
+              <a:solidFill>
+                <a:schemeClr val="bg2"/>
+              </a:solidFill>
+            </a:endParaRPr>
+          </a:p>
+        </p:txBody>
+      </p:sp>
+    </p:spTree>
+  </p:cSld>
+  <p:clrMapOvr>
+    <a:masterClrMapping/>
+  </p:clrMapOvr>
+</p:sld>
+</file>
+
+<file path=ppt/slides/slide4.xml><?xml version="1.0" encoding="utf-8"?>
+<p:sld xmlns:a="http://schemas.openxmlformats.org/drawingml/2006/main" xmlns:r="http://schemas.openxmlformats.org/officeDocument/2006/relationships" xmlns:p="http://schemas.openxmlformats.org/presentationml/2006/main">
+  <p:cSld>
+    <p:spTree>
+      <p:nvGrpSpPr>
+        <p:cNvPr id="1" name=""/>
+        <p:cNvGrpSpPr/>
+        <p:nvPr/>
+      </p:nvGrpSpPr>
+      <p:grpSpPr>
+        <a:xfrm>
+          <a:off x="0" y="0"/>
+          <a:ext cx="0" cy="0"/>
+          <a:chOff x="0" y="0"/>
+          <a:chExt cx="0" cy="0"/>
+        </a:xfrm>
+      </p:grpSpPr>
+      <p:sp>
+        <p:nvSpPr>
+          <p:cNvPr id="3" name="文本占位符 2">
+            <a:extLst>
+              <a:ext uri="{FF2B5EF4-FFF2-40B4-BE49-F238E27FC236}">
+                <a16:creationId xmlns:a16="http://schemas.microsoft.com/office/drawing/2014/main" id="{34720330-BCA3-89EF-75BD-C7F710CCD481}"/>
+              </a:ext>
+            </a:extLst>
+          </p:cNvPr>
+          <p:cNvSpPr>
+            <a:spLocks noGrp="1"/>
+          </p:cNvSpPr>
+          <p:nvPr>
+            <p:ph type="body" idx="1"/>
+          </p:nvPr>
+        </p:nvSpPr>
+        <p:spPr>
+          <a:xfrm>
+            <a:off x="798025" y="1370951"/>
+            <a:ext cx="7688700" cy="3726092"/>
+          </a:xfrm>
+        </p:spPr>
+        <p:txBody>
+          <a:bodyPr>
+            <a:normAutofit/>
+          </a:bodyPr>
+          <a:lstStyle/>
+          <a:p>
+            <a:pPr marL="146050" indent="0">
+              <a:buNone/>
+            </a:pPr>
+            <a:r>
+              <a:rPr lang="en-US" altLang="zh-CN" sz="1800" dirty="0"/>
+              <a:t>Problems: </a:t>
+            </a:r>
+          </a:p>
+          <a:p>
+            <a:r>
+              <a:rPr lang="en-US" altLang="zh-CN" sz="1800" dirty="0"/>
+              <a:t>High risks: Mission critical service shares resources with others</a:t>
+            </a:r>
+          </a:p>
+          <a:p>
+            <a:r>
+              <a:rPr lang="en-US" altLang="zh-CN" sz="1800" dirty="0"/>
+              <a:t>Slow cycles</a:t>
+            </a:r>
+          </a:p>
+          <a:p>
+            <a:endParaRPr lang="en-US" altLang="zh-CN" sz="1800" dirty="0"/>
+          </a:p>
+          <a:p>
+            <a:pPr marL="146050" indent="0">
+              <a:buNone/>
+            </a:pPr>
+            <a:r>
+              <a:rPr lang="en-US" altLang="zh-CN" sz="1800" dirty="0"/>
+              <a:t>Goals (within 9 months): </a:t>
+            </a:r>
+          </a:p>
+          <a:p>
+            <a:r>
+              <a:rPr lang="en-US" altLang="zh-CN" sz="1800" b="1" u="sng" dirty="0"/>
+              <a:t>Migration</a:t>
+            </a:r>
+            <a:r>
+              <a:rPr lang="en-US" altLang="zh-CN" sz="1800" dirty="0"/>
+              <a:t>: Build a brand new </a:t>
+            </a:r>
+            <a:r>
+              <a:rPr lang="en-US" altLang="zh-CN" sz="1800" dirty="0" err="1"/>
+              <a:t>AuthZ</a:t>
+            </a:r>
+            <a:r>
+              <a:rPr lang="en-US" altLang="zh-CN" sz="1800" dirty="0"/>
+              <a:t> service from scratch</a:t>
+            </a:r>
+          </a:p>
+          <a:p>
+            <a:r>
+              <a:rPr lang="en-US" altLang="zh-CN" sz="1800" b="1" u="sng" dirty="0"/>
+              <a:t>Governance</a:t>
+            </a:r>
+            <a:r>
+              <a:rPr lang="en-US" altLang="zh-CN" sz="1800" dirty="0"/>
+              <a:t>: Improve </a:t>
+            </a:r>
+            <a:r>
+              <a:rPr lang="en-US" altLang="zh-CN" sz="1800" dirty="0" err="1"/>
+              <a:t>AuthZ</a:t>
+            </a:r>
+            <a:r>
+              <a:rPr lang="en-US" altLang="zh-CN" sz="1800" dirty="0"/>
+              <a:t> service availability above 99.9%</a:t>
+            </a:r>
+          </a:p>
+          <a:p>
+            <a:pPr marL="146050" indent="0">
+              <a:buNone/>
+            </a:pPr>
+            <a:endParaRPr lang="en-US" altLang="zh-CN" sz="1800" dirty="0"/>
+          </a:p>
+        </p:txBody>
+      </p:sp>
+      <p:sp>
+        <p:nvSpPr>
+          <p:cNvPr id="4" name="Google Shape;104;p16">
+            <a:extLst>
+              <a:ext uri="{FF2B5EF4-FFF2-40B4-BE49-F238E27FC236}">
+                <a16:creationId xmlns:a16="http://schemas.microsoft.com/office/drawing/2014/main" id="{A8DDE8D3-A33D-CBEF-DE8A-3630AA81842E}"/>
+              </a:ext>
+            </a:extLst>
+          </p:cNvPr>
+          <p:cNvSpPr txBox="1">
+            <a:spLocks/>
+          </p:cNvSpPr>
+          <p:nvPr/>
+        </p:nvSpPr>
+        <p:spPr>
+          <a:xfrm>
+            <a:off x="798025" y="705250"/>
+            <a:ext cx="7688700" cy="535200"/>
+          </a:xfrm>
+          <a:prstGeom prst="rect">
+            <a:avLst/>
+          </a:prstGeom>
+          <a:noFill/>
+          <a:ln>
+            <a:noFill/>
+          </a:ln>
+        </p:spPr>
+        <p:txBody>
+          <a:bodyPr spcFirstLastPara="1" wrap="square" lIns="91425" tIns="91425" rIns="91425" bIns="91425" anchor="t" anchorCtr="0">
+            <a:normAutofit fontScale="97500" lnSpcReduction="10000"/>
+          </a:bodyPr>
+          <a:lstStyle>
+            <a:defPPr marR="0" lvl="0" algn="l" rtl="0">
+              <a:lnSpc>
+                <a:spcPct val="100000"/>
+              </a:lnSpc>
+              <a:spcBef>
+                <a:spcPts val="0"/>
+              </a:spcBef>
+              <a:spcAft>
+                <a:spcPts val="0"/>
+              </a:spcAft>
+            </a:defPPr>
+            <a:lvl1pPr marR="0" lvl="0" algn="l" rtl="0">
+              <a:lnSpc>
+                <a:spcPct val="100000"/>
+              </a:lnSpc>
+              <a:spcBef>
+                <a:spcPts val="0"/>
+              </a:spcBef>
+              <a:spcAft>
+                <a:spcPts val="0"/>
+              </a:spcAft>
+              <a:buClr>
+                <a:schemeClr val="dk2"/>
+              </a:buClr>
+              <a:buSzPts val="2600"/>
+              <a:buFont typeface="Raleway"/>
+              <a:buNone/>
+              <a:defRPr sz="2600" b="1" i="0" u="none" strike="noStrike" cap="none">
+                <a:solidFill>
+                  <a:schemeClr val="dk2"/>
+                </a:solidFill>
+                <a:latin typeface="Raleway"/>
+                <a:ea typeface="Raleway"/>
+                <a:cs typeface="Raleway"/>
+                <a:sym typeface="Raleway"/>
+              </a:defRPr>
+            </a:lvl1pPr>
+            <a:lvl2pPr marR="0" lvl="1" algn="l" rtl="0">
+              <a:lnSpc>
+                <a:spcPct val="100000"/>
+              </a:lnSpc>
+              <a:spcBef>
+                <a:spcPts val="0"/>
+              </a:spcBef>
+              <a:spcAft>
+                <a:spcPts val="0"/>
+              </a:spcAft>
+              <a:buClr>
+                <a:schemeClr val="dk2"/>
+              </a:buClr>
+              <a:buSzPts val="2600"/>
+              <a:buFont typeface="Raleway"/>
+              <a:buNone/>
+              <a:defRPr sz="2600" b="1" i="0" u="none" strike="noStrike" cap="none">
+                <a:solidFill>
+                  <a:schemeClr val="dk2"/>
+                </a:solidFill>
+                <a:latin typeface="Raleway"/>
+                <a:ea typeface="Raleway"/>
+                <a:cs typeface="Raleway"/>
+                <a:sym typeface="Raleway"/>
+              </a:defRPr>
+            </a:lvl2pPr>
+            <a:lvl3pPr marR="0" lvl="2" algn="l" rtl="0">
+              <a:lnSpc>
+                <a:spcPct val="100000"/>
+              </a:lnSpc>
+              <a:spcBef>
+                <a:spcPts val="0"/>
+              </a:spcBef>
+              <a:spcAft>
+                <a:spcPts val="0"/>
+              </a:spcAft>
+              <a:buClr>
+                <a:schemeClr val="dk2"/>
+              </a:buClr>
+              <a:buSzPts val="2600"/>
+              <a:buFont typeface="Raleway"/>
+              <a:buNone/>
+              <a:defRPr sz="2600" b="1" i="0" u="none" strike="noStrike" cap="none">
+                <a:solidFill>
+                  <a:schemeClr val="dk2"/>
+                </a:solidFill>
+                <a:latin typeface="Raleway"/>
+                <a:ea typeface="Raleway"/>
+                <a:cs typeface="Raleway"/>
+                <a:sym typeface="Raleway"/>
+              </a:defRPr>
+            </a:lvl3pPr>
+            <a:lvl4pPr marR="0" lvl="3" algn="l" rtl="0">
+              <a:lnSpc>
+                <a:spcPct val="100000"/>
+              </a:lnSpc>
+              <a:spcBef>
+                <a:spcPts val="0"/>
+              </a:spcBef>
+              <a:spcAft>
+                <a:spcPts val="0"/>
+              </a:spcAft>
+              <a:buClr>
+                <a:schemeClr val="dk2"/>
+              </a:buClr>
+              <a:buSzPts val="2600"/>
+              <a:buFont typeface="Raleway"/>
+              <a:buNone/>
+              <a:defRPr sz="2600" b="1" i="0" u="none" strike="noStrike" cap="none">
+                <a:solidFill>
+                  <a:schemeClr val="dk2"/>
+                </a:solidFill>
+                <a:latin typeface="Raleway"/>
+                <a:ea typeface="Raleway"/>
+                <a:cs typeface="Raleway"/>
+                <a:sym typeface="Raleway"/>
+              </a:defRPr>
+            </a:lvl4pPr>
+            <a:lvl5pPr marR="0" lvl="4" algn="l" rtl="0">
+              <a:lnSpc>
+                <a:spcPct val="100000"/>
+              </a:lnSpc>
+              <a:spcBef>
+                <a:spcPts val="0"/>
+              </a:spcBef>
+              <a:spcAft>
+                <a:spcPts val="0"/>
+              </a:spcAft>
+              <a:buClr>
+                <a:schemeClr val="dk2"/>
+              </a:buClr>
+              <a:buSzPts val="2600"/>
+              <a:buFont typeface="Raleway"/>
+              <a:buNone/>
+              <a:defRPr sz="2600" b="1" i="0" u="none" strike="noStrike" cap="none">
+                <a:solidFill>
+                  <a:schemeClr val="dk2"/>
+                </a:solidFill>
+                <a:latin typeface="Raleway"/>
+                <a:ea typeface="Raleway"/>
+                <a:cs typeface="Raleway"/>
+                <a:sym typeface="Raleway"/>
+              </a:defRPr>
+            </a:lvl5pPr>
+            <a:lvl6pPr marR="0" lvl="5" algn="l" rtl="0">
+              <a:lnSpc>
+                <a:spcPct val="100000"/>
+              </a:lnSpc>
+              <a:spcBef>
+                <a:spcPts val="0"/>
+              </a:spcBef>
+              <a:spcAft>
+                <a:spcPts val="0"/>
+              </a:spcAft>
+              <a:buClr>
+                <a:schemeClr val="dk2"/>
+              </a:buClr>
+              <a:buSzPts val="2600"/>
+              <a:buFont typeface="Raleway"/>
+              <a:buNone/>
+              <a:defRPr sz="2600" b="1" i="0" u="none" strike="noStrike" cap="none">
+                <a:solidFill>
+                  <a:schemeClr val="dk2"/>
+                </a:solidFill>
+                <a:latin typeface="Raleway"/>
+                <a:ea typeface="Raleway"/>
+                <a:cs typeface="Raleway"/>
+                <a:sym typeface="Raleway"/>
+              </a:defRPr>
+            </a:lvl6pPr>
+            <a:lvl7pPr marR="0" lvl="6" algn="l" rtl="0">
+              <a:lnSpc>
+                <a:spcPct val="100000"/>
+              </a:lnSpc>
+              <a:spcBef>
+                <a:spcPts val="0"/>
+              </a:spcBef>
+              <a:spcAft>
+                <a:spcPts val="0"/>
+              </a:spcAft>
+              <a:buClr>
+                <a:schemeClr val="dk2"/>
+              </a:buClr>
+              <a:buSzPts val="2600"/>
+              <a:buFont typeface="Raleway"/>
+              <a:buNone/>
+              <a:defRPr sz="2600" b="1" i="0" u="none" strike="noStrike" cap="none">
+                <a:solidFill>
+                  <a:schemeClr val="dk2"/>
+                </a:solidFill>
+                <a:latin typeface="Raleway"/>
+                <a:ea typeface="Raleway"/>
+                <a:cs typeface="Raleway"/>
+                <a:sym typeface="Raleway"/>
+              </a:defRPr>
+            </a:lvl7pPr>
+            <a:lvl8pPr marR="0" lvl="7" algn="l" rtl="0">
+              <a:lnSpc>
+                <a:spcPct val="100000"/>
+              </a:lnSpc>
+              <a:spcBef>
+                <a:spcPts val="0"/>
+              </a:spcBef>
+              <a:spcAft>
+                <a:spcPts val="0"/>
+              </a:spcAft>
+              <a:buClr>
+                <a:schemeClr val="dk2"/>
+              </a:buClr>
+              <a:buSzPts val="2600"/>
+              <a:buFont typeface="Raleway"/>
+              <a:buNone/>
+              <a:defRPr sz="2600" b="1" i="0" u="none" strike="noStrike" cap="none">
+                <a:solidFill>
+                  <a:schemeClr val="dk2"/>
+                </a:solidFill>
+                <a:latin typeface="Raleway"/>
+                <a:ea typeface="Raleway"/>
+                <a:cs typeface="Raleway"/>
+                <a:sym typeface="Raleway"/>
+              </a:defRPr>
+            </a:lvl8pPr>
+            <a:lvl9pPr marR="0" lvl="8" algn="l" rtl="0">
+              <a:lnSpc>
+                <a:spcPct val="100000"/>
+              </a:lnSpc>
+              <a:spcBef>
+                <a:spcPts val="0"/>
+              </a:spcBef>
+              <a:spcAft>
+                <a:spcPts val="0"/>
+              </a:spcAft>
+              <a:buClr>
+                <a:schemeClr val="dk2"/>
+              </a:buClr>
+              <a:buSzPts val="2600"/>
+              <a:buFont typeface="Raleway"/>
+              <a:buNone/>
+              <a:defRPr sz="2600" b="1" i="0" u="none" strike="noStrike" cap="none">
+                <a:solidFill>
+                  <a:schemeClr val="dk2"/>
+                </a:solidFill>
+                <a:latin typeface="Raleway"/>
+                <a:ea typeface="Raleway"/>
+                <a:cs typeface="Raleway"/>
+                <a:sym typeface="Raleway"/>
+              </a:defRPr>
+            </a:lvl9pPr>
+          </a:lstStyle>
+          <a:p>
+            <a:r>
+              <a:rPr lang="en-US" dirty="0"/>
+              <a:t>Goals</a:t>
+            </a:r>
+          </a:p>
+        </p:txBody>
+      </p:sp>
+    </p:spTree>
+    <p:extLst>
+      <p:ext uri="{BB962C8B-B14F-4D97-AF65-F5344CB8AC3E}">
+        <p14:creationId xmlns:p14="http://schemas.microsoft.com/office/powerpoint/2010/main" val="2071558834"/>
+      </p:ext>
+    </p:extLst>
+  </p:cSld>
+  <p:clrMapOvr>
+    <a:masterClrMapping/>
+  </p:clrMapOvr>
+</p:sld>
+</file>
+
+<file path=ppt/slides/slide5.xml><?xml version="1.0" encoding="utf-8"?>
+<p:sld xmlns:a="http://schemas.openxmlformats.org/drawingml/2006/main" xmlns:r="http://schemas.openxmlformats.org/officeDocument/2006/relationships" xmlns:p="http://schemas.openxmlformats.org/presentationml/2006/main">
+  <p:cSld>
+    <p:spTree>
+      <p:nvGrpSpPr>
+        <p:cNvPr id="1" name="Shape 103"/>
+        <p:cNvGrpSpPr/>
+        <p:nvPr/>
+      </p:nvGrpSpPr>
+      <p:grpSpPr>
+        <a:xfrm>
+          <a:off x="0" y="0"/>
+          <a:ext cx="0" cy="0"/>
+          <a:chOff x="0" y="0"/>
+          <a:chExt cx="0" cy="0"/>
+        </a:xfrm>
+      </p:grpSpPr>
+      <p:sp>
+        <p:nvSpPr>
+          <p:cNvPr id="104" name="Google Shape;104;p16"/>
+          <p:cNvSpPr txBox="1">
+            <a:spLocks noGrp="1"/>
+          </p:cNvSpPr>
+          <p:nvPr>
+            <p:ph type="title"/>
+          </p:nvPr>
+        </p:nvSpPr>
+        <p:spPr>
+          <a:xfrm>
+            <a:off x="798025" y="705250"/>
+            <a:ext cx="7688700" cy="535200"/>
+          </a:xfrm>
+          <a:prstGeom prst="rect">
+            <a:avLst/>
+          </a:prstGeom>
+        </p:spPr>
+        <p:txBody>
+          <a:bodyPr spcFirstLastPara="1" wrap="square" lIns="91425" tIns="91425" rIns="91425" bIns="91425" anchor="t" anchorCtr="0">
+            <a:normAutofit fontScale="90000"/>
+          </a:bodyPr>
+          <a:lstStyle/>
+          <a:p>
+            <a:pPr marL="107950" lvl="0" algn="l" rtl="0">
+              <a:spcBef>
+                <a:spcPts val="0"/>
+              </a:spcBef>
+              <a:spcAft>
+                <a:spcPts val="0"/>
+              </a:spcAft>
+              <a:buSzPts val="1900"/>
+            </a:pPr>
+            <a:r>
+              <a:rPr lang="en-US" altLang="zh-CN" sz="2800" dirty="0" err="1">
+                <a:solidFill>
+                  <a:schemeClr val="bg2"/>
+                </a:solidFill>
+              </a:rPr>
+              <a:t>AuthZ</a:t>
+            </a:r>
+            <a:r>
+              <a:rPr lang="en-US" altLang="zh-CN" sz="2800" dirty="0">
+                <a:solidFill>
+                  <a:schemeClr val="bg2"/>
+                </a:solidFill>
+              </a:rPr>
+              <a:t> project context</a:t>
+            </a:r>
+          </a:p>
+        </p:txBody>
+      </p:sp>
+      <p:pic>
+        <p:nvPicPr>
+          <p:cNvPr id="5" name="图片 4">
+            <a:extLst>
+              <a:ext uri="{FF2B5EF4-FFF2-40B4-BE49-F238E27FC236}">
+                <a16:creationId xmlns:a16="http://schemas.microsoft.com/office/drawing/2014/main" id="{7EA4974E-9932-E301-5FFB-6B4A3E6C11FD}"/>
+              </a:ext>
+            </a:extLst>
+          </p:cNvPr>
+          <p:cNvPicPr>
+            <a:picLocks noChangeAspect="1"/>
+          </p:cNvPicPr>
+          <p:nvPr/>
+        </p:nvPicPr>
+        <p:blipFill>
+          <a:blip r:embed="rId3"/>
+          <a:stretch>
+            <a:fillRect/>
+          </a:stretch>
+        </p:blipFill>
+        <p:spPr>
+          <a:xfrm>
+            <a:off x="536842" y="1240450"/>
+            <a:ext cx="8229599" cy="3894331"/>
+          </a:xfrm>
+          <a:prstGeom prst="rect">
+            <a:avLst/>
+          </a:prstGeom>
+        </p:spPr>
+      </p:pic>
+    </p:spTree>
+    <p:extLst>
+      <p:ext uri="{BB962C8B-B14F-4D97-AF65-F5344CB8AC3E}">
+        <p14:creationId xmlns:p14="http://schemas.microsoft.com/office/powerpoint/2010/main" val="2683783362"/>
+      </p:ext>
+    </p:extLst>
+  </p:cSld>
+  <p:clrMapOvr>
+    <a:masterClrMapping/>
+  </p:clrMapOvr>
+</p:sld>
+</file>
+
+<file path=ppt/slides/slide6.xml><?xml version="1.0" encoding="utf-8"?>
+<p:sld xmlns:a="http://schemas.openxmlformats.org/drawingml/2006/main" xmlns:r="http://schemas.openxmlformats.org/officeDocument/2006/relationships" xmlns:p="http://schemas.openxmlformats.org/presentationml/2006/main">
+  <p:cSld>
+    <p:spTree>
+      <p:nvGrpSpPr>
+        <p:cNvPr id="1" name="Shape 103"/>
+        <p:cNvGrpSpPr/>
+        <p:nvPr/>
+      </p:nvGrpSpPr>
+      <p:grpSpPr>
+        <a:xfrm>
+          <a:off x="0" y="0"/>
+          <a:ext cx="0" cy="0"/>
+          <a:chOff x="0" y="0"/>
+          <a:chExt cx="0" cy="0"/>
+        </a:xfrm>
+      </p:grpSpPr>
+      <p:sp>
+        <p:nvSpPr>
+          <p:cNvPr id="104" name="Google Shape;104;p16"/>
+          <p:cNvSpPr txBox="1">
+            <a:spLocks noGrp="1"/>
+          </p:cNvSpPr>
+          <p:nvPr>
+            <p:ph type="title"/>
+          </p:nvPr>
+        </p:nvSpPr>
+        <p:spPr>
+          <a:xfrm>
+            <a:off x="798025" y="705250"/>
+            <a:ext cx="7688700" cy="535200"/>
+          </a:xfrm>
+          <a:prstGeom prst="rect">
+            <a:avLst/>
+          </a:prstGeom>
+        </p:spPr>
+        <p:txBody>
+          <a:bodyPr spcFirstLastPara="1" wrap="square" lIns="91425" tIns="91425" rIns="91425" bIns="91425" anchor="t" anchorCtr="0">
+            <a:normAutofit fontScale="90000"/>
+          </a:bodyPr>
+          <a:lstStyle/>
+          <a:p>
+            <a:pPr marL="107950" lvl="0" algn="l" rtl="0">
+              <a:spcBef>
+                <a:spcPts val="0"/>
+              </a:spcBef>
+              <a:spcAft>
+                <a:spcPts val="0"/>
+              </a:spcAft>
+              <a:buSzPts val="1900"/>
+            </a:pPr>
+            <a:r>
+              <a:rPr lang="en-US" altLang="zh-CN" sz="2800" dirty="0" err="1">
+                <a:solidFill>
+                  <a:schemeClr val="bg2"/>
+                </a:solidFill>
+              </a:rPr>
+              <a:t>AuthZ</a:t>
+            </a:r>
+            <a:r>
+              <a:rPr lang="en-US" altLang="zh-CN" sz="2800" dirty="0">
+                <a:solidFill>
+                  <a:schemeClr val="bg2"/>
+                </a:solidFill>
+              </a:rPr>
+              <a:t> project context</a:t>
+            </a:r>
+          </a:p>
+        </p:txBody>
+      </p:sp>
+      <p:pic>
+        <p:nvPicPr>
+          <p:cNvPr id="12" name="图片 11">
+            <a:extLst>
+              <a:ext uri="{FF2B5EF4-FFF2-40B4-BE49-F238E27FC236}">
+                <a16:creationId xmlns:a16="http://schemas.microsoft.com/office/drawing/2014/main" id="{B2A5BF6F-EA68-A537-68AA-3C1E4CEEC3C3}"/>
+              </a:ext>
+            </a:extLst>
+          </p:cNvPr>
+          <p:cNvPicPr>
+            <a:picLocks noChangeAspect="1"/>
+          </p:cNvPicPr>
+          <p:nvPr/>
+        </p:nvPicPr>
+        <p:blipFill>
+          <a:blip r:embed="rId3"/>
+          <a:stretch>
+            <a:fillRect/>
+          </a:stretch>
+        </p:blipFill>
+        <p:spPr>
+          <a:xfrm>
+            <a:off x="743319" y="1263191"/>
+            <a:ext cx="7912647" cy="3880310"/>
+          </a:xfrm>
+          <a:prstGeom prst="rect">
+            <a:avLst/>
+          </a:prstGeom>
+        </p:spPr>
+      </p:pic>
+    </p:spTree>
+    <p:extLst>
+      <p:ext uri="{BB962C8B-B14F-4D97-AF65-F5344CB8AC3E}">
+        <p14:creationId xmlns:p14="http://schemas.microsoft.com/office/powerpoint/2010/main" val="3079648786"/>
+      </p:ext>
+    </p:extLst>
+  </p:cSld>
+  <p:clrMapOvr>
+    <a:masterClrMapping/>
+  </p:clrMapOvr>
+</p:sld>
+</file>
+
+<file path=ppt/slides/slide7.xml><?xml version="1.0" encoding="utf-8"?>
+<p:sld xmlns:a="http://schemas.openxmlformats.org/drawingml/2006/main" xmlns:r="http://schemas.openxmlformats.org/officeDocument/2006/relationships" xmlns:p="http://schemas.openxmlformats.org/presentationml/2006/main">
+  <p:cSld>
+    <p:spTree>
+      <p:nvGrpSpPr>
+        <p:cNvPr id="1" name="Shape 103"/>
+        <p:cNvGrpSpPr/>
+        <p:nvPr/>
+      </p:nvGrpSpPr>
+      <p:grpSpPr>
+        <a:xfrm>
+          <a:off x="0" y="0"/>
+          <a:ext cx="0" cy="0"/>
+          <a:chOff x="0" y="0"/>
+          <a:chExt cx="0" cy="0"/>
+        </a:xfrm>
+      </p:grpSpPr>
+      <p:sp>
+        <p:nvSpPr>
+          <p:cNvPr id="104" name="Google Shape;104;p16"/>
+          <p:cNvSpPr txBox="1">
+            <a:spLocks noGrp="1"/>
+          </p:cNvSpPr>
+          <p:nvPr>
+            <p:ph type="title"/>
+          </p:nvPr>
+        </p:nvSpPr>
+        <p:spPr>
+          <a:xfrm>
+            <a:off x="88491" y="477847"/>
+            <a:ext cx="7688700" cy="535200"/>
+          </a:xfrm>
+          <a:prstGeom prst="rect">
+            <a:avLst/>
+          </a:prstGeom>
+        </p:spPr>
+        <p:txBody>
+          <a:bodyPr spcFirstLastPara="1" wrap="square" lIns="91425" tIns="91425" rIns="91425" bIns="91425" anchor="t" anchorCtr="0">
+            <a:normAutofit fontScale="90000"/>
+          </a:bodyPr>
+          <a:lstStyle/>
+          <a:p>
+            <a:pPr marL="107950" lvl="0" algn="l" rtl="0">
+              <a:spcBef>
+                <a:spcPts val="0"/>
+              </a:spcBef>
+              <a:spcAft>
+                <a:spcPts val="0"/>
+              </a:spcAft>
+              <a:buSzPts val="1900"/>
+            </a:pPr>
+            <a:r>
+              <a:rPr lang="en-US" altLang="zh-CN" sz="2800" dirty="0">
+                <a:solidFill>
+                  <a:schemeClr val="bg2"/>
+                </a:solidFill>
+              </a:rPr>
+              <a:t>Project outline</a:t>
+            </a:r>
+          </a:p>
+        </p:txBody>
+      </p:sp>
+      <p:pic>
+        <p:nvPicPr>
+          <p:cNvPr id="9" name="图片 8">
+            <a:extLst>
+              <a:ext uri="{FF2B5EF4-FFF2-40B4-BE49-F238E27FC236}">
+                <a16:creationId xmlns:a16="http://schemas.microsoft.com/office/drawing/2014/main" id="{37AA0823-FF98-E7B3-4586-EC41FBD128BA}"/>
+              </a:ext>
+            </a:extLst>
+          </p:cNvPr>
+          <p:cNvPicPr>
+            <a:picLocks noChangeAspect="1"/>
+          </p:cNvPicPr>
+          <p:nvPr/>
+        </p:nvPicPr>
+        <p:blipFill>
+          <a:blip r:embed="rId3"/>
+          <a:stretch>
+            <a:fillRect/>
+          </a:stretch>
+        </p:blipFill>
+        <p:spPr>
+          <a:xfrm>
+            <a:off x="0" y="1013048"/>
+            <a:ext cx="9144000" cy="4026350"/>
+          </a:xfrm>
+          <a:prstGeom prst="rect">
+            <a:avLst/>
+          </a:prstGeom>
+        </p:spPr>
+      </p:pic>
+      <p:pic>
+        <p:nvPicPr>
+          <p:cNvPr id="11" name="图片 10">
+            <a:extLst>
+              <a:ext uri="{FF2B5EF4-FFF2-40B4-BE49-F238E27FC236}">
+                <a16:creationId xmlns:a16="http://schemas.microsoft.com/office/drawing/2014/main" id="{D0D85AD6-EDAF-54A7-8A0A-9C4193DCFF40}"/>
+              </a:ext>
+            </a:extLst>
+          </p:cNvPr>
+          <p:cNvPicPr>
+            <a:picLocks noChangeAspect="1"/>
+          </p:cNvPicPr>
+          <p:nvPr/>
+        </p:nvPicPr>
+        <p:blipFill>
+          <a:blip r:embed="rId4"/>
+          <a:stretch>
+            <a:fillRect/>
+          </a:stretch>
+        </p:blipFill>
+        <p:spPr>
+          <a:xfrm>
+            <a:off x="88491" y="866990"/>
+            <a:ext cx="1047804" cy="292115"/>
+          </a:xfrm>
+          <a:prstGeom prst="rect">
+            <a:avLst/>
+          </a:prstGeom>
+        </p:spPr>
+      </p:pic>
+    </p:spTree>
+    <p:extLst>
+      <p:ext uri="{BB962C8B-B14F-4D97-AF65-F5344CB8AC3E}">
+        <p14:creationId xmlns:p14="http://schemas.microsoft.com/office/powerpoint/2010/main" val="671080316"/>
+      </p:ext>
+    </p:extLst>
+  </p:cSld>
+  <p:clrMapOvr>
+    <a:masterClrMapping/>
+  </p:clrMapOvr>
+</p:sld>
+</file>
+
+<file path=ppt/slides/slide8.xml><?xml version="1.0" encoding="utf-8"?>
+<p:sld xmlns:a="http://schemas.openxmlformats.org/drawingml/2006/main" xmlns:r="http://schemas.openxmlformats.org/officeDocument/2006/relationships" xmlns:p="http://schemas.openxmlformats.org/presentationml/2006/main">
+  <p:cSld>
+    <p:spTree>
+      <p:nvGrpSpPr>
+        <p:cNvPr id="1" name="Shape 97"/>
+        <p:cNvGrpSpPr/>
+        <p:nvPr/>
+      </p:nvGrpSpPr>
+      <p:grpSpPr>
+        <a:xfrm>
+          <a:off x="0" y="0"/>
+          <a:ext cx="0" cy="0"/>
+          <a:chOff x="0" y="0"/>
+          <a:chExt cx="0" cy="0"/>
+        </a:xfrm>
+      </p:grpSpPr>
+      <p:sp>
+        <p:nvSpPr>
+          <p:cNvPr id="98" name="Google Shape;98;p15"/>
+          <p:cNvSpPr txBox="1">
+            <a:spLocks noGrp="1"/>
+          </p:cNvSpPr>
+          <p:nvPr>
+            <p:ph type="title"/>
+          </p:nvPr>
+        </p:nvSpPr>
+        <p:spPr>
+          <a:xfrm>
+            <a:off x="729450" y="599275"/>
+            <a:ext cx="7688700" cy="535200"/>
+          </a:xfrm>
+          <a:prstGeom prst="rect">
+            <a:avLst/>
+          </a:prstGeom>
+        </p:spPr>
+        <p:txBody>
+          <a:bodyPr spcFirstLastPara="1" wrap="square" lIns="91425" tIns="91425" rIns="91425" bIns="91425" anchor="t" anchorCtr="0">
+            <a:normAutofit fontScale="90000"/>
+          </a:bodyPr>
+          <a:lstStyle/>
+          <a:p>
+            <a:pPr marL="0" lvl="0" indent="0" algn="l" rtl="0">
+              <a:spcBef>
+                <a:spcPts val="0"/>
+              </a:spcBef>
+              <a:spcAft>
+                <a:spcPts val="0"/>
+              </a:spcAft>
+              <a:buNone/>
+            </a:pPr>
+            <a:r>
+              <a:rPr lang="en-US" altLang="zh-CN" dirty="0"/>
+              <a:t>Agenda</a:t>
+            </a:r>
+            <a:endParaRPr dirty="0"/>
+          </a:p>
+        </p:txBody>
+      </p:sp>
+      <p:sp>
+        <p:nvSpPr>
+          <p:cNvPr id="99" name="Google Shape;99;p15"/>
+          <p:cNvSpPr txBox="1">
+            <a:spLocks noGrp="1"/>
+          </p:cNvSpPr>
+          <p:nvPr>
+            <p:ph type="body" idx="1"/>
+          </p:nvPr>
+        </p:nvSpPr>
+        <p:spPr>
+          <a:xfrm>
+            <a:off x="729450" y="1441200"/>
+            <a:ext cx="7688700" cy="3498600"/>
+          </a:xfrm>
+          <a:prstGeom prst="rect">
+            <a:avLst/>
+          </a:prstGeom>
+        </p:spPr>
+        <p:txBody>
+          <a:bodyPr spcFirstLastPara="1" wrap="square" lIns="91425" tIns="91425" rIns="91425" bIns="91425" anchor="t" anchorCtr="0">
+            <a:noAutofit/>
+          </a:bodyPr>
+          <a:lstStyle/>
+          <a:p>
+            <a:pPr marL="457200" lvl="0" indent="-349250" algn="l" rtl="0">
+              <a:spcBef>
+                <a:spcPts val="0"/>
+              </a:spcBef>
+              <a:spcAft>
+                <a:spcPts val="0"/>
+              </a:spcAft>
+              <a:buSzPts val="1900"/>
+              <a:buChar char="●"/>
+            </a:pPr>
+            <a:r>
+              <a:rPr lang="en-US" altLang="zh-CN" sz="2000" dirty="0">
+                <a:solidFill>
+                  <a:schemeClr val="bg2"/>
+                </a:solidFill>
+              </a:rPr>
+              <a:t>Experiences</a:t>
+            </a:r>
+          </a:p>
+          <a:p>
+            <a:pPr indent="-349250">
+              <a:buSzPts val="1900"/>
+            </a:pPr>
+            <a:r>
+              <a:rPr lang="en-US" altLang="zh-CN" sz="2000" dirty="0">
+                <a:solidFill>
+                  <a:schemeClr val="bg2"/>
+                </a:solidFill>
+              </a:rPr>
+              <a:t>Goals</a:t>
+            </a:r>
+          </a:p>
+          <a:p>
+            <a:pPr indent="-349250">
+              <a:buSzPts val="1900"/>
+            </a:pPr>
+            <a:r>
+              <a:rPr lang="en-US" altLang="zh-CN" sz="2000" dirty="0">
+                <a:solidFill>
+                  <a:schemeClr val="bg2"/>
+                </a:solidFill>
+              </a:rPr>
+              <a:t>Highlights in service migration</a:t>
+            </a:r>
+          </a:p>
+          <a:p>
+            <a:pPr indent="-349250">
+              <a:buSzPts val="1900"/>
+            </a:pPr>
+            <a:r>
+              <a:rPr lang="en-US" altLang="zh-CN" sz="2000" dirty="0">
+                <a:solidFill>
+                  <a:schemeClr val="bg2"/>
+                </a:solidFill>
+              </a:rPr>
+              <a:t>Highlights in service</a:t>
+            </a:r>
+            <a:r>
+              <a:rPr lang="zh-CN" altLang="en-US" sz="2000" dirty="0">
+                <a:solidFill>
+                  <a:schemeClr val="bg2"/>
+                </a:solidFill>
+              </a:rPr>
+              <a:t> </a:t>
+            </a:r>
+            <a:r>
+              <a:rPr lang="en-US" altLang="zh-CN" sz="2000" dirty="0">
+                <a:solidFill>
+                  <a:schemeClr val="bg2"/>
+                </a:solidFill>
+              </a:rPr>
+              <a:t>governance</a:t>
+            </a:r>
+          </a:p>
+          <a:p>
+            <a:pPr marL="457200" lvl="0" indent="-349250" algn="l" rtl="0">
+              <a:spcBef>
+                <a:spcPts val="0"/>
+              </a:spcBef>
+              <a:spcAft>
+                <a:spcPts val="0"/>
+              </a:spcAft>
+              <a:buSzPts val="1900"/>
+              <a:buChar char="●"/>
+            </a:pPr>
+            <a:r>
+              <a:rPr lang="en-US" sz="2000" dirty="0">
+                <a:solidFill>
+                  <a:schemeClr val="bg2"/>
+                </a:solidFill>
+              </a:rPr>
+              <a:t>Summary</a:t>
+            </a:r>
+          </a:p>
+        </p:txBody>
+      </p:sp>
+    </p:spTree>
+    <p:extLst>
+      <p:ext uri="{BB962C8B-B14F-4D97-AF65-F5344CB8AC3E}">
+        <p14:creationId xmlns:p14="http://schemas.microsoft.com/office/powerpoint/2010/main" val="4072973506"/>
+      </p:ext>
+    </p:extLst>
+  </p:cSld>
+  <p:clrMapOvr>
+    <a:masterClrMapping/>
+  </p:clrMapOvr>
+</p:sld>
+</file>
+
+<file path=ppt/slides/slide9.xml><?xml version="1.0" encoding="utf-8"?>
+<p:sld xmlns:a="http://schemas.openxmlformats.org/drawingml/2006/main" xmlns:r="http://schemas.openxmlformats.org/officeDocument/2006/relationships" xmlns:p="http://schemas.openxmlformats.org/presentationml/2006/main">
+  <p:cSld>
+    <p:spTree>
+      <p:nvGrpSpPr>
+        <p:cNvPr id="1" name="Shape 110">
+          <a:extLst>
+            <a:ext uri="{FF2B5EF4-FFF2-40B4-BE49-F238E27FC236}">
+              <a16:creationId xmlns:a16="http://schemas.microsoft.com/office/drawing/2014/main" id="{922F6965-8384-7020-F5F1-AD58C59AD59A}"/>
+            </a:ext>
+          </a:extLst>
+        </p:cNvPr>
+        <p:cNvGrpSpPr/>
+        <p:nvPr/>
+      </p:nvGrpSpPr>
+      <p:grpSpPr>
+        <a:xfrm>
+          <a:off x="0" y="0"/>
+          <a:ext cx="0" cy="0"/>
+          <a:chOff x="0" y="0"/>
+          <a:chExt cx="0" cy="0"/>
+        </a:xfrm>
+      </p:grpSpPr>
+      <p:sp>
+        <p:nvSpPr>
+          <p:cNvPr id="111" name="Google Shape;111;p17">
+            <a:extLst>
+              <a:ext uri="{FF2B5EF4-FFF2-40B4-BE49-F238E27FC236}">
+                <a16:creationId xmlns:a16="http://schemas.microsoft.com/office/drawing/2014/main" id="{7C18B129-D233-2FD9-0FAB-24A33F98A01C}"/>
+              </a:ext>
+            </a:extLst>
+          </p:cNvPr>
+          <p:cNvSpPr txBox="1">
+            <a:spLocks noGrp="1"/>
+          </p:cNvSpPr>
+          <p:nvPr>
+            <p:ph type="title"/>
+          </p:nvPr>
+        </p:nvSpPr>
+        <p:spPr>
+          <a:xfrm>
+            <a:off x="798025" y="705250"/>
+            <a:ext cx="7688700" cy="535200"/>
+          </a:xfrm>
+          <a:prstGeom prst="rect">
+            <a:avLst/>
+          </a:prstGeom>
+        </p:spPr>
+        <p:txBody>
+          <a:bodyPr spcFirstLastPara="1" wrap="square" lIns="91425" tIns="91425" rIns="91425" bIns="91425" anchor="t" anchorCtr="0">
+            <a:normAutofit fontScale="90000"/>
+          </a:bodyPr>
+          <a:lstStyle/>
+          <a:p>
+            <a:r>
+              <a:rPr lang="en-US" altLang="zh-CN" sz="2800" dirty="0"/>
+              <a:t>Service migration</a:t>
+            </a:r>
+          </a:p>
+        </p:txBody>
+      </p:sp>
+      <p:sp>
+        <p:nvSpPr>
+          <p:cNvPr id="3" name="文本占位符 2">
+            <a:extLst>
+              <a:ext uri="{FF2B5EF4-FFF2-40B4-BE49-F238E27FC236}">
+                <a16:creationId xmlns:a16="http://schemas.microsoft.com/office/drawing/2014/main" id="{A8D88288-E5F9-ED2A-DBDF-4AB0A88DAEB4}"/>
+              </a:ext>
+            </a:extLst>
+          </p:cNvPr>
+          <p:cNvSpPr>
+            <a:spLocks noGrp="1"/>
+          </p:cNvSpPr>
+          <p:nvPr>
+            <p:ph type="body" idx="1"/>
+          </p:nvPr>
+        </p:nvSpPr>
+        <p:spPr>
+          <a:xfrm>
+            <a:off x="727650" y="1489244"/>
+            <a:ext cx="8357356" cy="3188943"/>
+          </a:xfrm>
+        </p:spPr>
+        <p:txBody>
+          <a:bodyPr>
+            <a:normAutofit/>
+          </a:bodyPr>
+          <a:lstStyle/>
+          <a:p>
+            <a:r>
+              <a:rPr lang="en-US" altLang="zh-CN" sz="2400" dirty="0">
+                <a:solidFill>
+                  <a:schemeClr val="bg2"/>
+                </a:solidFill>
+              </a:rPr>
+              <a:t>Challenges: </a:t>
+            </a:r>
+          </a:p>
+          <a:p>
+            <a:pPr lvl="1"/>
+            <a:r>
+              <a:rPr lang="en-US" altLang="zh-CN" sz="1800" dirty="0">
+                <a:solidFill>
+                  <a:schemeClr val="bg2"/>
+                </a:solidFill>
+              </a:rPr>
+              <a:t>Mission critical service with complex business logic (~3K RPS globally)</a:t>
+            </a:r>
+          </a:p>
+          <a:p>
+            <a:pPr lvl="1"/>
+            <a:r>
+              <a:rPr lang="en-US" altLang="zh-CN" sz="1800" dirty="0">
+                <a:solidFill>
+                  <a:schemeClr val="bg2"/>
+                </a:solidFill>
+              </a:rPr>
+              <a:t>Limited test coverage inside monolithic app</a:t>
+            </a:r>
+          </a:p>
+          <a:p>
+            <a:pPr marL="615950" lvl="1" indent="0">
+              <a:buNone/>
+            </a:pPr>
+            <a:endParaRPr lang="en-US" altLang="zh-CN" dirty="0">
+              <a:solidFill>
+                <a:schemeClr val="bg2"/>
+              </a:solidFill>
+            </a:endParaRPr>
+          </a:p>
+          <a:p>
+            <a:r>
+              <a:rPr lang="en-US" altLang="zh-CN" sz="2400" dirty="0">
+                <a:solidFill>
+                  <a:schemeClr val="bg2"/>
+                </a:solidFill>
+              </a:rPr>
+              <a:t>Verification methods:</a:t>
+            </a:r>
+          </a:p>
+          <a:p>
+            <a:pPr lvl="1"/>
+            <a:r>
+              <a:rPr lang="en-US" altLang="zh-CN" sz="1800" dirty="0">
+                <a:solidFill>
+                  <a:schemeClr val="bg2"/>
+                </a:solidFill>
+              </a:rPr>
+              <a:t>Unit test, component test</a:t>
+            </a:r>
+          </a:p>
+          <a:p>
+            <a:pPr lvl="1"/>
+            <a:r>
+              <a:rPr lang="en-US" altLang="zh-CN" sz="1800" dirty="0">
+                <a:solidFill>
+                  <a:schemeClr val="bg2"/>
+                </a:solidFill>
+              </a:rPr>
+              <a:t>Canary release </a:t>
+            </a:r>
+          </a:p>
+          <a:p>
+            <a:pPr lvl="1"/>
+            <a:r>
+              <a:rPr lang="en-US" altLang="zh-CN" sz="1800" dirty="0">
+                <a:solidFill>
+                  <a:schemeClr val="bg2"/>
+                </a:solidFill>
+              </a:rPr>
+              <a:t>Real traffic verification</a:t>
+            </a:r>
+          </a:p>
+          <a:p>
+            <a:pPr lvl="1"/>
+            <a:endParaRPr lang="en-US" altLang="zh-CN" dirty="0"/>
+          </a:p>
+          <a:p>
+            <a:pPr marL="615950" lvl="1" indent="0">
+              <a:buNone/>
+            </a:pPr>
+            <a:endParaRPr lang="zh-CN" altLang="en-US" dirty="0"/>
+          </a:p>
+        </p:txBody>
+      </p:sp>
+    </p:spTree>
+    <p:extLst>
+      <p:ext uri="{BB962C8B-B14F-4D97-AF65-F5344CB8AC3E}">
+        <p14:creationId xmlns:p14="http://schemas.microsoft.com/office/powerpoint/2010/main" val="2488277110"/>
       </p:ext>
     </p:extLst>
   </p:cSld>

--- a/ExperiencesTalks/AuthzServiceMigration.pptx
+++ b/ExperiencesTalks/AuthzServiceMigration.pptx
@@ -5,7 +5,7 @@
     <p:sldMasterId id="2147483659" r:id="rId1"/>
   </p:sldMasterIdLst>
   <p:notesMasterIdLst>
-    <p:notesMasterId r:id="rId23"/>
+    <p:notesMasterId r:id="rId22"/>
   </p:notesMasterIdLst>
   <p:sldIdLst>
     <p:sldId id="256" r:id="rId2"/>
@@ -26,26 +26,25 @@
     <p:sldId id="298" r:id="rId17"/>
     <p:sldId id="296" r:id="rId18"/>
     <p:sldId id="299" r:id="rId19"/>
-    <p:sldId id="300" r:id="rId20"/>
-    <p:sldId id="305" r:id="rId21"/>
-    <p:sldId id="281" r:id="rId22"/>
+    <p:sldId id="305" r:id="rId20"/>
+    <p:sldId id="281" r:id="rId21"/>
   </p:sldIdLst>
   <p:sldSz cx="9144000" cy="5143500" type="screen16x9"/>
   <p:notesSz cx="6858000" cy="9144000"/>
   <p:embeddedFontLst>
     <p:embeddedFont>
       <p:font typeface="Lato" panose="020F0502020204030203" pitchFamily="34" charset="0"/>
-      <p:regular r:id="rId24"/>
-      <p:bold r:id="rId25"/>
-      <p:italic r:id="rId26"/>
-      <p:boldItalic r:id="rId27"/>
+      <p:regular r:id="rId23"/>
+      <p:bold r:id="rId24"/>
+      <p:italic r:id="rId25"/>
+      <p:boldItalic r:id="rId26"/>
     </p:embeddedFont>
     <p:embeddedFont>
       <p:font typeface="Raleway" pitchFamily="2" charset="0"/>
-      <p:regular r:id="rId28"/>
-      <p:bold r:id="rId29"/>
-      <p:italic r:id="rId30"/>
-      <p:boldItalic r:id="rId31"/>
+      <p:regular r:id="rId27"/>
+      <p:bold r:id="rId28"/>
+      <p:italic r:id="rId29"/>
+      <p:boldItalic r:id="rId30"/>
     </p:embeddedFont>
   </p:embeddedFontLst>
   <p:defaultTextStyle>
@@ -1223,6 +1222,141 @@
 </file>
 
 <file path=ppt/notesSlides/notesSlide13.xml><?xml version="1.0" encoding="utf-8"?>
+<p:notes xmlns:a="http://schemas.openxmlformats.org/drawingml/2006/main" xmlns:r="http://schemas.openxmlformats.org/officeDocument/2006/relationships" xmlns:p="http://schemas.openxmlformats.org/presentationml/2006/main">
+  <p:cSld>
+    <p:spTree>
+      <p:nvGrpSpPr>
+        <p:cNvPr id="1" name=""/>
+        <p:cNvGrpSpPr/>
+        <p:nvPr/>
+      </p:nvGrpSpPr>
+      <p:grpSpPr>
+        <a:xfrm>
+          <a:off x="0" y="0"/>
+          <a:ext cx="0" cy="0"/>
+          <a:chOff x="0" y="0"/>
+          <a:chExt cx="0" cy="0"/>
+        </a:xfrm>
+      </p:grpSpPr>
+      <p:sp>
+        <p:nvSpPr>
+          <p:cNvPr id="2" name="幻灯片图像占位符 1"/>
+          <p:cNvSpPr>
+            <a:spLocks noGrp="1" noRot="1" noChangeAspect="1"/>
+          </p:cNvSpPr>
+          <p:nvPr>
+            <p:ph type="sldImg"/>
+          </p:nvPr>
+        </p:nvSpPr>
+        <p:spPr>
+          <a:xfrm>
+            <a:off x="381000" y="685800"/>
+            <a:ext cx="6096000" cy="3429000"/>
+          </a:xfrm>
+        </p:spPr>
+      </p:sp>
+      <p:sp>
+        <p:nvSpPr>
+          <p:cNvPr id="3" name="备注占位符 2"/>
+          <p:cNvSpPr>
+            <a:spLocks noGrp="1"/>
+          </p:cNvSpPr>
+          <p:nvPr>
+            <p:ph type="body" idx="1"/>
+          </p:nvPr>
+        </p:nvSpPr>
+        <p:spPr/>
+        <p:txBody>
+          <a:bodyPr/>
+          <a:lstStyle/>
+          <a:p>
+            <a:pPr marL="158750" indent="0">
+              <a:buNone/>
+            </a:pPr>
+            <a:endParaRPr lang="zh-CN" altLang="en-US" dirty="0"/>
+          </a:p>
+        </p:txBody>
+      </p:sp>
+    </p:spTree>
+    <p:extLst>
+      <p:ext uri="{BB962C8B-B14F-4D97-AF65-F5344CB8AC3E}">
+        <p14:creationId xmlns:p14="http://schemas.microsoft.com/office/powerpoint/2010/main" val="898279113"/>
+      </p:ext>
+    </p:extLst>
+  </p:cSld>
+  <p:clrMapOvr>
+    <a:masterClrMapping/>
+  </p:clrMapOvr>
+</p:notes>
+</file>
+
+<file path=ppt/notesSlides/notesSlide14.xml><?xml version="1.0" encoding="utf-8"?>
+<p:notes xmlns:a="http://schemas.openxmlformats.org/drawingml/2006/main" xmlns:r="http://schemas.openxmlformats.org/officeDocument/2006/relationships" xmlns:p="http://schemas.openxmlformats.org/presentationml/2006/main">
+  <p:cSld>
+    <p:spTree>
+      <p:nvGrpSpPr>
+        <p:cNvPr id="1" name=""/>
+        <p:cNvGrpSpPr/>
+        <p:nvPr/>
+      </p:nvGrpSpPr>
+      <p:grpSpPr>
+        <a:xfrm>
+          <a:off x="0" y="0"/>
+          <a:ext cx="0" cy="0"/>
+          <a:chOff x="0" y="0"/>
+          <a:chExt cx="0" cy="0"/>
+        </a:xfrm>
+      </p:grpSpPr>
+      <p:sp>
+        <p:nvSpPr>
+          <p:cNvPr id="2" name="幻灯片图像占位符 1"/>
+          <p:cNvSpPr>
+            <a:spLocks noGrp="1" noRot="1" noChangeAspect="1"/>
+          </p:cNvSpPr>
+          <p:nvPr>
+            <p:ph type="sldImg"/>
+          </p:nvPr>
+        </p:nvSpPr>
+        <p:spPr>
+          <a:xfrm>
+            <a:off x="381000" y="685800"/>
+            <a:ext cx="6096000" cy="3429000"/>
+          </a:xfrm>
+        </p:spPr>
+      </p:sp>
+      <p:sp>
+        <p:nvSpPr>
+          <p:cNvPr id="3" name="备注占位符 2"/>
+          <p:cNvSpPr>
+            <a:spLocks noGrp="1"/>
+          </p:cNvSpPr>
+          <p:nvPr>
+            <p:ph type="body" idx="1"/>
+          </p:nvPr>
+        </p:nvSpPr>
+        <p:spPr/>
+        <p:txBody>
+          <a:bodyPr/>
+          <a:lstStyle/>
+          <a:p>
+            <a:endParaRPr lang="zh-CN" altLang="en-US" dirty="0"/>
+          </a:p>
+        </p:txBody>
+      </p:sp>
+    </p:spTree>
+    <p:extLst>
+      <p:ext uri="{BB962C8B-B14F-4D97-AF65-F5344CB8AC3E}">
+        <p14:creationId xmlns:p14="http://schemas.microsoft.com/office/powerpoint/2010/main" val="2735950736"/>
+      </p:ext>
+    </p:extLst>
+  </p:cSld>
+  <p:clrMapOvr>
+    <a:masterClrMapping/>
+  </p:clrMapOvr>
+</p:notes>
+</file>
+
+<file path=ppt/notesSlides/notesSlide15.xml><?xml version="1.0" encoding="utf-8"?>
 <p:notes xmlns:a="http://schemas.openxmlformats.org/drawingml/2006/main" xmlns:r="http://schemas.openxmlformats.org/officeDocument/2006/relationships" xmlns:p="http://schemas.openxmlformats.org/presentationml/2006/main" showMasterSp="0" showMasterPhAnim="0">
   <p:cSld>
     <p:spTree>
@@ -1349,7 +1483,7 @@
 </p:notes>
 </file>
 
-<file path=ppt/notesSlides/notesSlide14.xml><?xml version="1.0" encoding="utf-8"?>
+<file path=ppt/notesSlides/notesSlide16.xml><?xml version="1.0" encoding="utf-8"?>
 <p:notes xmlns:a="http://schemas.openxmlformats.org/drawingml/2006/main" xmlns:r="http://schemas.openxmlformats.org/officeDocument/2006/relationships" xmlns:p="http://schemas.openxmlformats.org/presentationml/2006/main" showMasterSp="0" showMasterPhAnim="0">
   <p:cSld>
     <p:spTree>
@@ -9963,10 +10097,10 @@
       </p:grpSpPr>
       <p:pic>
         <p:nvPicPr>
-          <p:cNvPr id="9" name="图片 8">
+          <p:cNvPr id="16" name="图片 15">
             <a:extLst>
               <a:ext uri="{FF2B5EF4-FFF2-40B4-BE49-F238E27FC236}">
-                <a16:creationId xmlns:a16="http://schemas.microsoft.com/office/drawing/2014/main" id="{25143860-10B2-BFC0-3A9D-E497375911B4}"/>
+                <a16:creationId xmlns:a16="http://schemas.microsoft.com/office/drawing/2014/main" id="{1846A004-F541-196D-8F47-0EF408C4ADC2}"/>
               </a:ext>
             </a:extLst>
           </p:cNvPr>
@@ -9976,15 +10110,15 @@
           <p:nvPr/>
         </p:nvPicPr>
         <p:blipFill>
-          <a:blip r:embed="rId2"/>
+          <a:blip r:embed="rId3"/>
           <a:stretch>
             <a:fillRect/>
           </a:stretch>
         </p:blipFill>
         <p:spPr>
           <a:xfrm>
-            <a:off x="2591962" y="2926081"/>
-            <a:ext cx="6522538" cy="2217420"/>
+            <a:off x="3251173" y="2489528"/>
+            <a:ext cx="5816136" cy="2590657"/>
           </a:xfrm>
           <a:prstGeom prst="rect">
             <a:avLst/>
@@ -10056,55 +10190,84 @@
           <a:lstStyle/>
           <a:p>
             <a:r>
-              <a:rPr lang="en-US" altLang="zh-CN" sz="2000" dirty="0"/>
+              <a:rPr lang="en-US" altLang="zh-CN" sz="2000" dirty="0">
+                <a:solidFill>
+                  <a:schemeClr val="bg2"/>
+                </a:solidFill>
+              </a:rPr>
               <a:t>Challenges:</a:t>
             </a:r>
           </a:p>
           <a:p>
             <a:pPr lvl="1"/>
             <a:r>
-              <a:rPr lang="en-US" altLang="zh-CN" sz="1800" dirty="0"/>
+              <a:rPr lang="en-US" altLang="zh-CN" sz="1400" dirty="0">
+                <a:solidFill>
+                  <a:schemeClr val="bg2"/>
+                </a:solidFill>
+              </a:rPr>
               <a:t>Improve the availability beyond 99.9%</a:t>
             </a:r>
           </a:p>
           <a:p>
             <a:r>
-              <a:rPr lang="en-US" altLang="zh-CN" sz="2000" dirty="0"/>
+              <a:rPr lang="en-US" altLang="zh-CN" sz="2000" dirty="0">
+                <a:solidFill>
+                  <a:schemeClr val="bg2"/>
+                </a:solidFill>
+              </a:rPr>
               <a:t>Service governance:</a:t>
             </a:r>
           </a:p>
           <a:p>
             <a:pPr lvl="1"/>
             <a:r>
-              <a:rPr lang="en-US" altLang="zh-CN" sz="1800" dirty="0"/>
-              <a:t>Rate limiting</a:t>
+              <a:rPr lang="en-US" altLang="zh-CN" sz="1400" dirty="0">
+                <a:solidFill>
+                  <a:schemeClr val="bg2"/>
+                </a:solidFill>
+              </a:rPr>
+              <a:t>Incoming: Rate limiting</a:t>
             </a:r>
           </a:p>
           <a:p>
             <a:pPr lvl="1"/>
             <a:r>
-              <a:rPr lang="en-US" altLang="zh-CN" sz="1800" dirty="0"/>
+              <a:rPr lang="en-US" altLang="zh-CN" sz="1400" dirty="0">
+                <a:solidFill>
+                  <a:schemeClr val="bg2"/>
+                </a:solidFill>
+              </a:rPr>
+              <a:t>Outgoing: </a:t>
+            </a:r>
+          </a:p>
+          <a:p>
+            <a:pPr lvl="2"/>
+            <a:r>
+              <a:rPr lang="en-US" altLang="zh-CN" sz="1400" dirty="0">
+                <a:solidFill>
+                  <a:schemeClr val="bg2"/>
+                </a:solidFill>
+              </a:rPr>
               <a:t>Circuit breaker</a:t>
             </a:r>
           </a:p>
           <a:p>
-            <a:pPr lvl="1"/>
+            <a:pPr lvl="2"/>
             <a:r>
-              <a:rPr lang="en-US" altLang="zh-CN" sz="1800" dirty="0">
-                <a:solidFill>
-                  <a:srgbClr val="FF0000"/>
+              <a:rPr lang="en-US" altLang="zh-CN" sz="1400" dirty="0">
+                <a:solidFill>
+                  <a:schemeClr val="bg2"/>
                 </a:solidFill>
               </a:rPr>
-              <a:t>Fallback cache</a:t>
+              <a:t>Timed retry</a:t>
             </a:r>
           </a:p>
           <a:p>
-            <a:pPr lvl="1"/>
-            <a:r>
-              <a:rPr lang="en-US" altLang="zh-CN" sz="1800" dirty="0"/>
-              <a:t>Timeout retry</a:t>
-            </a:r>
-            <a:endParaRPr lang="en-US" altLang="zh-CN" sz="1800" dirty="0">
+            <a:pPr marL="1073150" lvl="2" indent="0">
+              <a:buNone/>
+            </a:pPr>
+            <a:endParaRPr lang="en-US" altLang="zh-CN" sz="1400" dirty="0">
               <a:solidFill>
                 <a:schemeClr val="bg2"/>
               </a:solidFill>
@@ -10202,59 +10365,69 @@
         </p:spPr>
         <p:txBody>
           <a:bodyPr>
-            <a:normAutofit/>
+            <a:normAutofit lnSpcReduction="10000"/>
           </a:bodyPr>
           <a:lstStyle/>
           <a:p>
             <a:r>
-              <a:rPr lang="en-US" altLang="zh-CN" sz="1600" dirty="0"/>
-              <a:t>Open sourced: </a:t>
-            </a:r>
-            <a:r>
-              <a:rPr lang="en-US" altLang="zh-CN" sz="1600" dirty="0">
-                <a:hlinkClick r:id="rId2"/>
-              </a:rPr>
-              <a:t>https://github.com/Polly-Contrib/Polly.Contrib.CachePolicy</a:t>
-            </a:r>
-            <a:r>
-              <a:rPr lang="en-US" altLang="zh-CN" sz="1600" dirty="0"/>
-              <a:t> </a:t>
-            </a:r>
-          </a:p>
-          <a:p>
-            <a:endParaRPr lang="en-US" altLang="zh-CN" sz="1600" dirty="0"/>
-          </a:p>
-          <a:p>
-            <a:r>
-              <a:rPr lang="en-US" altLang="zh-CN" sz="1600" b="1" u="sng" dirty="0"/>
+              <a:rPr lang="en-US" altLang="zh-CN" sz="1700" b="1" u="sng" dirty="0"/>
               <a:t>Motivations for falling back to cache:</a:t>
             </a:r>
-            <a:endParaRPr lang="en-US" altLang="zh-CN" sz="1400" b="1" u="sng" dirty="0"/>
           </a:p>
           <a:p>
             <a:pPr lvl="1"/>
             <a:r>
-              <a:rPr lang="en-US" altLang="zh-CN" sz="1600" dirty="0"/>
+              <a:rPr lang="en-US" altLang="zh-CN" sz="1400" dirty="0"/>
               <a:t>Improve availability from 99.9% to 99.99%</a:t>
             </a:r>
           </a:p>
           <a:p>
             <a:pPr lvl="1"/>
             <a:r>
-              <a:rPr lang="en-US" altLang="zh-CN" sz="1600" dirty="0"/>
-              <a:t>Downstream service behavior is not stable and beyond control</a:t>
+              <a:rPr lang="en-US" altLang="zh-CN" sz="1400" dirty="0"/>
+              <a:t>There are five+ unstable downstream services beyond control</a:t>
             </a:r>
           </a:p>
           <a:p>
-            <a:pPr marL="615950" lvl="1" indent="0">
-              <a:buNone/>
-            </a:pPr>
+            <a:pPr lvl="1"/>
+            <a:endParaRPr lang="en-US" altLang="zh-CN" sz="1700" dirty="0"/>
+          </a:p>
+          <a:p>
+            <a:r>
+              <a:rPr lang="en-US" altLang="zh-CN" sz="1700" b="1" u="sng" dirty="0"/>
+              <a:t>Observation:</a:t>
+            </a:r>
+          </a:p>
+          <a:p>
+            <a:pPr lvl="1"/>
+            <a:r>
+              <a:rPr lang="en-US" altLang="zh-CN" sz="1500" dirty="0"/>
+              <a:t>Size of cache items is small</a:t>
+            </a:r>
+          </a:p>
+          <a:p>
+            <a:pPr lvl="1"/>
+            <a:r>
+              <a:rPr lang="en-US" altLang="zh-CN" sz="1500" dirty="0"/>
+              <a:t>The cache items rarely change</a:t>
+            </a:r>
+          </a:p>
+          <a:p>
+            <a:pPr lvl="1"/>
             <a:endParaRPr lang="en-US" altLang="zh-CN" sz="1600" dirty="0"/>
           </a:p>
           <a:p>
             <a:r>
-              <a:rPr lang="en-US" altLang="zh-CN" sz="1600" dirty="0"/>
-              <a:t>Idea: Store cache value with much longer retention period </a:t>
+              <a:rPr lang="en-US" altLang="zh-CN" sz="1700" b="1" u="sng" dirty="0"/>
+              <a:t>Idea: </a:t>
+            </a:r>
+            <a:endParaRPr lang="en-US" altLang="zh-CN" sz="1400" dirty="0"/>
+          </a:p>
+          <a:p>
+            <a:pPr lvl="1"/>
+            <a:r>
+              <a:rPr lang="en-US" altLang="zh-CN" sz="1400" dirty="0"/>
+              <a:t>Store cache value with much longer retention period </a:t>
             </a:r>
           </a:p>
           <a:p>
@@ -10280,14 +10453,14 @@
           <p:nvPr>
             <p:extLst>
               <p:ext uri="{D42A27DB-BD31-4B8C-83A1-F6EECF244321}">
-                <p14:modId xmlns:p14="http://schemas.microsoft.com/office/powerpoint/2010/main" val="2946624801"/>
+                <p14:modId xmlns:p14="http://schemas.microsoft.com/office/powerpoint/2010/main" val="3955511014"/>
               </p:ext>
             </p:extLst>
           </p:nvPr>
         </p:nvGraphicFramePr>
         <p:xfrm>
-          <a:off x="1280191" y="3613313"/>
-          <a:ext cx="6518756" cy="1112520"/>
+          <a:off x="5130230" y="2363061"/>
+          <a:ext cx="3922959" cy="1373511"/>
         </p:xfrm>
         <a:graphic>
           <a:graphicData uri="http://schemas.openxmlformats.org/drawingml/2006/table">
@@ -10296,21 +10469,21 @@
                 <a:tableStyleId>{5C22544A-7EE6-4342-B048-85BDC9FD1C3A}</a:tableStyleId>
               </a:tblPr>
               <a:tblGrid>
-                <a:gridCol w="2678276">
+                <a:gridCol w="1611775">
                   <a:extLst>
                     <a:ext uri="{9D8B030D-6E8A-4147-A177-3AD203B41FA5}">
                       <a16:colId xmlns:a16="http://schemas.microsoft.com/office/drawing/2014/main" val="2808971382"/>
                     </a:ext>
                   </a:extLst>
                 </a:gridCol>
-                <a:gridCol w="1445342">
+                <a:gridCol w="790458">
                   <a:extLst>
                     <a:ext uri="{9D8B030D-6E8A-4147-A177-3AD203B41FA5}">
                       <a16:colId xmlns:a16="http://schemas.microsoft.com/office/drawing/2014/main" val="2456096280"/>
                     </a:ext>
                   </a:extLst>
                 </a:gridCol>
-                <a:gridCol w="2395138">
+                <a:gridCol w="1520726">
                   <a:extLst>
                     <a:ext uri="{9D8B030D-6E8A-4147-A177-3AD203B41FA5}">
                       <a16:colId xmlns:a16="http://schemas.microsoft.com/office/drawing/2014/main" val="845386785"/>
@@ -10318,7 +10491,7 @@
                   </a:extLst>
                 </a:gridCol>
               </a:tblGrid>
-              <a:tr h="370840">
+              <a:tr h="471144">
                 <a:tc>
                   <a:txBody>
                     <a:bodyPr/>
@@ -10370,7 +10543,7 @@
                   </a:ext>
                 </a:extLst>
               </a:tr>
-              <a:tr h="370840">
+              <a:tr h="337191">
                 <a:tc>
                   <a:txBody>
                     <a:bodyPr/>
@@ -10462,7 +10635,7 @@
                   </a:ext>
                 </a:extLst>
               </a:tr>
-              <a:tr h="370840">
+              <a:tr h="471144">
                 <a:tc>
                   <a:txBody>
                     <a:bodyPr/>
@@ -10818,50 +10991,91 @@
           </a:bodyPr>
           <a:lstStyle/>
           <a:p>
+            <a:pPr marL="146050" indent="0">
+              <a:buNone/>
+            </a:pPr>
             <a:r>
-              <a:rPr lang="en-US" altLang="zh-CN" sz="1600" dirty="0"/>
-              <a:t>Assumption: </a:t>
+              <a:rPr lang="en-US" altLang="zh-CN" sz="1400" b="1" u="sng" dirty="0"/>
+              <a:t>Structure</a:t>
             </a:r>
-          </a:p>
-          <a:p>
-            <a:pPr lvl="1"/>
             <a:r>
-              <a:rPr lang="en-US" altLang="zh-CN" sz="1600" dirty="0"/>
-              <a:t>Size of cache items is small</a:t>
+              <a:rPr lang="en-US" altLang="zh-CN" sz="1600" b="1" dirty="0"/>
+              <a:t>: </a:t>
             </a:r>
           </a:p>
           <a:p>
-            <a:pPr lvl="1"/>
-            <a:r>
-              <a:rPr lang="en-US" altLang="zh-CN" sz="1600" dirty="0"/>
-              <a:t>The cache items rarely change</a:t>
-            </a:r>
-          </a:p>
-          <a:p>
-            <a:pPr marL="615950" lvl="1" indent="0">
+            <a:pPr marL="146050" indent="0">
               <a:buNone/>
             </a:pPr>
-            <a:endParaRPr lang="en-US" altLang="zh-CN" sz="1600" dirty="0"/>
-          </a:p>
-          <a:p>
-            <a:r>
-              <a:rPr lang="en-US" altLang="zh-CN" sz="1600" dirty="0"/>
-              <a:t>Design: </a:t>
-            </a:r>
-          </a:p>
-          <a:p>
-            <a:pPr lvl="1"/>
+            <a:endParaRPr lang="en-US" altLang="zh-CN" sz="1600" b="1" dirty="0"/>
+          </a:p>
+          <a:p>
             <a:r>
               <a:rPr lang="en-US" altLang="zh-CN" sz="1400" dirty="0"/>
               <a:t>Proxy pattern </a:t>
             </a:r>
           </a:p>
           <a:p>
-            <a:pPr lvl="1"/>
             <a:r>
               <a:rPr lang="en-US" altLang="zh-CN" sz="1400" dirty="0"/>
               <a:t>Cache and downstream service as input</a:t>
             </a:r>
+          </a:p>
+          <a:p>
+            <a:pPr marL="146050" indent="0">
+              <a:buNone/>
+            </a:pPr>
+            <a:endParaRPr lang="en-US" altLang="zh-CN" sz="1400" b="1" u="sng" dirty="0"/>
+          </a:p>
+          <a:p>
+            <a:pPr marL="146050" indent="0">
+              <a:buNone/>
+            </a:pPr>
+            <a:endParaRPr lang="en-US" altLang="zh-CN" sz="1400" b="1" u="sng" dirty="0"/>
+          </a:p>
+          <a:p>
+            <a:pPr marL="146050" indent="0">
+              <a:buNone/>
+            </a:pPr>
+            <a:r>
+              <a:rPr lang="en-US" altLang="zh-CN" sz="1400" b="1" u="sng" dirty="0"/>
+              <a:t>Config:</a:t>
+            </a:r>
+          </a:p>
+          <a:p>
+            <a:pPr marL="146050" indent="0">
+              <a:buNone/>
+            </a:pPr>
+            <a:endParaRPr lang="en-US" altLang="zh-CN" sz="1400" dirty="0"/>
+          </a:p>
+          <a:p>
+            <a:r>
+              <a:rPr lang="en-US" altLang="zh-CN" sz="1400" dirty="0"/>
+              <a:t>Serialization: </a:t>
+            </a:r>
+            <a:r>
+              <a:rPr lang="en-US" altLang="zh-CN" sz="1400" dirty="0" err="1"/>
+              <a:t>Protobuf</a:t>
+            </a:r>
+            <a:r>
+              <a:rPr lang="en-US" altLang="zh-CN" sz="1400" dirty="0"/>
+              <a:t> + compression</a:t>
+            </a:r>
+          </a:p>
+          <a:p>
+            <a:r>
+              <a:rPr lang="en-US" altLang="zh-CN" sz="1400" dirty="0"/>
+              <a:t>Expiration time: 7 days</a:t>
+            </a:r>
+          </a:p>
+          <a:p>
+            <a:r>
+              <a:rPr lang="en-US" altLang="zh-CN" sz="1400" dirty="0"/>
+              <a:t>Algorithm: LRU </a:t>
+            </a:r>
+          </a:p>
+          <a:p>
+            <a:endParaRPr lang="en-US" altLang="zh-CN" sz="1600" dirty="0"/>
           </a:p>
           <a:p>
             <a:pPr marL="146050" indent="0">
@@ -10893,8 +11107,8 @@
         </p:blipFill>
         <p:spPr>
           <a:xfrm>
-            <a:off x="4918366" y="1221166"/>
-            <a:ext cx="4225633" cy="3854149"/>
+            <a:off x="4860235" y="1168146"/>
+            <a:ext cx="4283764" cy="3907170"/>
           </a:xfrm>
           <a:prstGeom prst="rect">
             <a:avLst/>
@@ -11103,7 +11317,13 @@
   <p:cSld>
     <p:spTree>
       <p:nvGrpSpPr>
-        <p:cNvPr id="1" name=""/>
+        <p:cNvPr id="1" name="Shape 110">
+          <a:extLst>
+            <a:ext uri="{FF2B5EF4-FFF2-40B4-BE49-F238E27FC236}">
+              <a16:creationId xmlns:a16="http://schemas.microsoft.com/office/drawing/2014/main" id="{5AAF7F81-6177-55C2-D0DF-85ECB53BEBC6}"/>
+            </a:ext>
+          </a:extLst>
+        </p:cNvPr>
         <p:cNvGrpSpPr/>
         <p:nvPr/>
       </p:nvGrpSpPr>
@@ -11117,14 +11337,14 @@
       </p:grpSpPr>
       <p:sp>
         <p:nvSpPr>
-          <p:cNvPr id="4" name="标题 1">
+          <p:cNvPr id="111" name="Google Shape;111;p17">
             <a:extLst>
               <a:ext uri="{FF2B5EF4-FFF2-40B4-BE49-F238E27FC236}">
-                <a16:creationId xmlns:a16="http://schemas.microsoft.com/office/drawing/2014/main" id="{EA0A6BA5-A1B7-41D7-4064-1F22B3F1437E}"/>
+                <a16:creationId xmlns:a16="http://schemas.microsoft.com/office/drawing/2014/main" id="{7E3A7BFA-4C5C-6594-7601-E5C7E00E73C1}"/>
               </a:ext>
             </a:extLst>
           </p:cNvPr>
-          <p:cNvSpPr>
+          <p:cNvSpPr txBox="1">
             <a:spLocks noGrp="1"/>
           </p:cNvSpPr>
           <p:nvPr>
@@ -11133,30 +11353,32 @@
         </p:nvSpPr>
         <p:spPr>
           <a:xfrm>
-            <a:off x="729450" y="632945"/>
+            <a:off x="798025" y="705250"/>
             <a:ext cx="7688700" cy="535200"/>
           </a:xfrm>
+          <a:prstGeom prst="rect">
+            <a:avLst/>
+          </a:prstGeom>
         </p:spPr>
         <p:txBody>
-          <a:bodyPr>
+          <a:bodyPr spcFirstLastPara="1" wrap="square" lIns="91425" tIns="91425" rIns="91425" bIns="91425" anchor="t" anchorCtr="0">
             <a:normAutofit fontScale="90000"/>
           </a:bodyPr>
           <a:lstStyle/>
           <a:p>
             <a:r>
-              <a:rPr lang="en-US" altLang="zh-CN" dirty="0"/>
-              <a:t>Service governance: Fallback cache</a:t>
+              <a:rPr lang="en-US" altLang="zh-CN" sz="2400" dirty="0"/>
+              <a:t>Service governance</a:t>
             </a:r>
-            <a:endParaRPr lang="zh-CN" altLang="en-US" dirty="0"/>
           </a:p>
         </p:txBody>
       </p:sp>
       <p:sp>
         <p:nvSpPr>
-          <p:cNvPr id="7" name="文本占位符 6">
+          <p:cNvPr id="4" name="文本占位符 2">
             <a:extLst>
               <a:ext uri="{FF2B5EF4-FFF2-40B4-BE49-F238E27FC236}">
-                <a16:creationId xmlns:a16="http://schemas.microsoft.com/office/drawing/2014/main" id="{278E5767-87CC-AD1D-17BF-EE831F88581C}"/>
+                <a16:creationId xmlns:a16="http://schemas.microsoft.com/office/drawing/2014/main" id="{202F08AA-1BA8-E31A-8FDA-C8FFC364637A}"/>
               </a:ext>
             </a:extLst>
           </p:cNvPr>
@@ -11169,8 +11391,8 @@
         </p:nvSpPr>
         <p:spPr>
           <a:xfrm>
-            <a:off x="727650" y="1441199"/>
-            <a:ext cx="7688700" cy="3431667"/>
+            <a:off x="727650" y="1489245"/>
+            <a:ext cx="7967999" cy="2834982"/>
           </a:xfrm>
         </p:spPr>
         <p:txBody>
@@ -11179,58 +11401,74 @@
           </a:bodyPr>
           <a:lstStyle/>
           <a:p>
-            <a:pPr marL="146050" indent="0">
-              <a:buNone/>
-            </a:pPr>
             <a:r>
-              <a:rPr lang="en-US" altLang="zh-CN" sz="1600" b="1" u="sng" dirty="0"/>
-              <a:t>Config:</a:t>
+              <a:rPr lang="en-US" altLang="zh-CN" sz="1600" dirty="0"/>
+              <a:t>Results: </a:t>
             </a:r>
           </a:p>
           <a:p>
-            <a:pPr marL="146050" indent="0">
+            <a:pPr lvl="1"/>
+            <a:r>
+              <a:rPr lang="en-US" altLang="zh-CN" sz="1400" dirty="0"/>
+              <a:t>Downstream service availability improves beyond 99.99%.</a:t>
+            </a:r>
+          </a:p>
+          <a:p>
+            <a:pPr lvl="1"/>
+            <a:r>
+              <a:rPr lang="en-US" altLang="zh-CN" sz="1400" dirty="0"/>
+              <a:t>Service availability improves above 99.9%, almost reaching 99.99%.</a:t>
+            </a:r>
+          </a:p>
+          <a:p>
+            <a:pPr lvl="1"/>
+            <a:r>
+              <a:rPr lang="en-US" altLang="zh-CN" sz="1400" dirty="0"/>
+              <a:t>Key </a:t>
+            </a:r>
+            <a:r>
+              <a:rPr lang="en-US" altLang="zh-CN" sz="1400" dirty="0" err="1"/>
+              <a:t>api</a:t>
+            </a:r>
+            <a:r>
+              <a:rPr lang="en-US" altLang="zh-CN" sz="1400" dirty="0"/>
+              <a:t> </a:t>
+            </a:r>
+            <a:r>
+              <a:rPr lang="en-US" altLang="zh-CN" sz="1400" dirty="0">
+                <a:solidFill>
+                  <a:schemeClr val="bg2"/>
+                </a:solidFill>
+              </a:rPr>
+              <a:t>99.9% latency </a:t>
+            </a:r>
+            <a:r>
+              <a:rPr lang="en-US" altLang="zh-CN" sz="1400" dirty="0"/>
+              <a:t>improves above 5ms around 10%</a:t>
+            </a:r>
+          </a:p>
+          <a:p>
+            <a:pPr lvl="1"/>
+            <a:endParaRPr lang="en-US" altLang="zh-CN" sz="1400" dirty="0"/>
+          </a:p>
+          <a:p>
+            <a:pPr marL="615950" lvl="1" indent="0">
               <a:buNone/>
             </a:pPr>
             <a:endParaRPr lang="en-US" altLang="zh-CN" sz="1600" dirty="0"/>
           </a:p>
           <a:p>
-            <a:r>
-              <a:rPr lang="en-US" altLang="zh-CN" sz="1800" dirty="0"/>
-              <a:t>Serialization: </a:t>
-            </a:r>
-            <a:r>
-              <a:rPr lang="en-US" altLang="zh-CN" sz="1800" dirty="0" err="1"/>
-              <a:t>Protobuf</a:t>
-            </a:r>
-            <a:r>
-              <a:rPr lang="en-US" altLang="zh-CN" sz="1800" dirty="0"/>
-              <a:t> + compression</a:t>
-            </a:r>
-          </a:p>
-          <a:p>
-            <a:r>
-              <a:rPr lang="en-US" altLang="zh-CN" sz="1800" dirty="0"/>
-              <a:t>Expiration time: 7 days</a:t>
-            </a:r>
-          </a:p>
-          <a:p>
-            <a:r>
-              <a:rPr lang="en-US" altLang="zh-CN" sz="1800" dirty="0"/>
-              <a:t>Algorithm: LRU </a:t>
-            </a:r>
-          </a:p>
-          <a:p>
-            <a:pPr marL="146050" indent="0">
+            <a:pPr marL="615950" lvl="1" indent="0">
               <a:buNone/>
             </a:pPr>
-            <a:endParaRPr lang="en-US" altLang="zh-CN" sz="1600" dirty="0"/>
+            <a:endParaRPr lang="zh-CN" altLang="en-US" dirty="0"/>
           </a:p>
         </p:txBody>
       </p:sp>
     </p:spTree>
     <p:extLst>
       <p:ext uri="{BB962C8B-B14F-4D97-AF65-F5344CB8AC3E}">
-        <p14:creationId xmlns:p14="http://schemas.microsoft.com/office/powerpoint/2010/main" val="1502465075"/>
+        <p14:creationId xmlns:p14="http://schemas.microsoft.com/office/powerpoint/2010/main" val="3389154485"/>
       </p:ext>
     </p:extLst>
   </p:cSld>
@@ -11442,172 +11680,6 @@
 </file>
 
 <file path=ppt/slides/slide20.xml><?xml version="1.0" encoding="utf-8"?>
-<p:sld xmlns:a="http://schemas.openxmlformats.org/drawingml/2006/main" xmlns:r="http://schemas.openxmlformats.org/officeDocument/2006/relationships" xmlns:p="http://schemas.openxmlformats.org/presentationml/2006/main">
-  <p:cSld>
-    <p:spTree>
-      <p:nvGrpSpPr>
-        <p:cNvPr id="1" name="Shape 110">
-          <a:extLst>
-            <a:ext uri="{FF2B5EF4-FFF2-40B4-BE49-F238E27FC236}">
-              <a16:creationId xmlns:a16="http://schemas.microsoft.com/office/drawing/2014/main" id="{5AAF7F81-6177-55C2-D0DF-85ECB53BEBC6}"/>
-            </a:ext>
-          </a:extLst>
-        </p:cNvPr>
-        <p:cNvGrpSpPr/>
-        <p:nvPr/>
-      </p:nvGrpSpPr>
-      <p:grpSpPr>
-        <a:xfrm>
-          <a:off x="0" y="0"/>
-          <a:ext cx="0" cy="0"/>
-          <a:chOff x="0" y="0"/>
-          <a:chExt cx="0" cy="0"/>
-        </a:xfrm>
-      </p:grpSpPr>
-      <p:sp>
-        <p:nvSpPr>
-          <p:cNvPr id="111" name="Google Shape;111;p17">
-            <a:extLst>
-              <a:ext uri="{FF2B5EF4-FFF2-40B4-BE49-F238E27FC236}">
-                <a16:creationId xmlns:a16="http://schemas.microsoft.com/office/drawing/2014/main" id="{7E3A7BFA-4C5C-6594-7601-E5C7E00E73C1}"/>
-              </a:ext>
-            </a:extLst>
-          </p:cNvPr>
-          <p:cNvSpPr txBox="1">
-            <a:spLocks noGrp="1"/>
-          </p:cNvSpPr>
-          <p:nvPr>
-            <p:ph type="title"/>
-          </p:nvPr>
-        </p:nvSpPr>
-        <p:spPr>
-          <a:xfrm>
-            <a:off x="798025" y="705250"/>
-            <a:ext cx="7688700" cy="535200"/>
-          </a:xfrm>
-          <a:prstGeom prst="rect">
-            <a:avLst/>
-          </a:prstGeom>
-        </p:spPr>
-        <p:txBody>
-          <a:bodyPr spcFirstLastPara="1" wrap="square" lIns="91425" tIns="91425" rIns="91425" bIns="91425" anchor="t" anchorCtr="0">
-            <a:normAutofit fontScale="90000"/>
-          </a:bodyPr>
-          <a:lstStyle/>
-          <a:p>
-            <a:r>
-              <a:rPr lang="en-US" altLang="zh-CN" sz="2400" dirty="0"/>
-              <a:t>Service governance</a:t>
-            </a:r>
-          </a:p>
-        </p:txBody>
-      </p:sp>
-      <p:sp>
-        <p:nvSpPr>
-          <p:cNvPr id="4" name="文本占位符 2">
-            <a:extLst>
-              <a:ext uri="{FF2B5EF4-FFF2-40B4-BE49-F238E27FC236}">
-                <a16:creationId xmlns:a16="http://schemas.microsoft.com/office/drawing/2014/main" id="{202F08AA-1BA8-E31A-8FDA-C8FFC364637A}"/>
-              </a:ext>
-            </a:extLst>
-          </p:cNvPr>
-          <p:cNvSpPr>
-            <a:spLocks noGrp="1"/>
-          </p:cNvSpPr>
-          <p:nvPr>
-            <p:ph type="body" idx="1"/>
-          </p:nvPr>
-        </p:nvSpPr>
-        <p:spPr>
-          <a:xfrm>
-            <a:off x="727650" y="1489245"/>
-            <a:ext cx="7967999" cy="2834982"/>
-          </a:xfrm>
-        </p:spPr>
-        <p:txBody>
-          <a:bodyPr>
-            <a:normAutofit/>
-          </a:bodyPr>
-          <a:lstStyle/>
-          <a:p>
-            <a:r>
-              <a:rPr lang="en-US" altLang="zh-CN" sz="1600" dirty="0"/>
-              <a:t>Results: </a:t>
-            </a:r>
-          </a:p>
-          <a:p>
-            <a:pPr lvl="1"/>
-            <a:r>
-              <a:rPr lang="en-US" altLang="zh-CN" sz="1400" dirty="0"/>
-              <a:t>Downstream service availability improves beyond 99.99%.</a:t>
-            </a:r>
-          </a:p>
-          <a:p>
-            <a:pPr lvl="1"/>
-            <a:r>
-              <a:rPr lang="en-US" altLang="zh-CN" sz="1400" dirty="0"/>
-              <a:t>Service availability improves above 99.9%, almost reaching 99.99%.</a:t>
-            </a:r>
-          </a:p>
-          <a:p>
-            <a:pPr lvl="1"/>
-            <a:r>
-              <a:rPr lang="en-US" altLang="zh-CN" sz="1400" dirty="0"/>
-              <a:t>Key </a:t>
-            </a:r>
-            <a:r>
-              <a:rPr lang="en-US" altLang="zh-CN" sz="1400" dirty="0" err="1"/>
-              <a:t>api</a:t>
-            </a:r>
-            <a:r>
-              <a:rPr lang="en-US" altLang="zh-CN" sz="1400" dirty="0"/>
-              <a:t> </a:t>
-            </a:r>
-            <a:r>
-              <a:rPr lang="en-US" altLang="zh-CN" sz="1400" dirty="0">
-                <a:solidFill>
-                  <a:schemeClr val="bg2"/>
-                </a:solidFill>
-              </a:rPr>
-              <a:t>99.9% latency </a:t>
-            </a:r>
-            <a:r>
-              <a:rPr lang="en-US" altLang="zh-CN" sz="1400" dirty="0"/>
-              <a:t>improves above 5ms around 10%</a:t>
-            </a:r>
-          </a:p>
-          <a:p>
-            <a:pPr lvl="1"/>
-            <a:endParaRPr lang="en-US" altLang="zh-CN" sz="1400" dirty="0"/>
-          </a:p>
-          <a:p>
-            <a:pPr marL="615950" lvl="1" indent="0">
-              <a:buNone/>
-            </a:pPr>
-            <a:endParaRPr lang="en-US" altLang="zh-CN" sz="1600" dirty="0"/>
-          </a:p>
-          <a:p>
-            <a:pPr marL="615950" lvl="1" indent="0">
-              <a:buNone/>
-            </a:pPr>
-            <a:endParaRPr lang="zh-CN" altLang="en-US" dirty="0"/>
-          </a:p>
-        </p:txBody>
-      </p:sp>
-    </p:spTree>
-    <p:extLst>
-      <p:ext uri="{BB962C8B-B14F-4D97-AF65-F5344CB8AC3E}">
-        <p14:creationId xmlns:p14="http://schemas.microsoft.com/office/powerpoint/2010/main" val="3389154485"/>
-      </p:ext>
-    </p:extLst>
-  </p:cSld>
-  <p:clrMapOvr>
-    <a:masterClrMapping/>
-  </p:clrMapOvr>
-</p:sld>
-</file>
-
-<file path=ppt/slides/slide21.xml><?xml version="1.0" encoding="utf-8"?>
 <p:sld xmlns:a="http://schemas.openxmlformats.org/drawingml/2006/main" xmlns:r="http://schemas.openxmlformats.org/officeDocument/2006/relationships" xmlns:p="http://schemas.openxmlformats.org/presentationml/2006/main">
   <p:cSld>
     <p:spTree>
@@ -12032,7 +12104,7 @@
                   <a:schemeClr val="bg2"/>
                 </a:solidFill>
               </a:rPr>
-              <a:t>Web framework: C# and </a:t>
+              <a:t>Web framework: C#, </a:t>
             </a:r>
             <a:r>
               <a:rPr lang="en-US" sz="1800" dirty="0" err="1">
@@ -12048,7 +12120,7 @@
                   <a:schemeClr val="bg2"/>
                 </a:solidFill>
               </a:rPr>
-              <a:t> Core </a:t>
+              <a:t> Core, REST </a:t>
             </a:r>
           </a:p>
           <a:p>
